--- a/eece2160/sp18/lectures/eece.2160sp18_lec28_files.pptx
+++ b/eece2160/sp18/lectures/eece.2160sp18_lec28_files.pptx
@@ -5,10 +5,10 @@
     <p:sldMasterId id="2147483792" r:id="rId1"/>
   </p:sldMasterIdLst>
   <p:notesMasterIdLst>
-    <p:notesMasterId r:id="rId24"/>
+    <p:notesMasterId r:id="rId18"/>
   </p:notesMasterIdLst>
   <p:handoutMasterIdLst>
-    <p:handoutMasterId r:id="rId25"/>
+    <p:handoutMasterId r:id="rId19"/>
   </p:handoutMasterIdLst>
   <p:sldIdLst>
     <p:sldId id="256" r:id="rId2"/>
@@ -26,13 +26,7 @@
     <p:sldId id="505" r:id="rId14"/>
     <p:sldId id="506" r:id="rId15"/>
     <p:sldId id="507" r:id="rId16"/>
-    <p:sldId id="508" r:id="rId17"/>
-    <p:sldId id="509" r:id="rId18"/>
-    <p:sldId id="510" r:id="rId19"/>
-    <p:sldId id="511" r:id="rId20"/>
-    <p:sldId id="512" r:id="rId21"/>
-    <p:sldId id="513" r:id="rId22"/>
-    <p:sldId id="324" r:id="rId23"/>
+    <p:sldId id="324" r:id="rId17"/>
   </p:sldIdLst>
   <p:sldSz cx="9144000" cy="6858000" type="screen4x3"/>
   <p:notesSz cx="9144000" cy="6858000"/>
@@ -1335,9 +1329,9 @@
             </a:lvl1pPr>
           </a:lstStyle>
           <a:p>
-            <a:fld id="{A1CAE263-705B-0A4C-9FE0-D0762A97A0B5}" type="datetime1">
+            <a:fld id="{FBDDD506-E70A-534F-9574-C6EEBD39773B}" type="datetime1">
               <a:rPr lang="en-US" smtClean="0"/>
-              <a:t>4/11/18</a:t>
+              <a:t>4/13/18</a:t>
             </a:fld>
             <a:endParaRPr lang="en-US"/>
           </a:p>
@@ -1532,9 +1526,9 @@
             </a:lvl1pPr>
           </a:lstStyle>
           <a:p>
-            <a:fld id="{81A65D6C-F6EF-884E-B62F-83347FAF9A73}" type="datetime1">
+            <a:fld id="{947867DC-D8F0-2A4F-BAA6-2834225A5405}" type="datetime1">
               <a:rPr lang="en-US" smtClean="0"/>
-              <a:t>4/11/18</a:t>
+              <a:t>4/13/18</a:t>
             </a:fld>
             <a:endParaRPr lang="en-US"/>
           </a:p>
@@ -1738,9 +1732,9 @@
             </a:lvl1pPr>
           </a:lstStyle>
           <a:p>
-            <a:fld id="{1546A9B5-03BA-7B45-B553-1B1F5F20178C}" type="datetime1">
+            <a:fld id="{489010E9-6670-EE42-9826-91E3872A70F6}" type="datetime1">
               <a:rPr lang="en-US" smtClean="0"/>
-              <a:t>4/11/18</a:t>
+              <a:t>4/13/18</a:t>
             </a:fld>
             <a:endParaRPr lang="en-US"/>
           </a:p>
@@ -2001,9 +1995,9 @@
             </a:lvl1pPr>
           </a:lstStyle>
           <a:p>
-            <a:fld id="{2788D878-A669-C549-8CCF-DC2FF67C8F5E}" type="datetime1">
+            <a:fld id="{C671729D-C046-014A-BF52-E14F494A63DC}" type="datetime1">
               <a:rPr lang="en-US" smtClean="0"/>
-              <a:t>4/11/18</a:t>
+              <a:t>4/13/18</a:t>
             </a:fld>
             <a:endParaRPr lang="en-US"/>
           </a:p>
@@ -2264,9 +2258,9 @@
             </a:lvl1pPr>
           </a:lstStyle>
           <a:p>
-            <a:fld id="{CB690CE1-E7A3-BD49-B5F4-B20E22EB408F}" type="datetime1">
+            <a:fld id="{1D57BB3E-1521-2346-824D-EC3A6E2D0A1A}" type="datetime1">
               <a:rPr lang="en-US" smtClean="0"/>
-              <a:t>4/11/18</a:t>
+              <a:t>4/13/18</a:t>
             </a:fld>
             <a:endParaRPr lang="en-US"/>
           </a:p>
@@ -2460,9 +2454,9 @@
             </a:lvl1pPr>
           </a:lstStyle>
           <a:p>
-            <a:fld id="{2AA18583-F1C5-A140-9D78-BA7E61FF0413}" type="datetime1">
+            <a:fld id="{57948EE0-45FD-1041-83B4-068B73CE4A15}" type="datetime1">
               <a:rPr lang="en-US" smtClean="0"/>
-              <a:t>4/11/18</a:t>
+              <a:t>4/13/18</a:t>
             </a:fld>
             <a:endParaRPr lang="en-US"/>
           </a:p>
@@ -2678,9 +2672,9 @@
             </a:lvl1pPr>
           </a:lstStyle>
           <a:p>
-            <a:fld id="{E2939359-D698-AD4D-AC52-4B2FC0AAF263}" type="datetime1">
+            <a:fld id="{845C0019-75B2-7A4E-81DC-3CEC43333A3D}" type="datetime1">
               <a:rPr lang="en-US" smtClean="0"/>
-              <a:t>4/11/18</a:t>
+              <a:t>4/13/18</a:t>
             </a:fld>
             <a:endParaRPr lang="en-US"/>
           </a:p>
@@ -2992,9 +2986,9 @@
             </a:lvl1pPr>
           </a:lstStyle>
           <a:p>
-            <a:fld id="{09B7F4C3-A80F-EB40-829E-47344C746748}" type="datetime1">
+            <a:fld id="{23FF4F67-7A0A-FC46-9E4F-B8F253C34B80}" type="datetime1">
               <a:rPr lang="en-US" smtClean="0"/>
-              <a:t>4/11/18</a:t>
+              <a:t>4/13/18</a:t>
             </a:fld>
             <a:endParaRPr lang="en-US"/>
           </a:p>
@@ -3445,9 +3439,9 @@
             </a:lvl1pPr>
           </a:lstStyle>
           <a:p>
-            <a:fld id="{376FC132-2185-304B-860B-14B7C8891A06}" type="datetime1">
+            <a:fld id="{7A4BB51F-43BC-FB48-AC99-E3538884522F}" type="datetime1">
               <a:rPr lang="en-US" smtClean="0"/>
-              <a:t>4/11/18</a:t>
+              <a:t>4/13/18</a:t>
             </a:fld>
             <a:endParaRPr lang="en-US"/>
           </a:p>
@@ -3589,9 +3583,9 @@
             </a:lvl1pPr>
           </a:lstStyle>
           <a:p>
-            <a:fld id="{21F927D0-8BCC-E843-A0B9-B76D3D34F7DF}" type="datetime1">
+            <a:fld id="{FA6EF785-59FB-514C-871A-70A4D9A23408}" type="datetime1">
               <a:rPr lang="en-US" smtClean="0"/>
-              <a:t>4/11/18</a:t>
+              <a:t>4/13/18</a:t>
             </a:fld>
             <a:endParaRPr lang="en-US"/>
           </a:p>
@@ -3710,9 +3704,9 @@
             </a:lvl1pPr>
           </a:lstStyle>
           <a:p>
-            <a:fld id="{C4144DD9-AB3C-414C-8379-2DA84AC69DF4}" type="datetime1">
+            <a:fld id="{8D0845BD-6E84-2540-AC64-A14A93300A2D}" type="datetime1">
               <a:rPr lang="en-US" smtClean="0"/>
-              <a:t>4/11/18</a:t>
+              <a:t>4/13/18</a:t>
             </a:fld>
             <a:endParaRPr lang="en-US"/>
           </a:p>
@@ -4013,9 +4007,9 @@
             </a:lvl1pPr>
           </a:lstStyle>
           <a:p>
-            <a:fld id="{E3BBB935-C2C7-F443-9FF1-68E8E0407E37}" type="datetime1">
+            <a:fld id="{0BACF210-A18A-3942-8ED6-7B70C7F2EE6B}" type="datetime1">
               <a:rPr lang="en-US" smtClean="0"/>
-              <a:t>4/11/18</a:t>
+              <a:t>4/13/18</a:t>
             </a:fld>
             <a:endParaRPr lang="en-US"/>
           </a:p>
@@ -4293,9 +4287,9 @@
             </a:lvl1pPr>
           </a:lstStyle>
           <a:p>
-            <a:fld id="{91F911C6-6F06-6F4F-A217-D0066A5D2372}" type="datetime1">
+            <a:fld id="{700420EF-C3C4-3142-AF5B-6C36F9687F82}" type="datetime1">
               <a:rPr lang="en-US" smtClean="0"/>
-              <a:t>4/11/18</a:t>
+              <a:t>4/13/18</a:t>
             </a:fld>
             <a:endParaRPr lang="en-US"/>
           </a:p>
@@ -4592,9 +4586,9 @@
             </a:lvl1pPr>
           </a:lstStyle>
           <a:p>
-            <a:fld id="{BDFD7201-220A-5042-80A3-1BBFADD028A1}" type="datetime1">
+            <a:fld id="{BEC37598-6F55-064A-A477-0F27CC74AFF5}" type="datetime1">
               <a:rPr lang="en-US" smtClean="0"/>
-              <a:t>4/11/18</a:t>
+              <a:t>4/13/18</a:t>
             </a:fld>
             <a:endParaRPr lang="en-US"/>
           </a:p>
@@ -6510,11 +6504,11 @@
           </a:lstStyle>
           <a:p>
             <a:pPr eaLnBrk="1" hangingPunct="1"/>
-            <a:fld id="{434A1071-1BF9-6F44-BFBB-D24E57EE3325}" type="datetime1">
+            <a:fld id="{5D488AEA-F327-3F45-B23E-6C2734C86AA7}" type="datetime1">
               <a:rPr lang="en-US" sz="1200" smtClean="0">
                 <a:latin typeface="Garamond" charset="0"/>
               </a:rPr>
-              <a:t>4/11/18</a:t>
+              <a:t>4/13/18</a:t>
             </a:fld>
             <a:endParaRPr lang="en-US" sz="1200">
               <a:latin typeface="Garamond" charset="0"/>
@@ -7644,11 +7638,11 @@
           </a:lstStyle>
           <a:p>
             <a:pPr eaLnBrk="1" hangingPunct="1"/>
-            <a:fld id="{D3728B87-1240-564D-8C75-C7673AC10364}" type="datetime1">
+            <a:fld id="{28B24BB5-B505-7B4E-B0FD-9246F06A2CDB}" type="datetime1">
               <a:rPr lang="en-US" sz="1200" smtClean="0">
                 <a:latin typeface="Garamond" charset="0"/>
               </a:rPr>
-              <a:t>4/11/18</a:t>
+              <a:t>4/13/18</a:t>
             </a:fld>
             <a:endParaRPr lang="en-US" sz="1200">
               <a:latin typeface="Garamond" charset="0"/>
@@ -8153,11 +8147,11 @@
           </a:lstStyle>
           <a:p>
             <a:pPr eaLnBrk="1" hangingPunct="1"/>
-            <a:fld id="{4B71DE0B-B4D0-B84B-AA2A-EEC6D4DDBECB}" type="datetime1">
+            <a:fld id="{138F59D8-A707-FB41-A888-1BD12D8D1F1A}" type="datetime1">
               <a:rPr lang="en-US" sz="1200" smtClean="0">
                 <a:latin typeface="Garamond" charset="0"/>
               </a:rPr>
-              <a:t>4/11/18</a:t>
+              <a:t>4/13/18</a:t>
             </a:fld>
             <a:endParaRPr lang="en-US" sz="1200">
               <a:latin typeface="Garamond" charset="0"/>
@@ -8947,11 +8941,11 @@
           </a:lstStyle>
           <a:p>
             <a:pPr eaLnBrk="1" hangingPunct="1"/>
-            <a:fld id="{DBD4CA44-3633-A84D-8396-985695EBF90D}" type="datetime1">
+            <a:fld id="{2363FE21-502B-3A47-8A4F-FD3701A8E022}" type="datetime1">
               <a:rPr lang="en-US" sz="1200" smtClean="0">
                 <a:latin typeface="Garamond" charset="0"/>
               </a:rPr>
-              <a:t>4/11/18</a:t>
+              <a:t>4/13/18</a:t>
             </a:fld>
             <a:endParaRPr lang="en-US" sz="1200">
               <a:latin typeface="Garamond" charset="0"/>
@@ -9461,11 +9455,11 @@
           </a:lstStyle>
           <a:p>
             <a:pPr eaLnBrk="1" hangingPunct="1"/>
-            <a:fld id="{EC870D26-840D-CB4E-ACFA-26EFB48228C5}" type="datetime1">
+            <a:fld id="{D76CB25C-870D-9640-AA85-FE42696363C6}" type="datetime1">
               <a:rPr lang="en-US" sz="1200" smtClean="0">
                 <a:latin typeface="Garamond" charset="0"/>
               </a:rPr>
-              <a:t>4/11/18</a:t>
+              <a:t>4/13/18</a:t>
             </a:fld>
             <a:endParaRPr lang="en-US" sz="1200">
               <a:latin typeface="Garamond" charset="0"/>
@@ -10296,11 +10290,11 @@
           </a:lstStyle>
           <a:p>
             <a:pPr eaLnBrk="1" hangingPunct="1"/>
-            <a:fld id="{CE82F98C-1241-7A49-8FFE-BEB6AC06193E}" type="datetime1">
+            <a:fld id="{DE0D4967-C500-DD41-BC73-B60C1EFBADF4}" type="datetime1">
               <a:rPr lang="en-US" sz="1200" smtClean="0">
                 <a:latin typeface="Garamond" charset="0"/>
               </a:rPr>
-              <a:t>4/11/18</a:t>
+              <a:t>4/13/18</a:t>
             </a:fld>
             <a:endParaRPr lang="en-US" sz="1200">
               <a:latin typeface="Garamond" charset="0"/>
@@ -10531,7 +10525,7 @@
       </p:grpSpPr>
       <p:sp>
         <p:nvSpPr>
-          <p:cNvPr id="24577" name="Title 1"/>
+          <p:cNvPr id="23554" name="Title 1"/>
           <p:cNvSpPr>
             <a:spLocks noGrp="1"/>
           </p:cNvSpPr>
@@ -10548,14 +10542,14 @@
               <a:rPr lang="en-US">
                 <a:latin typeface="Garamond" charset="0"/>
               </a:rPr>
-              <a:t>File i/o function calls: formatted I/O</a:t>
+              <a:t>Next time</a:t>
             </a:r>
           </a:p>
         </p:txBody>
       </p:sp>
       <p:sp>
         <p:nvSpPr>
-          <p:cNvPr id="24578" name="Content Placeholder 2"/>
+          <p:cNvPr id="23555" name="Content Placeholder 2"/>
           <p:cNvSpPr>
             <a:spLocks noGrp="1"/>
           </p:cNvSpPr>
@@ -10565,265 +10559,153 @@
         </p:nvSpPr>
         <p:spPr>
           <a:xfrm>
-            <a:off x="304800" y="1143000"/>
-            <a:ext cx="8534400" cy="4987925"/>
+            <a:off x="457200" y="990600"/>
+            <a:ext cx="8229600" cy="5140325"/>
           </a:xfrm>
         </p:spPr>
         <p:txBody>
-          <a:bodyPr/>
+          <a:bodyPr>
+            <a:normAutofit/>
+          </a:bodyPr>
           <a:lstStyle/>
           <a:p>
             <a:pPr>
-              <a:buFont typeface="Arial" charset="0"/>
-              <a:buNone/>
+              <a:lnSpc>
+                <a:spcPct val="80000"/>
+              </a:lnSpc>
             </a:pPr>
             <a:r>
-              <a:rPr lang="en-US">
-                <a:latin typeface="Courier New" charset="0"/>
-                <a:cs typeface="Courier New" charset="0"/>
-              </a:rPr>
-              <a:t>fprintf(</a:t>
-            </a:r>
-            <a:r>
-              <a:rPr lang="en-US" sz="2200" i="1">
-                <a:solidFill>
-                  <a:srgbClr val="0000FF"/>
-                </a:solidFill>
-                <a:latin typeface="Arial" charset="0"/>
-              </a:rPr>
-              <a:t>file_handle</a:t>
-            </a:r>
-            <a:r>
-              <a:rPr lang="en-US" sz="2200" i="1">
-                <a:latin typeface="Arial" charset="0"/>
-              </a:rPr>
-              <a:t>, format_specifier, 0+ variables</a:t>
-            </a:r>
-            <a:r>
-              <a:rPr lang="en-US">
-                <a:latin typeface="Courier New" charset="0"/>
-                <a:cs typeface="Courier New" charset="0"/>
-              </a:rPr>
-              <a:t>)</a:t>
-            </a:r>
-          </a:p>
-          <a:p>
-            <a:r>
-              <a:rPr lang="en-US" i="1">
-                <a:solidFill>
-                  <a:srgbClr val="0000FF"/>
-                </a:solidFill>
-                <a:latin typeface="Arial" charset="0"/>
-                <a:cs typeface="Courier New" charset="0"/>
-              </a:rPr>
-              <a:t>file_handle</a:t>
-            </a:r>
-            <a:r>
-              <a:rPr lang="en-US" i="1">
-                <a:latin typeface="Arial" charset="0"/>
-                <a:cs typeface="Courier New" charset="0"/>
-              </a:rPr>
-              <a:t>:</a:t>
-            </a:r>
-            <a:r>
-              <a:rPr lang="en-US">
-                <a:latin typeface="Arial" charset="0"/>
-                <a:cs typeface="Courier New" charset="0"/>
-              </a:rPr>
-              <a:t> address returned by </a:t>
-            </a:r>
-            <a:r>
-              <a:rPr lang="en-US">
-                <a:latin typeface="Courier New" charset="0"/>
-                <a:cs typeface="Courier New" charset="0"/>
-              </a:rPr>
-              <a:t>fopen()</a:t>
-            </a:r>
-          </a:p>
-          <a:p>
-            <a:r>
-              <a:rPr lang="en-US">
-                <a:latin typeface="Arial" charset="0"/>
-                <a:cs typeface="Courier New" charset="0"/>
-              </a:rPr>
-              <a:t>Other arguments are same as </a:t>
-            </a:r>
-            <a:r>
-              <a:rPr lang="en-US">
-                <a:latin typeface="Courier New" charset="0"/>
-                <a:cs typeface="Courier New" charset="0"/>
-              </a:rPr>
-              <a:t>printf()</a:t>
-            </a:r>
-          </a:p>
-          <a:p>
-            <a:r>
-              <a:rPr lang="en-US">
-                <a:latin typeface="Arial" charset="0"/>
-                <a:cs typeface="Courier New" charset="0"/>
-              </a:rPr>
-              <a:t>Example: </a:t>
-            </a:r>
-            <a:r>
-              <a:rPr lang="en-US" b="1">
-                <a:latin typeface="Courier New" charset="0"/>
-                <a:cs typeface="Courier New" charset="0"/>
-              </a:rPr>
-              <a:t>fprintf(</a:t>
-            </a:r>
-            <a:r>
-              <a:rPr lang="en-US" b="1">
-                <a:solidFill>
-                  <a:srgbClr val="0000FF"/>
-                </a:solidFill>
-                <a:latin typeface="Courier New" charset="0"/>
-                <a:cs typeface="Courier New" charset="0"/>
-              </a:rPr>
-              <a:t>fp</a:t>
-            </a:r>
-            <a:r>
-              <a:rPr lang="en-US" b="1">
-                <a:latin typeface="Courier New" charset="0"/>
-                <a:cs typeface="Courier New" charset="0"/>
-              </a:rPr>
-              <a:t>, "x = %d", x);</a:t>
-            </a:r>
-          </a:p>
-          <a:p>
-            <a:endParaRPr lang="en-US">
+              <a:rPr lang="en-US" sz="2800" smtClean="0">
+                <a:latin typeface="Arial" charset="0"/>
+              </a:rPr>
+              <a:t>Finish file I/O</a:t>
+            </a:r>
+          </a:p>
+          <a:p>
+            <a:pPr>
+              <a:lnSpc>
+                <a:spcPct val="80000"/>
+              </a:lnSpc>
+            </a:pPr>
+            <a:r>
+              <a:rPr lang="en-US" sz="2800" dirty="0" smtClean="0">
+                <a:latin typeface="Arial" charset="0"/>
+              </a:rPr>
+              <a:t>Character </a:t>
+            </a:r>
+            <a:r>
+              <a:rPr lang="en-US" sz="2800" dirty="0" smtClean="0">
+                <a:latin typeface="Arial" charset="0"/>
+              </a:rPr>
+              <a:t>and line I/O</a:t>
+            </a:r>
+          </a:p>
+          <a:p>
+            <a:pPr>
+              <a:lnSpc>
+                <a:spcPct val="80000"/>
+              </a:lnSpc>
+            </a:pPr>
+            <a:endParaRPr lang="en-US" sz="2800" dirty="0">
               <a:latin typeface="Arial" charset="0"/>
-              <a:cs typeface="Courier New" charset="0"/>
             </a:endParaRPr>
           </a:p>
           <a:p>
             <a:pPr>
-              <a:buFont typeface="Arial" charset="0"/>
-              <a:buNone/>
+              <a:lnSpc>
+                <a:spcPct val="80000"/>
+              </a:lnSpc>
             </a:pPr>
             <a:r>
-              <a:rPr lang="en-US">
-                <a:latin typeface="Courier New" charset="0"/>
-                <a:cs typeface="Courier New" charset="0"/>
-              </a:rPr>
-              <a:t>fscanf(</a:t>
-            </a:r>
-            <a:r>
-              <a:rPr lang="en-US" sz="2200" i="1">
-                <a:solidFill>
-                  <a:srgbClr val="0000FF"/>
-                </a:solidFill>
-                <a:latin typeface="Arial" charset="0"/>
-              </a:rPr>
-              <a:t>file_handle</a:t>
-            </a:r>
-            <a:r>
-              <a:rPr lang="en-US" sz="2200" i="1">
-                <a:latin typeface="Arial" charset="0"/>
-              </a:rPr>
-              <a:t>, format_specifier, 0 or more variables</a:t>
-            </a:r>
-            <a:r>
-              <a:rPr lang="en-US">
-                <a:latin typeface="Courier New" charset="0"/>
-                <a:cs typeface="Courier New" charset="0"/>
-              </a:rPr>
-              <a:t>)</a:t>
-            </a:r>
-          </a:p>
-          <a:p>
-            <a:r>
-              <a:rPr lang="en-US" i="1">
-                <a:solidFill>
-                  <a:srgbClr val="0000FF"/>
-                </a:solidFill>
-                <a:latin typeface="Arial" charset="0"/>
-                <a:cs typeface="Courier New" charset="0"/>
-              </a:rPr>
-              <a:t>file_handle</a:t>
-            </a:r>
-            <a:r>
-              <a:rPr lang="en-US" i="1">
-                <a:latin typeface="Arial" charset="0"/>
-                <a:cs typeface="Courier New" charset="0"/>
-              </a:rPr>
-              <a:t>:</a:t>
-            </a:r>
-            <a:r>
-              <a:rPr lang="en-US">
-                <a:latin typeface="Arial" charset="0"/>
-                <a:cs typeface="Courier New" charset="0"/>
-              </a:rPr>
-              <a:t> address returned by </a:t>
-            </a:r>
-            <a:r>
-              <a:rPr lang="en-US">
-                <a:latin typeface="Courier New" charset="0"/>
-                <a:cs typeface="Courier New" charset="0"/>
-              </a:rPr>
-              <a:t>fopen()</a:t>
-            </a:r>
-          </a:p>
-          <a:p>
-            <a:r>
-              <a:rPr lang="en-US">
-                <a:latin typeface="Arial" charset="0"/>
-                <a:cs typeface="Courier New" charset="0"/>
-              </a:rPr>
-              <a:t>Other arguments are same as scanf()</a:t>
-            </a:r>
-          </a:p>
-          <a:p>
-            <a:r>
-              <a:rPr lang="en-US">
-                <a:latin typeface="Arial" charset="0"/>
-                <a:cs typeface="Courier New" charset="0"/>
-              </a:rPr>
-              <a:t>Example: </a:t>
-            </a:r>
-            <a:r>
-              <a:rPr lang="en-US" b="1">
-                <a:latin typeface="Courier New" charset="0"/>
-                <a:cs typeface="Courier New" charset="0"/>
-              </a:rPr>
-              <a:t>fscanf(</a:t>
-            </a:r>
-            <a:r>
-              <a:rPr lang="en-US" b="1">
-                <a:solidFill>
-                  <a:srgbClr val="0000FF"/>
-                </a:solidFill>
-                <a:latin typeface="Courier New" charset="0"/>
-                <a:cs typeface="Courier New" charset="0"/>
-              </a:rPr>
-              <a:t>fp</a:t>
-            </a:r>
-            <a:r>
-              <a:rPr lang="en-US" b="1">
-                <a:latin typeface="Courier New" charset="0"/>
-                <a:cs typeface="Courier New" charset="0"/>
-              </a:rPr>
-              <a:t>, "%d%d", &amp;a, &amp;b);</a:t>
-            </a:r>
-            <a:endParaRPr lang="en-US">
-              <a:latin typeface="Courier New" charset="0"/>
-              <a:cs typeface="Courier New" charset="0"/>
+              <a:rPr lang="en-US" sz="2800" dirty="0">
+                <a:latin typeface="Arial" charset="0"/>
+              </a:rPr>
+              <a:t>Reminders:</a:t>
+            </a:r>
+          </a:p>
+          <a:p>
+            <a:pPr lvl="1"/>
+            <a:r>
+              <a:rPr lang="en-US" dirty="0">
+                <a:latin typeface="Arial" charset="0"/>
+              </a:rPr>
+              <a:t>Program 6 graded; </a:t>
+            </a:r>
+            <a:r>
+              <a:rPr lang="en-US" dirty="0" err="1">
+                <a:latin typeface="Arial" charset="0"/>
+              </a:rPr>
+              <a:t>regrades</a:t>
+            </a:r>
+            <a:r>
+              <a:rPr lang="en-US" dirty="0">
+                <a:latin typeface="Arial" charset="0"/>
+              </a:rPr>
+              <a:t> due Wed 4/18</a:t>
+            </a:r>
+          </a:p>
+          <a:p>
+            <a:pPr lvl="1"/>
+            <a:r>
+              <a:rPr lang="en-US" dirty="0">
+                <a:latin typeface="Arial" charset="0"/>
+              </a:rPr>
+              <a:t>Program 7 due Friday, 4/13</a:t>
+            </a:r>
+          </a:p>
+          <a:p>
+            <a:pPr lvl="1"/>
+            <a:r>
+              <a:rPr lang="en-US" dirty="0">
+                <a:latin typeface="Arial" charset="0"/>
+              </a:rPr>
+              <a:t>Program 8 to be posted; due 4/</a:t>
+            </a:r>
+            <a:r>
+              <a:rPr lang="en-US" dirty="0" smtClean="0">
+                <a:latin typeface="Arial" charset="0"/>
+              </a:rPr>
+              <a:t>23</a:t>
+            </a:r>
+          </a:p>
+          <a:p>
+            <a:pPr lvl="1"/>
+            <a:r>
+              <a:rPr lang="en-US" dirty="0">
+                <a:latin typeface="Arial" charset="0"/>
+              </a:rPr>
+              <a:t>No lecture Monday 4/16 (Patriots Day)</a:t>
+            </a:r>
+          </a:p>
+          <a:p>
+            <a:pPr lvl="1"/>
+            <a:endParaRPr lang="en-US" dirty="0">
+              <a:latin typeface="Arial" charset="0"/>
             </a:endParaRPr>
           </a:p>
           <a:p>
-            <a:pPr>
-              <a:buFont typeface="Wingdings" charset="0"/>
-              <a:buNone/>
+            <a:pPr lvl="2">
+              <a:defRPr/>
             </a:pPr>
-            <a:endParaRPr lang="en-US">
-              <a:latin typeface="Courier New" charset="0"/>
-              <a:cs typeface="Courier New" charset="0"/>
+            <a:endParaRPr lang="en-US" sz="2000" dirty="0">
+              <a:latin typeface="Arial" charset="0"/>
+            </a:endParaRPr>
+          </a:p>
+          <a:p>
+            <a:pPr lvl="2">
+              <a:lnSpc>
+                <a:spcPct val="80000"/>
+              </a:lnSpc>
+            </a:pPr>
+            <a:endParaRPr lang="en-US" sz="2000" dirty="0">
+              <a:latin typeface="Arial" charset="0"/>
             </a:endParaRPr>
           </a:p>
         </p:txBody>
       </p:sp>
       <p:sp>
         <p:nvSpPr>
-          <p:cNvPr id="24579" name="Date Placeholder 3"/>
+          <p:cNvPr id="23556" name="Date Placeholder 3"/>
           <p:cNvSpPr>
             <a:spLocks noGrp="1"/>
           </p:cNvSpPr>
@@ -10857,8 +10739,8 @@
         <p:txBody>
           <a:bodyPr/>
           <a:lstStyle>
-            <a:lvl1pPr eaLnBrk="0" hangingPunct="0">
-              <a:defRPr sz="2400">
+            <a:lvl1pPr>
+              <a:defRPr sz="3000">
                 <a:solidFill>
                   <a:schemeClr val="tx1"/>
                 </a:solidFill>
@@ -10867,8 +10749,8 @@
                 <a:cs typeface="ＭＳ Ｐゴシック" charset="0"/>
               </a:defRPr>
             </a:lvl1pPr>
-            <a:lvl2pPr marL="742950" indent="-285750" eaLnBrk="0" hangingPunct="0">
-              <a:defRPr sz="2400">
+            <a:lvl2pPr marL="742950" indent="-285750">
+              <a:defRPr sz="2600">
                 <a:solidFill>
                   <a:schemeClr val="tx1"/>
                 </a:solidFill>
@@ -10876,8 +10758,8 @@
                 <a:ea typeface="ＭＳ Ｐゴシック" charset="0"/>
               </a:defRPr>
             </a:lvl2pPr>
-            <a:lvl3pPr marL="1143000" indent="-228600" eaLnBrk="0" hangingPunct="0">
-              <a:defRPr sz="2400">
+            <a:lvl3pPr marL="1143000" indent="-228600">
+              <a:defRPr sz="2200">
                 <a:solidFill>
                   <a:schemeClr val="tx1"/>
                 </a:solidFill>
@@ -10885,8 +10767,8 @@
                 <a:ea typeface="ＭＳ Ｐゴシック" charset="0"/>
               </a:defRPr>
             </a:lvl3pPr>
-            <a:lvl4pPr marL="1600200" indent="-228600" eaLnBrk="0" hangingPunct="0">
-              <a:defRPr sz="2400">
+            <a:lvl4pPr marL="1600200" indent="-228600">
+              <a:defRPr sz="2000">
                 <a:solidFill>
                   <a:schemeClr val="tx1"/>
                 </a:solidFill>
@@ -10894,8 +10776,8 @@
                 <a:ea typeface="ＭＳ Ｐゴシック" charset="0"/>
               </a:defRPr>
             </a:lvl4pPr>
-            <a:lvl5pPr marL="2057400" indent="-228600" eaLnBrk="0" hangingPunct="0">
-              <a:defRPr sz="2400">
+            <a:lvl5pPr marL="2057400" indent="-228600">
+              <a:defRPr sz="2000">
                 <a:solidFill>
                   <a:schemeClr val="tx1"/>
                 </a:solidFill>
@@ -10903,14 +10785,9 @@
                 <a:ea typeface="ＭＳ Ｐゴシック" charset="0"/>
               </a:defRPr>
             </a:lvl5pPr>
-            <a:lvl6pPr marL="2514600" indent="-228600" eaLnBrk="0" fontAlgn="base" hangingPunct="0">
-              <a:spcBef>
-                <a:spcPct val="0"/>
-              </a:spcBef>
-              <a:spcAft>
-                <a:spcPct val="0"/>
-              </a:spcAft>
-              <a:defRPr sz="2400">
+            <a:lvl6pPr marL="2514600" indent="-228600" eaLnBrk="0" hangingPunct="0">
+              <a:buFont typeface="Wingdings" charset="0"/>
+              <a:defRPr sz="2000">
                 <a:solidFill>
                   <a:schemeClr val="tx1"/>
                 </a:solidFill>
@@ -10918,14 +10795,9 @@
                 <a:ea typeface="ＭＳ Ｐゴシック" charset="0"/>
               </a:defRPr>
             </a:lvl6pPr>
-            <a:lvl7pPr marL="2971800" indent="-228600" eaLnBrk="0" fontAlgn="base" hangingPunct="0">
-              <a:spcBef>
-                <a:spcPct val="0"/>
-              </a:spcBef>
-              <a:spcAft>
-                <a:spcPct val="0"/>
-              </a:spcAft>
-              <a:defRPr sz="2400">
+            <a:lvl7pPr marL="2971800" indent="-228600" eaLnBrk="0" hangingPunct="0">
+              <a:buFont typeface="Wingdings" charset="0"/>
+              <a:defRPr sz="2000">
                 <a:solidFill>
                   <a:schemeClr val="tx1"/>
                 </a:solidFill>
@@ -10933,14 +10805,9 @@
                 <a:ea typeface="ＭＳ Ｐゴシック" charset="0"/>
               </a:defRPr>
             </a:lvl7pPr>
-            <a:lvl8pPr marL="3429000" indent="-228600" eaLnBrk="0" fontAlgn="base" hangingPunct="0">
-              <a:spcBef>
-                <a:spcPct val="0"/>
-              </a:spcBef>
-              <a:spcAft>
-                <a:spcPct val="0"/>
-              </a:spcAft>
-              <a:defRPr sz="2400">
+            <a:lvl8pPr marL="3429000" indent="-228600" eaLnBrk="0" hangingPunct="0">
+              <a:buFont typeface="Wingdings" charset="0"/>
+              <a:defRPr sz="2000">
                 <a:solidFill>
                   <a:schemeClr val="tx1"/>
                 </a:solidFill>
@@ -10948,14 +10815,9 @@
                 <a:ea typeface="ＭＳ Ｐゴシック" charset="0"/>
               </a:defRPr>
             </a:lvl8pPr>
-            <a:lvl9pPr marL="3886200" indent="-228600" eaLnBrk="0" fontAlgn="base" hangingPunct="0">
-              <a:spcBef>
-                <a:spcPct val="0"/>
-              </a:spcBef>
-              <a:spcAft>
-                <a:spcPct val="0"/>
-              </a:spcAft>
-              <a:defRPr sz="2400">
+            <a:lvl9pPr marL="3886200" indent="-228600" eaLnBrk="0" hangingPunct="0">
+              <a:buFont typeface="Wingdings" charset="0"/>
+              <a:defRPr sz="2000">
                 <a:solidFill>
                   <a:schemeClr val="tx1"/>
                 </a:solidFill>
@@ -10965,22 +10827,44 @@
             </a:lvl9pPr>
           </a:lstStyle>
           <a:p>
-            <a:pPr eaLnBrk="1" hangingPunct="1"/>
-            <a:fld id="{55F8AFB1-8A9A-7C48-AE6E-7AD0FAC65DEC}" type="datetime1">
-              <a:rPr lang="en-US" sz="1200" smtClean="0">
-                <a:latin typeface="Garamond" charset="0"/>
-              </a:rPr>
-              <a:t>4/11/18</a:t>
+            <a:pPr eaLnBrk="0" hangingPunct="0"/>
+            <a:fld id="{23D7924C-E5E2-5342-BB46-45A1AE1C7B9C}" type="datetime1">
+              <a:rPr lang="en-US" sz="1200" smtClean="0"/>
+              <a:t>4/13/18</a:t>
             </a:fld>
-            <a:endParaRPr lang="en-US" sz="1200">
-              <a:latin typeface="Garamond" charset="0"/>
-            </a:endParaRPr>
+            <a:endParaRPr lang="en-US" sz="1200" dirty="0"/>
           </a:p>
         </p:txBody>
       </p:sp>
       <p:sp>
         <p:nvSpPr>
-          <p:cNvPr id="24580" name="Slide Number Placeholder 4"/>
+          <p:cNvPr id="5" name="Footer Placeholder 4"/>
+          <p:cNvSpPr>
+            <a:spLocks noGrp="1"/>
+          </p:cNvSpPr>
+          <p:nvPr>
+            <p:ph type="ftr" sz="quarter" idx="11"/>
+          </p:nvPr>
+        </p:nvSpPr>
+        <p:spPr/>
+        <p:txBody>
+          <a:bodyPr/>
+          <a:lstStyle/>
+          <a:p>
+            <a:pPr>
+              <a:defRPr/>
+            </a:pPr>
+            <a:r>
+              <a:rPr lang="en-US" altLang="en-US" smtClean="0"/>
+              <a:t>ECE Application Programming: Lecture 28</a:t>
+            </a:r>
+            <a:endParaRPr lang="en-US" altLang="en-US"/>
+          </a:p>
+        </p:txBody>
+      </p:sp>
+      <p:sp>
+        <p:nvSpPr>
+          <p:cNvPr id="23558" name="Slide Number Placeholder 5"/>
           <p:cNvSpPr>
             <a:spLocks noGrp="1"/>
           </p:cNvSpPr>
@@ -11014,8 +10898,8 @@
         <p:txBody>
           <a:bodyPr/>
           <a:lstStyle>
-            <a:lvl1pPr eaLnBrk="0" hangingPunct="0">
-              <a:defRPr sz="2400">
+            <a:lvl1pPr>
+              <a:defRPr sz="3000">
                 <a:solidFill>
                   <a:schemeClr val="tx1"/>
                 </a:solidFill>
@@ -11024,8 +10908,8 @@
                 <a:cs typeface="ＭＳ Ｐゴシック" charset="0"/>
               </a:defRPr>
             </a:lvl1pPr>
-            <a:lvl2pPr marL="742950" indent="-285750" eaLnBrk="0" hangingPunct="0">
-              <a:defRPr sz="2400">
+            <a:lvl2pPr marL="742950" indent="-285750">
+              <a:defRPr sz="2600">
                 <a:solidFill>
                   <a:schemeClr val="tx1"/>
                 </a:solidFill>
@@ -11033,8 +10917,8 @@
                 <a:ea typeface="ＭＳ Ｐゴシック" charset="0"/>
               </a:defRPr>
             </a:lvl2pPr>
-            <a:lvl3pPr marL="1143000" indent="-228600" eaLnBrk="0" hangingPunct="0">
-              <a:defRPr sz="2400">
+            <a:lvl3pPr marL="1143000" indent="-228600">
+              <a:defRPr sz="2200">
                 <a:solidFill>
                   <a:schemeClr val="tx1"/>
                 </a:solidFill>
@@ -11042,8 +10926,8 @@
                 <a:ea typeface="ＭＳ Ｐゴシック" charset="0"/>
               </a:defRPr>
             </a:lvl3pPr>
-            <a:lvl4pPr marL="1600200" indent="-228600" eaLnBrk="0" hangingPunct="0">
-              <a:defRPr sz="2400">
+            <a:lvl4pPr marL="1600200" indent="-228600">
+              <a:defRPr sz="2000">
                 <a:solidFill>
                   <a:schemeClr val="tx1"/>
                 </a:solidFill>
@@ -11051,8 +10935,8 @@
                 <a:ea typeface="ＭＳ Ｐゴシック" charset="0"/>
               </a:defRPr>
             </a:lvl4pPr>
-            <a:lvl5pPr marL="2057400" indent="-228600" eaLnBrk="0" hangingPunct="0">
-              <a:defRPr sz="2400">
+            <a:lvl5pPr marL="2057400" indent="-228600">
+              <a:defRPr sz="2000">
                 <a:solidFill>
                   <a:schemeClr val="tx1"/>
                 </a:solidFill>
@@ -11060,14 +10944,9 @@
                 <a:ea typeface="ＭＳ Ｐゴシック" charset="0"/>
               </a:defRPr>
             </a:lvl5pPr>
-            <a:lvl6pPr marL="2514600" indent="-228600" eaLnBrk="0" fontAlgn="base" hangingPunct="0">
-              <a:spcBef>
-                <a:spcPct val="0"/>
-              </a:spcBef>
-              <a:spcAft>
-                <a:spcPct val="0"/>
-              </a:spcAft>
-              <a:defRPr sz="2400">
+            <a:lvl6pPr marL="2514600" indent="-228600" eaLnBrk="0" hangingPunct="0">
+              <a:buFont typeface="Wingdings" charset="0"/>
+              <a:defRPr sz="2000">
                 <a:solidFill>
                   <a:schemeClr val="tx1"/>
                 </a:solidFill>
@@ -11075,14 +10954,9 @@
                 <a:ea typeface="ＭＳ Ｐゴシック" charset="0"/>
               </a:defRPr>
             </a:lvl6pPr>
-            <a:lvl7pPr marL="2971800" indent="-228600" eaLnBrk="0" fontAlgn="base" hangingPunct="0">
-              <a:spcBef>
-                <a:spcPct val="0"/>
-              </a:spcBef>
-              <a:spcAft>
-                <a:spcPct val="0"/>
-              </a:spcAft>
-              <a:defRPr sz="2400">
+            <a:lvl7pPr marL="2971800" indent="-228600" eaLnBrk="0" hangingPunct="0">
+              <a:buFont typeface="Wingdings" charset="0"/>
+              <a:defRPr sz="2000">
                 <a:solidFill>
                   <a:schemeClr val="tx1"/>
                 </a:solidFill>
@@ -11090,14 +10964,9 @@
                 <a:ea typeface="ＭＳ Ｐゴシック" charset="0"/>
               </a:defRPr>
             </a:lvl7pPr>
-            <a:lvl8pPr marL="3429000" indent="-228600" eaLnBrk="0" fontAlgn="base" hangingPunct="0">
-              <a:spcBef>
-                <a:spcPct val="0"/>
-              </a:spcBef>
-              <a:spcAft>
-                <a:spcPct val="0"/>
-              </a:spcAft>
-              <a:defRPr sz="2400">
+            <a:lvl8pPr marL="3429000" indent="-228600" eaLnBrk="0" hangingPunct="0">
+              <a:buFont typeface="Wingdings" charset="0"/>
+              <a:defRPr sz="2000">
                 <a:solidFill>
                   <a:schemeClr val="tx1"/>
                 </a:solidFill>
@@ -11105,14 +10974,9 @@
                 <a:ea typeface="ＭＳ Ｐゴシック" charset="0"/>
               </a:defRPr>
             </a:lvl8pPr>
-            <a:lvl9pPr marL="3886200" indent="-228600" eaLnBrk="0" fontAlgn="base" hangingPunct="0">
-              <a:spcBef>
-                <a:spcPct val="0"/>
-              </a:spcBef>
-              <a:spcAft>
-                <a:spcPct val="0"/>
-              </a:spcAft>
-              <a:defRPr sz="2400">
+            <a:lvl9pPr marL="3886200" indent="-228600" eaLnBrk="0" hangingPunct="0">
+              <a:buFont typeface="Wingdings" charset="0"/>
+              <a:defRPr sz="2000">
                 <a:solidFill>
                   <a:schemeClr val="tx1"/>
                 </a:solidFill>
@@ -11122,2319 +10986,17 @@
             </a:lvl9pPr>
           </a:lstStyle>
           <a:p>
-            <a:pPr eaLnBrk="1" hangingPunct="1"/>
-            <a:fld id="{20ECFD07-42DF-5541-B6D1-49A890F60819}" type="slidenum">
-              <a:rPr lang="en-US" sz="1200">
-                <a:latin typeface="Garamond" charset="0"/>
-              </a:rPr>
-              <a:pPr eaLnBrk="1" hangingPunct="1"/>
+            <a:pPr eaLnBrk="0" hangingPunct="0"/>
+            <a:fld id="{843FFED0-5613-D747-AC8F-CF84A7339BF4}" type="slidenum">
+              <a:rPr lang="en-US" sz="1200"/>
+              <a:pPr eaLnBrk="0" hangingPunct="0"/>
               <a:t>16</a:t>
             </a:fld>
-            <a:endParaRPr lang="en-US" sz="1200">
-              <a:latin typeface="Garamond" charset="0"/>
-            </a:endParaRPr>
-          </a:p>
-        </p:txBody>
-      </p:sp>
-      <p:sp>
-        <p:nvSpPr>
-          <p:cNvPr id="6" name="Footer Placeholder 5"/>
-          <p:cNvSpPr>
-            <a:spLocks noGrp="1"/>
-          </p:cNvSpPr>
-          <p:nvPr>
-            <p:ph type="ftr" sz="quarter" idx="11"/>
-          </p:nvPr>
-        </p:nvSpPr>
-        <p:spPr/>
-        <p:txBody>
-          <a:bodyPr/>
-          <a:lstStyle/>
-          <a:p>
-            <a:pPr>
-              <a:defRPr/>
-            </a:pPr>
-            <a:r>
-              <a:rPr lang="en-US" altLang="en-US" smtClean="0"/>
-              <a:t>ECE Application Programming: Lecture 28</a:t>
-            </a:r>
-            <a:endParaRPr lang="en-US" altLang="en-US"/>
+            <a:endParaRPr lang="en-US" sz="1200"/>
           </a:p>
         </p:txBody>
       </p:sp>
     </p:spTree>
-    <p:extLst>
-      <p:ext uri="{BB962C8B-B14F-4D97-AF65-F5344CB8AC3E}">
-        <p14:creationId xmlns:p14="http://schemas.microsoft.com/office/powerpoint/2010/main" val="598755405"/>
-      </p:ext>
-    </p:extLst>
-  </p:cSld>
-  <p:clrMapOvr>
-    <a:masterClrMapping/>
-  </p:clrMapOvr>
-  <p:timing>
-    <p:tnLst>
-      <p:par>
-        <p:cTn xmlns:p14="http://schemas.microsoft.com/office/powerpoint/2010/main" id="1" dur="indefinite" restart="never" nodeType="tmRoot"/>
-      </p:par>
-    </p:tnLst>
-  </p:timing>
-</p:sld>
-</file>
-
-<file path=ppt/slides/slide17.xml><?xml version="1.0" encoding="utf-8"?>
-<p:sld xmlns:a="http://schemas.openxmlformats.org/drawingml/2006/main" xmlns:r="http://schemas.openxmlformats.org/officeDocument/2006/relationships" xmlns:p="http://schemas.openxmlformats.org/presentationml/2006/main">
-  <p:cSld>
-    <p:spTree>
-      <p:nvGrpSpPr>
-        <p:cNvPr id="1" name=""/>
-        <p:cNvGrpSpPr/>
-        <p:nvPr/>
-      </p:nvGrpSpPr>
-      <p:grpSpPr>
-        <a:xfrm>
-          <a:off x="0" y="0"/>
-          <a:ext cx="0" cy="0"/>
-          <a:chOff x="0" y="0"/>
-          <a:chExt cx="0" cy="0"/>
-        </a:xfrm>
-      </p:grpSpPr>
-      <p:sp>
-        <p:nvSpPr>
-          <p:cNvPr id="25601" name="Title 1"/>
-          <p:cNvSpPr>
-            <a:spLocks noGrp="1"/>
-          </p:cNvSpPr>
-          <p:nvPr>
-            <p:ph type="title"/>
-          </p:nvPr>
-        </p:nvSpPr>
-        <p:spPr/>
-        <p:txBody>
-          <a:bodyPr/>
-          <a:lstStyle/>
-          <a:p>
-            <a:r>
-              <a:rPr lang="en-US">
-                <a:latin typeface="Garamond" charset="0"/>
-              </a:rPr>
-              <a:t>Example: File I/O</a:t>
-            </a:r>
-          </a:p>
-        </p:txBody>
-      </p:sp>
-      <p:sp>
-        <p:nvSpPr>
-          <p:cNvPr id="25602" name="Content Placeholder 2"/>
-          <p:cNvSpPr>
-            <a:spLocks noGrp="1"/>
-          </p:cNvSpPr>
-          <p:nvPr>
-            <p:ph idx="1"/>
-          </p:nvPr>
-        </p:nvSpPr>
-        <p:spPr/>
-        <p:txBody>
-          <a:bodyPr/>
-          <a:lstStyle/>
-          <a:p>
-            <a:r>
-              <a:rPr lang="en-US">
-                <a:latin typeface="Arial" charset="0"/>
-              </a:rPr>
-              <a:t>Write a program to:</a:t>
-            </a:r>
-          </a:p>
-          <a:p>
-            <a:pPr lvl="1"/>
-            <a:r>
-              <a:rPr lang="en-US">
-                <a:latin typeface="Arial" charset="0"/>
-              </a:rPr>
-              <a:t>Read three integer values from the file </a:t>
-            </a:r>
-            <a:r>
-              <a:rPr lang="en-US">
-                <a:latin typeface="Courier New" charset="0"/>
-                <a:cs typeface="Courier New" charset="0"/>
-              </a:rPr>
-              <a:t>myinput.txt</a:t>
-            </a:r>
-          </a:p>
-          <a:p>
-            <a:pPr lvl="1"/>
-            <a:r>
-              <a:rPr lang="en-US">
-                <a:latin typeface="Arial" charset="0"/>
-              </a:rPr>
-              <a:t>Determine sum and average</a:t>
-            </a:r>
-          </a:p>
-          <a:p>
-            <a:pPr lvl="1"/>
-            <a:r>
-              <a:rPr lang="en-US">
-                <a:latin typeface="Arial" charset="0"/>
-              </a:rPr>
-              <a:t>Write the original three values as well as the sum and average to the file </a:t>
-            </a:r>
-            <a:r>
-              <a:rPr lang="en-US">
-                <a:latin typeface="Courier New" charset="0"/>
-                <a:cs typeface="Courier New" charset="0"/>
-              </a:rPr>
-              <a:t>myoutput.txt</a:t>
-            </a:r>
-          </a:p>
-          <a:p>
-            <a:r>
-              <a:rPr lang="en-US">
-                <a:latin typeface="Arial" charset="0"/>
-                <a:cs typeface="Courier New" charset="0"/>
-              </a:rPr>
-              <a:t>Note that:</a:t>
-            </a:r>
-          </a:p>
-          <a:p>
-            <a:pPr lvl="1"/>
-            <a:r>
-              <a:rPr lang="en-US">
-                <a:latin typeface="Arial" charset="0"/>
-                <a:cs typeface="Courier New" charset="0"/>
-              </a:rPr>
-              <a:t>The program should exit if an error occurs in opening a file</a:t>
-            </a:r>
-          </a:p>
-          <a:p>
-            <a:pPr lvl="1"/>
-            <a:endParaRPr lang="en-US">
-              <a:latin typeface="Arial" charset="0"/>
-              <a:cs typeface="Courier New" charset="0"/>
-            </a:endParaRPr>
-          </a:p>
-          <a:p>
-            <a:endParaRPr lang="en-US">
-              <a:latin typeface="Arial" charset="0"/>
-            </a:endParaRPr>
-          </a:p>
-        </p:txBody>
-      </p:sp>
-      <p:sp>
-        <p:nvSpPr>
-          <p:cNvPr id="25603" name="Date Placeholder 3"/>
-          <p:cNvSpPr>
-            <a:spLocks noGrp="1"/>
-          </p:cNvSpPr>
-          <p:nvPr>
-            <p:ph type="dt" sz="quarter" idx="10"/>
-          </p:nvPr>
-        </p:nvSpPr>
-        <p:spPr>
-          <a:noFill/>
-          <a:ln/>
-          <a:extLst>
-            <a:ext uri="{909E8E84-426E-40dd-AFC4-6F175D3DCCD1}">
-              <a14:hiddenFill xmlns:a14="http://schemas.microsoft.com/office/drawing/2010/main">
-                <a:solidFill>
-                  <a:srgbClr val="FFFFFF"/>
-                </a:solidFill>
-              </a14:hiddenFill>
-            </a:ext>
-            <a:ext uri="{91240B29-F687-4f45-9708-019B960494DF}">
-              <a14:hiddenLine xmlns:a14="http://schemas.microsoft.com/office/drawing/2010/main" w="9525">
-                <a:solidFill>
-                  <a:srgbClr val="000000"/>
-                </a:solidFill>
-                <a:miter lim="800000"/>
-                <a:headEnd/>
-                <a:tailEnd/>
-              </a14:hiddenLine>
-            </a:ext>
-          </a:extLst>
-        </p:spPr>
-        <p:txBody>
-          <a:bodyPr/>
-          <a:lstStyle>
-            <a:lvl1pPr eaLnBrk="0" hangingPunct="0">
-              <a:defRPr sz="2400">
-                <a:solidFill>
-                  <a:schemeClr val="tx1"/>
-                </a:solidFill>
-                <a:latin typeface="Arial" charset="0"/>
-                <a:ea typeface="ＭＳ Ｐゴシック" charset="0"/>
-                <a:cs typeface="ＭＳ Ｐゴシック" charset="0"/>
-              </a:defRPr>
-            </a:lvl1pPr>
-            <a:lvl2pPr marL="742950" indent="-285750" eaLnBrk="0" hangingPunct="0">
-              <a:defRPr sz="2400">
-                <a:solidFill>
-                  <a:schemeClr val="tx1"/>
-                </a:solidFill>
-                <a:latin typeface="Arial" charset="0"/>
-                <a:ea typeface="ＭＳ Ｐゴシック" charset="0"/>
-              </a:defRPr>
-            </a:lvl2pPr>
-            <a:lvl3pPr marL="1143000" indent="-228600" eaLnBrk="0" hangingPunct="0">
-              <a:defRPr sz="2400">
-                <a:solidFill>
-                  <a:schemeClr val="tx1"/>
-                </a:solidFill>
-                <a:latin typeface="Arial" charset="0"/>
-                <a:ea typeface="ＭＳ Ｐゴシック" charset="0"/>
-              </a:defRPr>
-            </a:lvl3pPr>
-            <a:lvl4pPr marL="1600200" indent="-228600" eaLnBrk="0" hangingPunct="0">
-              <a:defRPr sz="2400">
-                <a:solidFill>
-                  <a:schemeClr val="tx1"/>
-                </a:solidFill>
-                <a:latin typeface="Arial" charset="0"/>
-                <a:ea typeface="ＭＳ Ｐゴシック" charset="0"/>
-              </a:defRPr>
-            </a:lvl4pPr>
-            <a:lvl5pPr marL="2057400" indent="-228600" eaLnBrk="0" hangingPunct="0">
-              <a:defRPr sz="2400">
-                <a:solidFill>
-                  <a:schemeClr val="tx1"/>
-                </a:solidFill>
-                <a:latin typeface="Arial" charset="0"/>
-                <a:ea typeface="ＭＳ Ｐゴシック" charset="0"/>
-              </a:defRPr>
-            </a:lvl5pPr>
-            <a:lvl6pPr marL="2514600" indent="-228600" eaLnBrk="0" fontAlgn="base" hangingPunct="0">
-              <a:spcBef>
-                <a:spcPct val="0"/>
-              </a:spcBef>
-              <a:spcAft>
-                <a:spcPct val="0"/>
-              </a:spcAft>
-              <a:defRPr sz="2400">
-                <a:solidFill>
-                  <a:schemeClr val="tx1"/>
-                </a:solidFill>
-                <a:latin typeface="Arial" charset="0"/>
-                <a:ea typeface="ＭＳ Ｐゴシック" charset="0"/>
-              </a:defRPr>
-            </a:lvl6pPr>
-            <a:lvl7pPr marL="2971800" indent="-228600" eaLnBrk="0" fontAlgn="base" hangingPunct="0">
-              <a:spcBef>
-                <a:spcPct val="0"/>
-              </a:spcBef>
-              <a:spcAft>
-                <a:spcPct val="0"/>
-              </a:spcAft>
-              <a:defRPr sz="2400">
-                <a:solidFill>
-                  <a:schemeClr val="tx1"/>
-                </a:solidFill>
-                <a:latin typeface="Arial" charset="0"/>
-                <a:ea typeface="ＭＳ Ｐゴシック" charset="0"/>
-              </a:defRPr>
-            </a:lvl7pPr>
-            <a:lvl8pPr marL="3429000" indent="-228600" eaLnBrk="0" fontAlgn="base" hangingPunct="0">
-              <a:spcBef>
-                <a:spcPct val="0"/>
-              </a:spcBef>
-              <a:spcAft>
-                <a:spcPct val="0"/>
-              </a:spcAft>
-              <a:defRPr sz="2400">
-                <a:solidFill>
-                  <a:schemeClr val="tx1"/>
-                </a:solidFill>
-                <a:latin typeface="Arial" charset="0"/>
-                <a:ea typeface="ＭＳ Ｐゴシック" charset="0"/>
-              </a:defRPr>
-            </a:lvl8pPr>
-            <a:lvl9pPr marL="3886200" indent="-228600" eaLnBrk="0" fontAlgn="base" hangingPunct="0">
-              <a:spcBef>
-                <a:spcPct val="0"/>
-              </a:spcBef>
-              <a:spcAft>
-                <a:spcPct val="0"/>
-              </a:spcAft>
-              <a:defRPr sz="2400">
-                <a:solidFill>
-                  <a:schemeClr val="tx1"/>
-                </a:solidFill>
-                <a:latin typeface="Arial" charset="0"/>
-                <a:ea typeface="ＭＳ Ｐゴシック" charset="0"/>
-              </a:defRPr>
-            </a:lvl9pPr>
-          </a:lstStyle>
-          <a:p>
-            <a:pPr eaLnBrk="1" hangingPunct="1"/>
-            <a:fld id="{6C101DF1-F7F4-434B-8851-9106E694906C}" type="datetime1">
-              <a:rPr lang="en-US" sz="1200" smtClean="0">
-                <a:latin typeface="Garamond" charset="0"/>
-              </a:rPr>
-              <a:t>4/11/18</a:t>
-            </a:fld>
-            <a:endParaRPr lang="en-US" sz="1200">
-              <a:latin typeface="Garamond" charset="0"/>
-            </a:endParaRPr>
-          </a:p>
-        </p:txBody>
-      </p:sp>
-      <p:sp>
-        <p:nvSpPr>
-          <p:cNvPr id="25604" name="Slide Number Placeholder 4"/>
-          <p:cNvSpPr>
-            <a:spLocks noGrp="1"/>
-          </p:cNvSpPr>
-          <p:nvPr>
-            <p:ph type="sldNum" sz="quarter" idx="12"/>
-          </p:nvPr>
-        </p:nvSpPr>
-        <p:spPr>
-          <a:noFill/>
-          <a:ln/>
-          <a:extLst>
-            <a:ext uri="{909E8E84-426E-40dd-AFC4-6F175D3DCCD1}">
-              <a14:hiddenFill xmlns:a14="http://schemas.microsoft.com/office/drawing/2010/main">
-                <a:solidFill>
-                  <a:srgbClr val="FFFFFF"/>
-                </a:solidFill>
-              </a14:hiddenFill>
-            </a:ext>
-            <a:ext uri="{91240B29-F687-4f45-9708-019B960494DF}">
-              <a14:hiddenLine xmlns:a14="http://schemas.microsoft.com/office/drawing/2010/main" w="9525">
-                <a:solidFill>
-                  <a:srgbClr val="000000"/>
-                </a:solidFill>
-                <a:miter lim="800000"/>
-                <a:headEnd/>
-                <a:tailEnd/>
-              </a14:hiddenLine>
-            </a:ext>
-          </a:extLst>
-        </p:spPr>
-        <p:txBody>
-          <a:bodyPr/>
-          <a:lstStyle>
-            <a:lvl1pPr eaLnBrk="0" hangingPunct="0">
-              <a:defRPr sz="2400">
-                <a:solidFill>
-                  <a:schemeClr val="tx1"/>
-                </a:solidFill>
-                <a:latin typeface="Arial" charset="0"/>
-                <a:ea typeface="ＭＳ Ｐゴシック" charset="0"/>
-                <a:cs typeface="ＭＳ Ｐゴシック" charset="0"/>
-              </a:defRPr>
-            </a:lvl1pPr>
-            <a:lvl2pPr marL="742950" indent="-285750" eaLnBrk="0" hangingPunct="0">
-              <a:defRPr sz="2400">
-                <a:solidFill>
-                  <a:schemeClr val="tx1"/>
-                </a:solidFill>
-                <a:latin typeface="Arial" charset="0"/>
-                <a:ea typeface="ＭＳ Ｐゴシック" charset="0"/>
-              </a:defRPr>
-            </a:lvl2pPr>
-            <a:lvl3pPr marL="1143000" indent="-228600" eaLnBrk="0" hangingPunct="0">
-              <a:defRPr sz="2400">
-                <a:solidFill>
-                  <a:schemeClr val="tx1"/>
-                </a:solidFill>
-                <a:latin typeface="Arial" charset="0"/>
-                <a:ea typeface="ＭＳ Ｐゴシック" charset="0"/>
-              </a:defRPr>
-            </a:lvl3pPr>
-            <a:lvl4pPr marL="1600200" indent="-228600" eaLnBrk="0" hangingPunct="0">
-              <a:defRPr sz="2400">
-                <a:solidFill>
-                  <a:schemeClr val="tx1"/>
-                </a:solidFill>
-                <a:latin typeface="Arial" charset="0"/>
-                <a:ea typeface="ＭＳ Ｐゴシック" charset="0"/>
-              </a:defRPr>
-            </a:lvl4pPr>
-            <a:lvl5pPr marL="2057400" indent="-228600" eaLnBrk="0" hangingPunct="0">
-              <a:defRPr sz="2400">
-                <a:solidFill>
-                  <a:schemeClr val="tx1"/>
-                </a:solidFill>
-                <a:latin typeface="Arial" charset="0"/>
-                <a:ea typeface="ＭＳ Ｐゴシック" charset="0"/>
-              </a:defRPr>
-            </a:lvl5pPr>
-            <a:lvl6pPr marL="2514600" indent="-228600" eaLnBrk="0" fontAlgn="base" hangingPunct="0">
-              <a:spcBef>
-                <a:spcPct val="0"/>
-              </a:spcBef>
-              <a:spcAft>
-                <a:spcPct val="0"/>
-              </a:spcAft>
-              <a:defRPr sz="2400">
-                <a:solidFill>
-                  <a:schemeClr val="tx1"/>
-                </a:solidFill>
-                <a:latin typeface="Arial" charset="0"/>
-                <a:ea typeface="ＭＳ Ｐゴシック" charset="0"/>
-              </a:defRPr>
-            </a:lvl6pPr>
-            <a:lvl7pPr marL="2971800" indent="-228600" eaLnBrk="0" fontAlgn="base" hangingPunct="0">
-              <a:spcBef>
-                <a:spcPct val="0"/>
-              </a:spcBef>
-              <a:spcAft>
-                <a:spcPct val="0"/>
-              </a:spcAft>
-              <a:defRPr sz="2400">
-                <a:solidFill>
-                  <a:schemeClr val="tx1"/>
-                </a:solidFill>
-                <a:latin typeface="Arial" charset="0"/>
-                <a:ea typeface="ＭＳ Ｐゴシック" charset="0"/>
-              </a:defRPr>
-            </a:lvl7pPr>
-            <a:lvl8pPr marL="3429000" indent="-228600" eaLnBrk="0" fontAlgn="base" hangingPunct="0">
-              <a:spcBef>
-                <a:spcPct val="0"/>
-              </a:spcBef>
-              <a:spcAft>
-                <a:spcPct val="0"/>
-              </a:spcAft>
-              <a:defRPr sz="2400">
-                <a:solidFill>
-                  <a:schemeClr val="tx1"/>
-                </a:solidFill>
-                <a:latin typeface="Arial" charset="0"/>
-                <a:ea typeface="ＭＳ Ｐゴシック" charset="0"/>
-              </a:defRPr>
-            </a:lvl8pPr>
-            <a:lvl9pPr marL="3886200" indent="-228600" eaLnBrk="0" fontAlgn="base" hangingPunct="0">
-              <a:spcBef>
-                <a:spcPct val="0"/>
-              </a:spcBef>
-              <a:spcAft>
-                <a:spcPct val="0"/>
-              </a:spcAft>
-              <a:defRPr sz="2400">
-                <a:solidFill>
-                  <a:schemeClr val="tx1"/>
-                </a:solidFill>
-                <a:latin typeface="Arial" charset="0"/>
-                <a:ea typeface="ＭＳ Ｐゴシック" charset="0"/>
-              </a:defRPr>
-            </a:lvl9pPr>
-          </a:lstStyle>
-          <a:p>
-            <a:pPr eaLnBrk="1" hangingPunct="1"/>
-            <a:fld id="{04B03BCB-345F-1347-BEE9-01D4372712C3}" type="slidenum">
-              <a:rPr lang="en-US" sz="1200">
-                <a:latin typeface="Garamond" charset="0"/>
-              </a:rPr>
-              <a:pPr eaLnBrk="1" hangingPunct="1"/>
-              <a:t>17</a:t>
-            </a:fld>
-            <a:endParaRPr lang="en-US" sz="1200">
-              <a:latin typeface="Garamond" charset="0"/>
-            </a:endParaRPr>
-          </a:p>
-        </p:txBody>
-      </p:sp>
-      <p:sp>
-        <p:nvSpPr>
-          <p:cNvPr id="6" name="Footer Placeholder 5"/>
-          <p:cNvSpPr>
-            <a:spLocks noGrp="1"/>
-          </p:cNvSpPr>
-          <p:nvPr>
-            <p:ph type="ftr" sz="quarter" idx="11"/>
-          </p:nvPr>
-        </p:nvSpPr>
-        <p:spPr/>
-        <p:txBody>
-          <a:bodyPr/>
-          <a:lstStyle/>
-          <a:p>
-            <a:pPr>
-              <a:defRPr/>
-            </a:pPr>
-            <a:r>
-              <a:rPr lang="en-US" altLang="en-US" smtClean="0"/>
-              <a:t>ECE Application Programming: Lecture 28</a:t>
-            </a:r>
-            <a:endParaRPr lang="en-US" altLang="en-US"/>
-          </a:p>
-        </p:txBody>
-      </p:sp>
-    </p:spTree>
-    <p:extLst>
-      <p:ext uri="{BB962C8B-B14F-4D97-AF65-F5344CB8AC3E}">
-        <p14:creationId xmlns:p14="http://schemas.microsoft.com/office/powerpoint/2010/main" val="3044514672"/>
-      </p:ext>
-    </p:extLst>
-  </p:cSld>
-  <p:clrMapOvr>
-    <a:masterClrMapping/>
-  </p:clrMapOvr>
-  <p:timing>
-    <p:tnLst>
-      <p:par>
-        <p:cTn xmlns:p14="http://schemas.microsoft.com/office/powerpoint/2010/main" id="1" dur="indefinite" restart="never" nodeType="tmRoot"/>
-      </p:par>
-    </p:tnLst>
-  </p:timing>
-</p:sld>
-</file>
-
-<file path=ppt/slides/slide18.xml><?xml version="1.0" encoding="utf-8"?>
-<p:sld xmlns:a="http://schemas.openxmlformats.org/drawingml/2006/main" xmlns:r="http://schemas.openxmlformats.org/officeDocument/2006/relationships" xmlns:p="http://schemas.openxmlformats.org/presentationml/2006/main">
-  <p:cSld>
-    <p:spTree>
-      <p:nvGrpSpPr>
-        <p:cNvPr id="1" name=""/>
-        <p:cNvGrpSpPr/>
-        <p:nvPr/>
-      </p:nvGrpSpPr>
-      <p:grpSpPr>
-        <a:xfrm>
-          <a:off x="0" y="0"/>
-          <a:ext cx="0" cy="0"/>
-          <a:chOff x="0" y="0"/>
-          <a:chExt cx="0" cy="0"/>
-        </a:xfrm>
-      </p:grpSpPr>
-      <p:sp>
-        <p:nvSpPr>
-          <p:cNvPr id="2" name="Title 1"/>
-          <p:cNvSpPr>
-            <a:spLocks noGrp="1"/>
-          </p:cNvSpPr>
-          <p:nvPr>
-            <p:ph type="title"/>
-          </p:nvPr>
-        </p:nvSpPr>
-        <p:spPr>
-          <a:xfrm>
-            <a:off x="457200" y="274638"/>
-            <a:ext cx="8229600" cy="639762"/>
-          </a:xfrm>
-        </p:spPr>
-        <p:txBody>
-          <a:bodyPr rtlCol="0">
-            <a:normAutofit fontScale="90000"/>
-          </a:bodyPr>
-          <a:lstStyle/>
-          <a:p>
-            <a:pPr fontAlgn="auto">
-              <a:spcAft>
-                <a:spcPts val="0"/>
-              </a:spcAft>
-              <a:defRPr/>
-            </a:pPr>
-            <a:r>
-              <a:rPr lang="en-US" dirty="0" smtClean="0">
-                <a:ea typeface="+mj-ea"/>
-                <a:cs typeface="+mj-cs"/>
-              </a:rPr>
-              <a:t>The program (part 1)</a:t>
-            </a:r>
-          </a:p>
-        </p:txBody>
-      </p:sp>
-      <p:sp>
-        <p:nvSpPr>
-          <p:cNvPr id="3" name="Content Placeholder 2"/>
-          <p:cNvSpPr>
-            <a:spLocks noGrp="1"/>
-          </p:cNvSpPr>
-          <p:nvPr>
-            <p:ph idx="1"/>
-          </p:nvPr>
-        </p:nvSpPr>
-        <p:spPr>
-          <a:xfrm>
-            <a:off x="457200" y="838200"/>
-            <a:ext cx="8229600" cy="5287963"/>
-          </a:xfrm>
-        </p:spPr>
-        <p:txBody>
-          <a:bodyPr rtlCol="0">
-            <a:normAutofit fontScale="92500" lnSpcReduction="10000"/>
-          </a:bodyPr>
-          <a:lstStyle/>
-          <a:p>
-            <a:pPr fontAlgn="auto">
-              <a:spcAft>
-                <a:spcPts val="0"/>
-              </a:spcAft>
-              <a:buFont typeface="Arial" pitchFamily="34" charset="0"/>
-              <a:buNone/>
-              <a:defRPr/>
-            </a:pPr>
-            <a:r>
-              <a:rPr lang="en-US" sz="1400" b="1" dirty="0" smtClean="0">
-                <a:latin typeface="Courier New" pitchFamily="49" charset="0"/>
-                <a:ea typeface="+mn-ea"/>
-                <a:cs typeface="Courier New" pitchFamily="49" charset="0"/>
-              </a:rPr>
-              <a:t>#include &lt;</a:t>
-            </a:r>
-            <a:r>
-              <a:rPr lang="en-US" sz="1400" b="1" dirty="0" err="1" smtClean="0">
-                <a:latin typeface="Courier New" pitchFamily="49" charset="0"/>
-                <a:ea typeface="+mn-ea"/>
-                <a:cs typeface="Courier New" pitchFamily="49" charset="0"/>
-              </a:rPr>
-              <a:t>stdio.h</a:t>
-            </a:r>
-            <a:r>
-              <a:rPr lang="en-US" sz="1400" b="1" dirty="0" smtClean="0">
-                <a:latin typeface="Courier New" pitchFamily="49" charset="0"/>
-                <a:ea typeface="+mn-ea"/>
-                <a:cs typeface="Courier New" pitchFamily="49" charset="0"/>
-              </a:rPr>
-              <a:t>&gt;</a:t>
-            </a:r>
-          </a:p>
-          <a:p>
-            <a:pPr fontAlgn="auto">
-              <a:spcAft>
-                <a:spcPts val="0"/>
-              </a:spcAft>
-              <a:buFont typeface="Arial" pitchFamily="34" charset="0"/>
-              <a:buNone/>
-              <a:defRPr/>
-            </a:pPr>
-            <a:endParaRPr lang="en-US" sz="1400" b="1" dirty="0" smtClean="0">
-              <a:latin typeface="Courier New" pitchFamily="49" charset="0"/>
-              <a:ea typeface="+mn-ea"/>
-              <a:cs typeface="Courier New" pitchFamily="49" charset="0"/>
-            </a:endParaRPr>
-          </a:p>
-          <a:p>
-            <a:pPr fontAlgn="auto">
-              <a:spcAft>
-                <a:spcPts val="0"/>
-              </a:spcAft>
-              <a:buFont typeface="Arial" pitchFamily="34" charset="0"/>
-              <a:buNone/>
-              <a:defRPr/>
-            </a:pPr>
-            <a:r>
-              <a:rPr lang="en-US" sz="1400" b="1" dirty="0" smtClean="0">
-                <a:latin typeface="Courier New" pitchFamily="49" charset="0"/>
-                <a:ea typeface="+mn-ea"/>
-                <a:cs typeface="Courier New" pitchFamily="49" charset="0"/>
-              </a:rPr>
-              <a:t>void main()</a:t>
-            </a:r>
-          </a:p>
-          <a:p>
-            <a:pPr fontAlgn="auto">
-              <a:spcAft>
-                <a:spcPts val="0"/>
-              </a:spcAft>
-              <a:buFont typeface="Arial" pitchFamily="34" charset="0"/>
-              <a:buNone/>
-              <a:defRPr/>
-            </a:pPr>
-            <a:r>
-              <a:rPr lang="en-US" sz="1400" b="1" dirty="0" smtClean="0">
-                <a:latin typeface="Courier New" pitchFamily="49" charset="0"/>
-                <a:ea typeface="+mn-ea"/>
-                <a:cs typeface="Courier New" pitchFamily="49" charset="0"/>
-              </a:rPr>
-              <a:t>{</a:t>
-            </a:r>
-          </a:p>
-          <a:p>
-            <a:pPr fontAlgn="auto">
-              <a:spcAft>
-                <a:spcPts val="0"/>
-              </a:spcAft>
-              <a:buFont typeface="Arial" pitchFamily="34" charset="0"/>
-              <a:buNone/>
-              <a:defRPr/>
-            </a:pPr>
-            <a:r>
-              <a:rPr lang="en-US" sz="1400" b="1" dirty="0" smtClean="0">
-                <a:latin typeface="Courier New" pitchFamily="49" charset="0"/>
-                <a:ea typeface="+mn-ea"/>
-                <a:cs typeface="Courier New" pitchFamily="49" charset="0"/>
-              </a:rPr>
-              <a:t>	FILE *</a:t>
-            </a:r>
-            <a:r>
-              <a:rPr lang="en-US" sz="1400" b="1" dirty="0" err="1" smtClean="0">
-                <a:latin typeface="Courier New" pitchFamily="49" charset="0"/>
-                <a:ea typeface="+mn-ea"/>
-                <a:cs typeface="Courier New" pitchFamily="49" charset="0"/>
-              </a:rPr>
-              <a:t>infile</a:t>
-            </a:r>
-            <a:r>
-              <a:rPr lang="en-US" sz="1400" b="1" dirty="0" smtClean="0">
-                <a:latin typeface="Courier New" pitchFamily="49" charset="0"/>
-                <a:ea typeface="+mn-ea"/>
-                <a:cs typeface="Courier New" pitchFamily="49" charset="0"/>
-              </a:rPr>
-              <a:t>;		// Input file pointer</a:t>
-            </a:r>
-          </a:p>
-          <a:p>
-            <a:pPr fontAlgn="auto">
-              <a:spcAft>
-                <a:spcPts val="0"/>
-              </a:spcAft>
-              <a:buFont typeface="Arial" pitchFamily="34" charset="0"/>
-              <a:buNone/>
-              <a:defRPr/>
-            </a:pPr>
-            <a:r>
-              <a:rPr lang="en-US" sz="1400" b="1" dirty="0" smtClean="0">
-                <a:latin typeface="Courier New" pitchFamily="49" charset="0"/>
-                <a:ea typeface="+mn-ea"/>
-                <a:cs typeface="Courier New" pitchFamily="49" charset="0"/>
-              </a:rPr>
-              <a:t>	FILE *</a:t>
-            </a:r>
-            <a:r>
-              <a:rPr lang="en-US" sz="1400" b="1" dirty="0" err="1" smtClean="0">
-                <a:latin typeface="Courier New" pitchFamily="49" charset="0"/>
-                <a:ea typeface="+mn-ea"/>
-                <a:cs typeface="Courier New" pitchFamily="49" charset="0"/>
-              </a:rPr>
-              <a:t>outfile</a:t>
-            </a:r>
-            <a:r>
-              <a:rPr lang="en-US" sz="1400" b="1" dirty="0" smtClean="0">
-                <a:latin typeface="Courier New" pitchFamily="49" charset="0"/>
-                <a:ea typeface="+mn-ea"/>
-                <a:cs typeface="Courier New" pitchFamily="49" charset="0"/>
-              </a:rPr>
-              <a:t>;		// Output file pointer</a:t>
-            </a:r>
-          </a:p>
-          <a:p>
-            <a:pPr fontAlgn="auto">
-              <a:spcAft>
-                <a:spcPts val="0"/>
-              </a:spcAft>
-              <a:buFont typeface="Arial" pitchFamily="34" charset="0"/>
-              <a:buNone/>
-              <a:defRPr/>
-            </a:pPr>
-            <a:r>
-              <a:rPr lang="en-US" sz="1400" b="1" dirty="0" smtClean="0">
-                <a:latin typeface="Courier New" pitchFamily="49" charset="0"/>
-                <a:ea typeface="+mn-ea"/>
-                <a:cs typeface="Courier New" pitchFamily="49" charset="0"/>
-              </a:rPr>
-              <a:t>	</a:t>
-            </a:r>
-            <a:r>
-              <a:rPr lang="en-US" sz="1400" b="1" dirty="0" err="1" smtClean="0">
-                <a:latin typeface="Courier New" pitchFamily="49" charset="0"/>
-                <a:ea typeface="+mn-ea"/>
-                <a:cs typeface="Courier New" pitchFamily="49" charset="0"/>
-              </a:rPr>
-              <a:t>int</a:t>
-            </a:r>
-            <a:r>
-              <a:rPr lang="en-US" sz="1400" b="1" dirty="0" smtClean="0">
-                <a:latin typeface="Courier New" pitchFamily="49" charset="0"/>
-                <a:ea typeface="+mn-ea"/>
-                <a:cs typeface="Courier New" pitchFamily="49" charset="0"/>
-              </a:rPr>
-              <a:t> x, y, z, sum;	// Input values and sum</a:t>
-            </a:r>
-          </a:p>
-          <a:p>
-            <a:pPr fontAlgn="auto">
-              <a:spcAft>
-                <a:spcPts val="0"/>
-              </a:spcAft>
-              <a:buFont typeface="Arial" pitchFamily="34" charset="0"/>
-              <a:buNone/>
-              <a:defRPr/>
-            </a:pPr>
-            <a:r>
-              <a:rPr lang="en-US" sz="1400" b="1" dirty="0" smtClean="0">
-                <a:latin typeface="Courier New" pitchFamily="49" charset="0"/>
-                <a:ea typeface="+mn-ea"/>
-                <a:cs typeface="Courier New" pitchFamily="49" charset="0"/>
-              </a:rPr>
-              <a:t>	double </a:t>
-            </a:r>
-            <a:r>
-              <a:rPr lang="en-US" sz="1400" b="1" dirty="0" err="1" smtClean="0">
-                <a:latin typeface="Courier New" pitchFamily="49" charset="0"/>
-                <a:ea typeface="+mn-ea"/>
-                <a:cs typeface="Courier New" pitchFamily="49" charset="0"/>
-              </a:rPr>
-              <a:t>avg</a:t>
-            </a:r>
-            <a:r>
-              <a:rPr lang="en-US" sz="1400" b="1" dirty="0" smtClean="0">
-                <a:latin typeface="Courier New" pitchFamily="49" charset="0"/>
-                <a:ea typeface="+mn-ea"/>
-                <a:cs typeface="Courier New" pitchFamily="49" charset="0"/>
-              </a:rPr>
-              <a:t>;		// Average of x, y, and z</a:t>
-            </a:r>
-          </a:p>
-          <a:p>
-            <a:pPr fontAlgn="auto">
-              <a:spcAft>
-                <a:spcPts val="0"/>
-              </a:spcAft>
-              <a:buFont typeface="Arial" pitchFamily="34" charset="0"/>
-              <a:buNone/>
-              <a:defRPr/>
-            </a:pPr>
-            <a:endParaRPr lang="en-US" sz="1400" b="1" dirty="0" smtClean="0">
-              <a:latin typeface="Courier New" pitchFamily="49" charset="0"/>
-              <a:ea typeface="+mn-ea"/>
-              <a:cs typeface="Courier New" pitchFamily="49" charset="0"/>
-            </a:endParaRPr>
-          </a:p>
-          <a:p>
-            <a:pPr fontAlgn="auto">
-              <a:spcAft>
-                <a:spcPts val="0"/>
-              </a:spcAft>
-              <a:buFont typeface="Arial" pitchFamily="34" charset="0"/>
-              <a:buNone/>
-              <a:defRPr/>
-            </a:pPr>
-            <a:r>
-              <a:rPr lang="en-US" sz="1400" b="1" dirty="0" smtClean="0">
-                <a:latin typeface="Courier New" pitchFamily="49" charset="0"/>
-                <a:ea typeface="+mn-ea"/>
-                <a:cs typeface="Courier New" pitchFamily="49" charset="0"/>
-              </a:rPr>
-              <a:t>	// Open input file, exit if error</a:t>
-            </a:r>
-          </a:p>
-          <a:p>
-            <a:pPr fontAlgn="auto">
-              <a:spcAft>
-                <a:spcPts val="0"/>
-              </a:spcAft>
-              <a:buFont typeface="Arial" pitchFamily="34" charset="0"/>
-              <a:buNone/>
-              <a:defRPr/>
-            </a:pPr>
-            <a:r>
-              <a:rPr lang="en-US" sz="1400" b="1" dirty="0" smtClean="0">
-                <a:latin typeface="Courier New" pitchFamily="49" charset="0"/>
-                <a:ea typeface="+mn-ea"/>
-                <a:cs typeface="Courier New" pitchFamily="49" charset="0"/>
-              </a:rPr>
-              <a:t>	</a:t>
-            </a:r>
-            <a:r>
-              <a:rPr lang="en-US" sz="1400" b="1" dirty="0" err="1" smtClean="0">
-                <a:latin typeface="Courier New" pitchFamily="49" charset="0"/>
-                <a:ea typeface="+mn-ea"/>
-                <a:cs typeface="Courier New" pitchFamily="49" charset="0"/>
-              </a:rPr>
-              <a:t>infile</a:t>
-            </a:r>
-            <a:r>
-              <a:rPr lang="en-US" sz="1400" b="1" dirty="0" smtClean="0">
-                <a:latin typeface="Courier New" pitchFamily="49" charset="0"/>
-                <a:ea typeface="+mn-ea"/>
-                <a:cs typeface="Courier New" pitchFamily="49" charset="0"/>
-              </a:rPr>
-              <a:t>=</a:t>
-            </a:r>
-            <a:r>
-              <a:rPr lang="en-US" sz="1400" b="1" dirty="0" err="1" smtClean="0">
-                <a:latin typeface="Courier New" pitchFamily="49" charset="0"/>
-                <a:ea typeface="+mn-ea"/>
-                <a:cs typeface="Courier New" pitchFamily="49" charset="0"/>
-              </a:rPr>
-              <a:t>fopen</a:t>
-            </a:r>
-            <a:r>
-              <a:rPr lang="en-US" sz="1400" b="1" dirty="0" smtClean="0">
-                <a:latin typeface="Courier New" pitchFamily="49" charset="0"/>
-                <a:ea typeface="+mn-ea"/>
-                <a:cs typeface="Courier New" pitchFamily="49" charset="0"/>
-              </a:rPr>
-              <a:t>("</a:t>
-            </a:r>
-            <a:r>
-              <a:rPr lang="en-US" sz="1400" b="1" dirty="0" err="1" smtClean="0">
-                <a:latin typeface="Courier New" pitchFamily="49" charset="0"/>
-                <a:ea typeface="+mn-ea"/>
-                <a:cs typeface="Courier New" pitchFamily="49" charset="0"/>
-              </a:rPr>
-              <a:t>myinput.txt","r</a:t>
-            </a:r>
-            <a:r>
-              <a:rPr lang="en-US" sz="1400" b="1" dirty="0" smtClean="0">
-                <a:latin typeface="Courier New" pitchFamily="49" charset="0"/>
-                <a:ea typeface="+mn-ea"/>
-                <a:cs typeface="Courier New" pitchFamily="49" charset="0"/>
-              </a:rPr>
-              <a:t>");</a:t>
-            </a:r>
-          </a:p>
-          <a:p>
-            <a:pPr fontAlgn="auto">
-              <a:spcAft>
-                <a:spcPts val="0"/>
-              </a:spcAft>
-              <a:buFont typeface="Arial" pitchFamily="34" charset="0"/>
-              <a:buNone/>
-              <a:defRPr/>
-            </a:pPr>
-            <a:r>
-              <a:rPr lang="en-US" sz="1400" b="1" dirty="0" smtClean="0">
-                <a:latin typeface="Courier New" pitchFamily="49" charset="0"/>
-                <a:ea typeface="+mn-ea"/>
-                <a:cs typeface="Courier New" pitchFamily="49" charset="0"/>
-              </a:rPr>
-              <a:t>	if (</a:t>
-            </a:r>
-            <a:r>
-              <a:rPr lang="en-US" sz="1400" b="1" dirty="0" err="1" smtClean="0">
-                <a:latin typeface="Courier New" pitchFamily="49" charset="0"/>
-                <a:ea typeface="+mn-ea"/>
-                <a:cs typeface="Courier New" pitchFamily="49" charset="0"/>
-              </a:rPr>
-              <a:t>infile</a:t>
-            </a:r>
-            <a:r>
-              <a:rPr lang="en-US" sz="1400" b="1" dirty="0" smtClean="0">
-                <a:latin typeface="Courier New" pitchFamily="49" charset="0"/>
-                <a:ea typeface="+mn-ea"/>
-                <a:cs typeface="Courier New" pitchFamily="49" charset="0"/>
-              </a:rPr>
-              <a:t>==NULL) </a:t>
-            </a:r>
-          </a:p>
-          <a:p>
-            <a:pPr fontAlgn="auto">
-              <a:spcAft>
-                <a:spcPts val="0"/>
-              </a:spcAft>
-              <a:buFont typeface="Arial" pitchFamily="34" charset="0"/>
-              <a:buNone/>
-              <a:defRPr/>
-            </a:pPr>
-            <a:r>
-              <a:rPr lang="en-US" sz="1400" b="1" dirty="0" smtClean="0">
-                <a:latin typeface="Courier New" pitchFamily="49" charset="0"/>
-                <a:ea typeface="+mn-ea"/>
-                <a:cs typeface="Courier New" pitchFamily="49" charset="0"/>
-              </a:rPr>
-              <a:t>	{ </a:t>
-            </a:r>
-          </a:p>
-          <a:p>
-            <a:pPr fontAlgn="auto">
-              <a:spcAft>
-                <a:spcPts val="0"/>
-              </a:spcAft>
-              <a:buFont typeface="Arial" pitchFamily="34" charset="0"/>
-              <a:buNone/>
-              <a:defRPr/>
-            </a:pPr>
-            <a:r>
-              <a:rPr lang="en-US" sz="1400" b="1" dirty="0" smtClean="0">
-                <a:latin typeface="Courier New" pitchFamily="49" charset="0"/>
-                <a:ea typeface="+mn-ea"/>
-                <a:cs typeface="Courier New" pitchFamily="49" charset="0"/>
-              </a:rPr>
-              <a:t>		</a:t>
-            </a:r>
-            <a:r>
-              <a:rPr lang="en-US" sz="1400" b="1" dirty="0" err="1" smtClean="0">
-                <a:latin typeface="Courier New" pitchFamily="49" charset="0"/>
-                <a:ea typeface="+mn-ea"/>
-                <a:cs typeface="Courier New" pitchFamily="49" charset="0"/>
-              </a:rPr>
-              <a:t>printf</a:t>
-            </a:r>
-            <a:r>
-              <a:rPr lang="en-US" sz="1400" b="1" dirty="0" smtClean="0">
-                <a:latin typeface="Courier New" pitchFamily="49" charset="0"/>
-                <a:ea typeface="+mn-ea"/>
-                <a:cs typeface="Courier New" pitchFamily="49" charset="0"/>
-              </a:rPr>
-              <a:t>("Error opening myinput.txt\n"); </a:t>
-            </a:r>
-          </a:p>
-          <a:p>
-            <a:pPr fontAlgn="auto">
-              <a:spcAft>
-                <a:spcPts val="0"/>
-              </a:spcAft>
-              <a:buFont typeface="Arial" pitchFamily="34" charset="0"/>
-              <a:buNone/>
-              <a:defRPr/>
-            </a:pPr>
-            <a:r>
-              <a:rPr lang="en-US" sz="1400" b="1" dirty="0" smtClean="0">
-                <a:latin typeface="Courier New" pitchFamily="49" charset="0"/>
-                <a:ea typeface="+mn-ea"/>
-                <a:cs typeface="Courier New" pitchFamily="49" charset="0"/>
-              </a:rPr>
-              <a:t>		return; </a:t>
-            </a:r>
-          </a:p>
-          <a:p>
-            <a:pPr fontAlgn="auto">
-              <a:spcAft>
-                <a:spcPts val="0"/>
-              </a:spcAft>
-              <a:buFont typeface="Arial" pitchFamily="34" charset="0"/>
-              <a:buNone/>
-              <a:defRPr/>
-            </a:pPr>
-            <a:r>
-              <a:rPr lang="en-US" sz="1400" b="1" dirty="0" smtClean="0">
-                <a:latin typeface="Courier New" pitchFamily="49" charset="0"/>
-                <a:ea typeface="+mn-ea"/>
-                <a:cs typeface="Courier New" pitchFamily="49" charset="0"/>
-              </a:rPr>
-              <a:t>	}</a:t>
-            </a:r>
-          </a:p>
-          <a:p>
-            <a:pPr fontAlgn="auto">
-              <a:spcAft>
-                <a:spcPts val="0"/>
-              </a:spcAft>
-              <a:buFont typeface="Arial" pitchFamily="34" charset="0"/>
-              <a:buNone/>
-              <a:defRPr/>
-            </a:pPr>
-            <a:r>
-              <a:rPr lang="en-US" sz="1400" b="1" dirty="0" smtClean="0">
-                <a:latin typeface="Courier New" pitchFamily="49" charset="0"/>
-                <a:ea typeface="+mn-ea"/>
-                <a:cs typeface="Courier New" pitchFamily="49" charset="0"/>
-              </a:rPr>
-              <a:t>	</a:t>
-            </a:r>
-          </a:p>
-          <a:p>
-            <a:pPr fontAlgn="auto">
-              <a:spcAft>
-                <a:spcPts val="0"/>
-              </a:spcAft>
-              <a:buFont typeface="Arial" pitchFamily="34" charset="0"/>
-              <a:buNone/>
-              <a:defRPr/>
-            </a:pPr>
-            <a:r>
-              <a:rPr lang="en-US" sz="1400" b="1" dirty="0" smtClean="0">
-                <a:latin typeface="Courier New" pitchFamily="49" charset="0"/>
-                <a:ea typeface="+mn-ea"/>
-                <a:cs typeface="Courier New" pitchFamily="49" charset="0"/>
-              </a:rPr>
-              <a:t>	// Can actually open file as part of conditional statement</a:t>
-            </a:r>
-          </a:p>
-          <a:p>
-            <a:pPr fontAlgn="auto">
-              <a:spcAft>
-                <a:spcPts val="0"/>
-              </a:spcAft>
-              <a:buFont typeface="Arial" pitchFamily="34" charset="0"/>
-              <a:buNone/>
-              <a:defRPr/>
-            </a:pPr>
-            <a:r>
-              <a:rPr lang="en-US" sz="1400" b="1" dirty="0" smtClean="0">
-                <a:latin typeface="Courier New" pitchFamily="49" charset="0"/>
-                <a:ea typeface="+mn-ea"/>
-                <a:cs typeface="Courier New" pitchFamily="49" charset="0"/>
-              </a:rPr>
-              <a:t>	if ((</a:t>
-            </a:r>
-            <a:r>
-              <a:rPr lang="en-US" sz="1400" b="1" dirty="0" err="1" smtClean="0">
-                <a:latin typeface="Courier New" pitchFamily="49" charset="0"/>
-                <a:ea typeface="+mn-ea"/>
-                <a:cs typeface="Courier New" pitchFamily="49" charset="0"/>
-              </a:rPr>
-              <a:t>outfile</a:t>
-            </a:r>
-            <a:r>
-              <a:rPr lang="en-US" sz="1400" b="1" dirty="0" smtClean="0">
-                <a:latin typeface="Courier New" pitchFamily="49" charset="0"/>
-                <a:ea typeface="+mn-ea"/>
-                <a:cs typeface="Courier New" pitchFamily="49" charset="0"/>
-              </a:rPr>
-              <a:t>=</a:t>
-            </a:r>
-            <a:r>
-              <a:rPr lang="en-US" sz="1400" b="1" dirty="0" err="1" smtClean="0">
-                <a:latin typeface="Courier New" pitchFamily="49" charset="0"/>
-                <a:ea typeface="+mn-ea"/>
-                <a:cs typeface="Courier New" pitchFamily="49" charset="0"/>
-              </a:rPr>
-              <a:t>fopen</a:t>
-            </a:r>
-            <a:r>
-              <a:rPr lang="en-US" sz="1400" b="1" dirty="0" smtClean="0">
-                <a:latin typeface="Courier New" pitchFamily="49" charset="0"/>
-                <a:ea typeface="+mn-ea"/>
-                <a:cs typeface="Courier New" pitchFamily="49" charset="0"/>
-              </a:rPr>
-              <a:t>("</a:t>
-            </a:r>
-            <a:r>
-              <a:rPr lang="en-US" sz="1400" b="1" dirty="0" err="1" smtClean="0">
-                <a:latin typeface="Courier New" pitchFamily="49" charset="0"/>
-                <a:ea typeface="+mn-ea"/>
-                <a:cs typeface="Courier New" pitchFamily="49" charset="0"/>
-              </a:rPr>
-              <a:t>myoutput.txt","w</a:t>
-            </a:r>
-            <a:r>
-              <a:rPr lang="en-US" sz="1400" b="1" dirty="0" smtClean="0">
-                <a:latin typeface="Courier New" pitchFamily="49" charset="0"/>
-                <a:ea typeface="+mn-ea"/>
-                <a:cs typeface="Courier New" pitchFamily="49" charset="0"/>
-              </a:rPr>
-              <a:t>"))==NULL) </a:t>
-            </a:r>
-          </a:p>
-          <a:p>
-            <a:pPr fontAlgn="auto">
-              <a:spcAft>
-                <a:spcPts val="0"/>
-              </a:spcAft>
-              <a:buFont typeface="Arial" pitchFamily="34" charset="0"/>
-              <a:buNone/>
-              <a:defRPr/>
-            </a:pPr>
-            <a:r>
-              <a:rPr lang="en-US" sz="1400" b="1" dirty="0" smtClean="0">
-                <a:latin typeface="Courier New" pitchFamily="49" charset="0"/>
-                <a:ea typeface="+mn-ea"/>
-                <a:cs typeface="Courier New" pitchFamily="49" charset="0"/>
-              </a:rPr>
-              <a:t>	{ </a:t>
-            </a:r>
-          </a:p>
-          <a:p>
-            <a:pPr fontAlgn="auto">
-              <a:spcAft>
-                <a:spcPts val="0"/>
-              </a:spcAft>
-              <a:buFont typeface="Arial" pitchFamily="34" charset="0"/>
-              <a:buNone/>
-              <a:defRPr/>
-            </a:pPr>
-            <a:r>
-              <a:rPr lang="en-US" sz="1400" b="1" dirty="0" smtClean="0">
-                <a:latin typeface="Courier New" pitchFamily="49" charset="0"/>
-                <a:ea typeface="+mn-ea"/>
-                <a:cs typeface="Courier New" pitchFamily="49" charset="0"/>
-              </a:rPr>
-              <a:t>		</a:t>
-            </a:r>
-            <a:r>
-              <a:rPr lang="en-US" sz="1400" b="1" dirty="0" err="1" smtClean="0">
-                <a:latin typeface="Courier New" pitchFamily="49" charset="0"/>
-                <a:ea typeface="+mn-ea"/>
-                <a:cs typeface="Courier New" pitchFamily="49" charset="0"/>
-              </a:rPr>
-              <a:t>printf</a:t>
-            </a:r>
-            <a:r>
-              <a:rPr lang="en-US" sz="1400" b="1" dirty="0" smtClean="0">
-                <a:latin typeface="Courier New" pitchFamily="49" charset="0"/>
-                <a:ea typeface="+mn-ea"/>
-                <a:cs typeface="Courier New" pitchFamily="49" charset="0"/>
-              </a:rPr>
-              <a:t>("Error opening myoutput.txt\n"); </a:t>
-            </a:r>
-          </a:p>
-          <a:p>
-            <a:pPr fontAlgn="auto">
-              <a:spcAft>
-                <a:spcPts val="0"/>
-              </a:spcAft>
-              <a:buFont typeface="Arial" pitchFamily="34" charset="0"/>
-              <a:buNone/>
-              <a:defRPr/>
-            </a:pPr>
-            <a:r>
-              <a:rPr lang="en-US" sz="1400" b="1" dirty="0" smtClean="0">
-                <a:latin typeface="Courier New" pitchFamily="49" charset="0"/>
-                <a:ea typeface="+mn-ea"/>
-                <a:cs typeface="Courier New" pitchFamily="49" charset="0"/>
-              </a:rPr>
-              <a:t>		return;</a:t>
-            </a:r>
-          </a:p>
-          <a:p>
-            <a:pPr fontAlgn="auto">
-              <a:spcAft>
-                <a:spcPts val="0"/>
-              </a:spcAft>
-              <a:buFont typeface="Arial" pitchFamily="34" charset="0"/>
-              <a:buNone/>
-              <a:defRPr/>
-            </a:pPr>
-            <a:r>
-              <a:rPr lang="en-US" sz="1400" b="1" dirty="0" smtClean="0">
-                <a:latin typeface="Courier New" pitchFamily="49" charset="0"/>
-                <a:ea typeface="+mn-ea"/>
-                <a:cs typeface="Courier New" pitchFamily="49" charset="0"/>
-              </a:rPr>
-              <a:t>	}</a:t>
-            </a:r>
-          </a:p>
-          <a:p>
-            <a:pPr fontAlgn="auto">
-              <a:spcAft>
-                <a:spcPts val="0"/>
-              </a:spcAft>
-              <a:buFont typeface="Arial" pitchFamily="34" charset="0"/>
-              <a:buNone/>
-              <a:defRPr/>
-            </a:pPr>
-            <a:endParaRPr lang="en-US" sz="1400" b="1" dirty="0" smtClean="0">
-              <a:latin typeface="Courier New" pitchFamily="49" charset="0"/>
-              <a:ea typeface="+mn-ea"/>
-              <a:cs typeface="Courier New" pitchFamily="49" charset="0"/>
-            </a:endParaRPr>
-          </a:p>
-          <a:p>
-            <a:pPr fontAlgn="auto">
-              <a:spcAft>
-                <a:spcPts val="0"/>
-              </a:spcAft>
-              <a:buFont typeface="Arial" pitchFamily="34" charset="0"/>
-              <a:buNone/>
-              <a:defRPr/>
-            </a:pPr>
-            <a:endParaRPr lang="en-US" sz="1400" b="1" dirty="0" smtClean="0">
-              <a:latin typeface="Courier New" pitchFamily="49" charset="0"/>
-              <a:ea typeface="+mn-ea"/>
-              <a:cs typeface="Courier New" pitchFamily="49" charset="0"/>
-            </a:endParaRPr>
-          </a:p>
-        </p:txBody>
-      </p:sp>
-      <p:sp>
-        <p:nvSpPr>
-          <p:cNvPr id="26627" name="Date Placeholder 3"/>
-          <p:cNvSpPr>
-            <a:spLocks noGrp="1"/>
-          </p:cNvSpPr>
-          <p:nvPr>
-            <p:ph type="dt" sz="quarter" idx="10"/>
-          </p:nvPr>
-        </p:nvSpPr>
-        <p:spPr>
-          <a:noFill/>
-          <a:ln/>
-          <a:extLst>
-            <a:ext uri="{909E8E84-426E-40dd-AFC4-6F175D3DCCD1}">
-              <a14:hiddenFill xmlns:a14="http://schemas.microsoft.com/office/drawing/2010/main">
-                <a:solidFill>
-                  <a:srgbClr val="FFFFFF"/>
-                </a:solidFill>
-              </a14:hiddenFill>
-            </a:ext>
-            <a:ext uri="{91240B29-F687-4f45-9708-019B960494DF}">
-              <a14:hiddenLine xmlns:a14="http://schemas.microsoft.com/office/drawing/2010/main" w="9525">
-                <a:solidFill>
-                  <a:srgbClr val="000000"/>
-                </a:solidFill>
-                <a:miter lim="800000"/>
-                <a:headEnd/>
-                <a:tailEnd/>
-              </a14:hiddenLine>
-            </a:ext>
-          </a:extLst>
-        </p:spPr>
-        <p:txBody>
-          <a:bodyPr/>
-          <a:lstStyle>
-            <a:lvl1pPr eaLnBrk="0" hangingPunct="0">
-              <a:defRPr sz="2400">
-                <a:solidFill>
-                  <a:schemeClr val="tx1"/>
-                </a:solidFill>
-                <a:latin typeface="Arial" charset="0"/>
-                <a:ea typeface="ＭＳ Ｐゴシック" charset="0"/>
-                <a:cs typeface="ＭＳ Ｐゴシック" charset="0"/>
-              </a:defRPr>
-            </a:lvl1pPr>
-            <a:lvl2pPr marL="742950" indent="-285750" eaLnBrk="0" hangingPunct="0">
-              <a:defRPr sz="2400">
-                <a:solidFill>
-                  <a:schemeClr val="tx1"/>
-                </a:solidFill>
-                <a:latin typeface="Arial" charset="0"/>
-                <a:ea typeface="ＭＳ Ｐゴシック" charset="0"/>
-              </a:defRPr>
-            </a:lvl2pPr>
-            <a:lvl3pPr marL="1143000" indent="-228600" eaLnBrk="0" hangingPunct="0">
-              <a:defRPr sz="2400">
-                <a:solidFill>
-                  <a:schemeClr val="tx1"/>
-                </a:solidFill>
-                <a:latin typeface="Arial" charset="0"/>
-                <a:ea typeface="ＭＳ Ｐゴシック" charset="0"/>
-              </a:defRPr>
-            </a:lvl3pPr>
-            <a:lvl4pPr marL="1600200" indent="-228600" eaLnBrk="0" hangingPunct="0">
-              <a:defRPr sz="2400">
-                <a:solidFill>
-                  <a:schemeClr val="tx1"/>
-                </a:solidFill>
-                <a:latin typeface="Arial" charset="0"/>
-                <a:ea typeface="ＭＳ Ｐゴシック" charset="0"/>
-              </a:defRPr>
-            </a:lvl4pPr>
-            <a:lvl5pPr marL="2057400" indent="-228600" eaLnBrk="0" hangingPunct="0">
-              <a:defRPr sz="2400">
-                <a:solidFill>
-                  <a:schemeClr val="tx1"/>
-                </a:solidFill>
-                <a:latin typeface="Arial" charset="0"/>
-                <a:ea typeface="ＭＳ Ｐゴシック" charset="0"/>
-              </a:defRPr>
-            </a:lvl5pPr>
-            <a:lvl6pPr marL="2514600" indent="-228600" eaLnBrk="0" fontAlgn="base" hangingPunct="0">
-              <a:spcBef>
-                <a:spcPct val="0"/>
-              </a:spcBef>
-              <a:spcAft>
-                <a:spcPct val="0"/>
-              </a:spcAft>
-              <a:defRPr sz="2400">
-                <a:solidFill>
-                  <a:schemeClr val="tx1"/>
-                </a:solidFill>
-                <a:latin typeface="Arial" charset="0"/>
-                <a:ea typeface="ＭＳ Ｐゴシック" charset="0"/>
-              </a:defRPr>
-            </a:lvl6pPr>
-            <a:lvl7pPr marL="2971800" indent="-228600" eaLnBrk="0" fontAlgn="base" hangingPunct="0">
-              <a:spcBef>
-                <a:spcPct val="0"/>
-              </a:spcBef>
-              <a:spcAft>
-                <a:spcPct val="0"/>
-              </a:spcAft>
-              <a:defRPr sz="2400">
-                <a:solidFill>
-                  <a:schemeClr val="tx1"/>
-                </a:solidFill>
-                <a:latin typeface="Arial" charset="0"/>
-                <a:ea typeface="ＭＳ Ｐゴシック" charset="0"/>
-              </a:defRPr>
-            </a:lvl7pPr>
-            <a:lvl8pPr marL="3429000" indent="-228600" eaLnBrk="0" fontAlgn="base" hangingPunct="0">
-              <a:spcBef>
-                <a:spcPct val="0"/>
-              </a:spcBef>
-              <a:spcAft>
-                <a:spcPct val="0"/>
-              </a:spcAft>
-              <a:defRPr sz="2400">
-                <a:solidFill>
-                  <a:schemeClr val="tx1"/>
-                </a:solidFill>
-                <a:latin typeface="Arial" charset="0"/>
-                <a:ea typeface="ＭＳ Ｐゴシック" charset="0"/>
-              </a:defRPr>
-            </a:lvl8pPr>
-            <a:lvl9pPr marL="3886200" indent="-228600" eaLnBrk="0" fontAlgn="base" hangingPunct="0">
-              <a:spcBef>
-                <a:spcPct val="0"/>
-              </a:spcBef>
-              <a:spcAft>
-                <a:spcPct val="0"/>
-              </a:spcAft>
-              <a:defRPr sz="2400">
-                <a:solidFill>
-                  <a:schemeClr val="tx1"/>
-                </a:solidFill>
-                <a:latin typeface="Arial" charset="0"/>
-                <a:ea typeface="ＭＳ Ｐゴシック" charset="0"/>
-              </a:defRPr>
-            </a:lvl9pPr>
-          </a:lstStyle>
-          <a:p>
-            <a:pPr eaLnBrk="1" hangingPunct="1"/>
-            <a:fld id="{894B6C5A-FBB4-DA4E-93C5-3E23BFEC7C66}" type="datetime1">
-              <a:rPr lang="en-US" sz="1200" smtClean="0">
-                <a:latin typeface="Garamond" charset="0"/>
-              </a:rPr>
-              <a:t>4/11/18</a:t>
-            </a:fld>
-            <a:endParaRPr lang="en-US" sz="1200">
-              <a:latin typeface="Garamond" charset="0"/>
-            </a:endParaRPr>
-          </a:p>
-        </p:txBody>
-      </p:sp>
-      <p:sp>
-        <p:nvSpPr>
-          <p:cNvPr id="26628" name="Slide Number Placeholder 4"/>
-          <p:cNvSpPr>
-            <a:spLocks noGrp="1"/>
-          </p:cNvSpPr>
-          <p:nvPr>
-            <p:ph type="sldNum" sz="quarter" idx="12"/>
-          </p:nvPr>
-        </p:nvSpPr>
-        <p:spPr>
-          <a:noFill/>
-          <a:ln/>
-          <a:extLst>
-            <a:ext uri="{909E8E84-426E-40dd-AFC4-6F175D3DCCD1}">
-              <a14:hiddenFill xmlns:a14="http://schemas.microsoft.com/office/drawing/2010/main">
-                <a:solidFill>
-                  <a:srgbClr val="FFFFFF"/>
-                </a:solidFill>
-              </a14:hiddenFill>
-            </a:ext>
-            <a:ext uri="{91240B29-F687-4f45-9708-019B960494DF}">
-              <a14:hiddenLine xmlns:a14="http://schemas.microsoft.com/office/drawing/2010/main" w="9525">
-                <a:solidFill>
-                  <a:srgbClr val="000000"/>
-                </a:solidFill>
-                <a:miter lim="800000"/>
-                <a:headEnd/>
-                <a:tailEnd/>
-              </a14:hiddenLine>
-            </a:ext>
-          </a:extLst>
-        </p:spPr>
-        <p:txBody>
-          <a:bodyPr/>
-          <a:lstStyle>
-            <a:lvl1pPr eaLnBrk="0" hangingPunct="0">
-              <a:defRPr sz="2400">
-                <a:solidFill>
-                  <a:schemeClr val="tx1"/>
-                </a:solidFill>
-                <a:latin typeface="Arial" charset="0"/>
-                <a:ea typeface="ＭＳ Ｐゴシック" charset="0"/>
-                <a:cs typeface="ＭＳ Ｐゴシック" charset="0"/>
-              </a:defRPr>
-            </a:lvl1pPr>
-            <a:lvl2pPr marL="742950" indent="-285750" eaLnBrk="0" hangingPunct="0">
-              <a:defRPr sz="2400">
-                <a:solidFill>
-                  <a:schemeClr val="tx1"/>
-                </a:solidFill>
-                <a:latin typeface="Arial" charset="0"/>
-                <a:ea typeface="ＭＳ Ｐゴシック" charset="0"/>
-              </a:defRPr>
-            </a:lvl2pPr>
-            <a:lvl3pPr marL="1143000" indent="-228600" eaLnBrk="0" hangingPunct="0">
-              <a:defRPr sz="2400">
-                <a:solidFill>
-                  <a:schemeClr val="tx1"/>
-                </a:solidFill>
-                <a:latin typeface="Arial" charset="0"/>
-                <a:ea typeface="ＭＳ Ｐゴシック" charset="0"/>
-              </a:defRPr>
-            </a:lvl3pPr>
-            <a:lvl4pPr marL="1600200" indent="-228600" eaLnBrk="0" hangingPunct="0">
-              <a:defRPr sz="2400">
-                <a:solidFill>
-                  <a:schemeClr val="tx1"/>
-                </a:solidFill>
-                <a:latin typeface="Arial" charset="0"/>
-                <a:ea typeface="ＭＳ Ｐゴシック" charset="0"/>
-              </a:defRPr>
-            </a:lvl4pPr>
-            <a:lvl5pPr marL="2057400" indent="-228600" eaLnBrk="0" hangingPunct="0">
-              <a:defRPr sz="2400">
-                <a:solidFill>
-                  <a:schemeClr val="tx1"/>
-                </a:solidFill>
-                <a:latin typeface="Arial" charset="0"/>
-                <a:ea typeface="ＭＳ Ｐゴシック" charset="0"/>
-              </a:defRPr>
-            </a:lvl5pPr>
-            <a:lvl6pPr marL="2514600" indent="-228600" eaLnBrk="0" fontAlgn="base" hangingPunct="0">
-              <a:spcBef>
-                <a:spcPct val="0"/>
-              </a:spcBef>
-              <a:spcAft>
-                <a:spcPct val="0"/>
-              </a:spcAft>
-              <a:defRPr sz="2400">
-                <a:solidFill>
-                  <a:schemeClr val="tx1"/>
-                </a:solidFill>
-                <a:latin typeface="Arial" charset="0"/>
-                <a:ea typeface="ＭＳ Ｐゴシック" charset="0"/>
-              </a:defRPr>
-            </a:lvl6pPr>
-            <a:lvl7pPr marL="2971800" indent="-228600" eaLnBrk="0" fontAlgn="base" hangingPunct="0">
-              <a:spcBef>
-                <a:spcPct val="0"/>
-              </a:spcBef>
-              <a:spcAft>
-                <a:spcPct val="0"/>
-              </a:spcAft>
-              <a:defRPr sz="2400">
-                <a:solidFill>
-                  <a:schemeClr val="tx1"/>
-                </a:solidFill>
-                <a:latin typeface="Arial" charset="0"/>
-                <a:ea typeface="ＭＳ Ｐゴシック" charset="0"/>
-              </a:defRPr>
-            </a:lvl7pPr>
-            <a:lvl8pPr marL="3429000" indent="-228600" eaLnBrk="0" fontAlgn="base" hangingPunct="0">
-              <a:spcBef>
-                <a:spcPct val="0"/>
-              </a:spcBef>
-              <a:spcAft>
-                <a:spcPct val="0"/>
-              </a:spcAft>
-              <a:defRPr sz="2400">
-                <a:solidFill>
-                  <a:schemeClr val="tx1"/>
-                </a:solidFill>
-                <a:latin typeface="Arial" charset="0"/>
-                <a:ea typeface="ＭＳ Ｐゴシック" charset="0"/>
-              </a:defRPr>
-            </a:lvl8pPr>
-            <a:lvl9pPr marL="3886200" indent="-228600" eaLnBrk="0" fontAlgn="base" hangingPunct="0">
-              <a:spcBef>
-                <a:spcPct val="0"/>
-              </a:spcBef>
-              <a:spcAft>
-                <a:spcPct val="0"/>
-              </a:spcAft>
-              <a:defRPr sz="2400">
-                <a:solidFill>
-                  <a:schemeClr val="tx1"/>
-                </a:solidFill>
-                <a:latin typeface="Arial" charset="0"/>
-                <a:ea typeface="ＭＳ Ｐゴシック" charset="0"/>
-              </a:defRPr>
-            </a:lvl9pPr>
-          </a:lstStyle>
-          <a:p>
-            <a:pPr eaLnBrk="1" hangingPunct="1"/>
-            <a:fld id="{ECF2F601-F21C-0944-B237-EBBDF49CB6F5}" type="slidenum">
-              <a:rPr lang="en-US" sz="1200">
-                <a:latin typeface="Garamond" charset="0"/>
-              </a:rPr>
-              <a:pPr eaLnBrk="1" hangingPunct="1"/>
-              <a:t>18</a:t>
-            </a:fld>
-            <a:endParaRPr lang="en-US" sz="1200">
-              <a:latin typeface="Garamond" charset="0"/>
-            </a:endParaRPr>
-          </a:p>
-        </p:txBody>
-      </p:sp>
-      <p:sp>
-        <p:nvSpPr>
-          <p:cNvPr id="6" name="Footer Placeholder 5"/>
-          <p:cNvSpPr>
-            <a:spLocks noGrp="1"/>
-          </p:cNvSpPr>
-          <p:nvPr>
-            <p:ph type="ftr" sz="quarter" idx="11"/>
-          </p:nvPr>
-        </p:nvSpPr>
-        <p:spPr/>
-        <p:txBody>
-          <a:bodyPr/>
-          <a:lstStyle/>
-          <a:p>
-            <a:pPr>
-              <a:defRPr/>
-            </a:pPr>
-            <a:r>
-              <a:rPr lang="en-US" altLang="en-US" smtClean="0"/>
-              <a:t>ECE Application Programming: Lecture 28</a:t>
-            </a:r>
-            <a:endParaRPr lang="en-US" altLang="en-US"/>
-          </a:p>
-        </p:txBody>
-      </p:sp>
-    </p:spTree>
-    <p:extLst>
-      <p:ext uri="{BB962C8B-B14F-4D97-AF65-F5344CB8AC3E}">
-        <p14:creationId xmlns:p14="http://schemas.microsoft.com/office/powerpoint/2010/main" val="3310750440"/>
-      </p:ext>
-    </p:extLst>
-  </p:cSld>
-  <p:clrMapOvr>
-    <a:masterClrMapping/>
-  </p:clrMapOvr>
-  <p:timing>
-    <p:tnLst>
-      <p:par>
-        <p:cTn xmlns:p14="http://schemas.microsoft.com/office/powerpoint/2010/main" id="1" dur="indefinite" restart="never" nodeType="tmRoot"/>
-      </p:par>
-    </p:tnLst>
-  </p:timing>
-</p:sld>
-</file>
-
-<file path=ppt/slides/slide19.xml><?xml version="1.0" encoding="utf-8"?>
-<p:sld xmlns:a="http://schemas.openxmlformats.org/drawingml/2006/main" xmlns:r="http://schemas.openxmlformats.org/officeDocument/2006/relationships" xmlns:p="http://schemas.openxmlformats.org/presentationml/2006/main">
-  <p:cSld>
-    <p:spTree>
-      <p:nvGrpSpPr>
-        <p:cNvPr id="1" name=""/>
-        <p:cNvGrpSpPr/>
-        <p:nvPr/>
-      </p:nvGrpSpPr>
-      <p:grpSpPr>
-        <a:xfrm>
-          <a:off x="0" y="0"/>
-          <a:ext cx="0" cy="0"/>
-          <a:chOff x="0" y="0"/>
-          <a:chExt cx="0" cy="0"/>
-        </a:xfrm>
-      </p:grpSpPr>
-      <p:sp>
-        <p:nvSpPr>
-          <p:cNvPr id="2" name="Title 1"/>
-          <p:cNvSpPr>
-            <a:spLocks noGrp="1"/>
-          </p:cNvSpPr>
-          <p:nvPr>
-            <p:ph type="title"/>
-          </p:nvPr>
-        </p:nvSpPr>
-        <p:spPr>
-          <a:xfrm>
-            <a:off x="457200" y="274638"/>
-            <a:ext cx="8229600" cy="639762"/>
-          </a:xfrm>
-        </p:spPr>
-        <p:txBody>
-          <a:bodyPr rtlCol="0">
-            <a:normAutofit fontScale="90000"/>
-          </a:bodyPr>
-          <a:lstStyle/>
-          <a:p>
-            <a:pPr fontAlgn="auto">
-              <a:spcAft>
-                <a:spcPts val="0"/>
-              </a:spcAft>
-              <a:defRPr/>
-            </a:pPr>
-            <a:r>
-              <a:rPr lang="en-US" dirty="0" smtClean="0">
-                <a:ea typeface="+mj-ea"/>
-                <a:cs typeface="+mj-cs"/>
-              </a:rPr>
-              <a:t>The program (part 2)</a:t>
-            </a:r>
-          </a:p>
-        </p:txBody>
-      </p:sp>
-      <p:sp>
-        <p:nvSpPr>
-          <p:cNvPr id="27650" name="Content Placeholder 2"/>
-          <p:cNvSpPr>
-            <a:spLocks noGrp="1"/>
-          </p:cNvSpPr>
-          <p:nvPr>
-            <p:ph idx="1"/>
-          </p:nvPr>
-        </p:nvSpPr>
-        <p:spPr>
-          <a:xfrm>
-            <a:off x="457200" y="838200"/>
-            <a:ext cx="8229600" cy="5287963"/>
-          </a:xfrm>
-        </p:spPr>
-        <p:txBody>
-          <a:bodyPr/>
-          <a:lstStyle/>
-          <a:p>
-            <a:endParaRPr lang="en-US" sz="1400">
-              <a:latin typeface="Arial" charset="0"/>
-            </a:endParaRPr>
-          </a:p>
-          <a:p>
-            <a:pPr>
-              <a:buFont typeface="Arial" charset="0"/>
-              <a:buNone/>
-            </a:pPr>
-            <a:r>
-              <a:rPr lang="en-US" sz="1400">
-                <a:latin typeface="Courier New" charset="0"/>
-                <a:cs typeface="Courier New" charset="0"/>
-              </a:rPr>
-              <a:t>	</a:t>
-            </a:r>
-            <a:r>
-              <a:rPr lang="en-US" sz="1400" b="1">
-                <a:latin typeface="Courier New" charset="0"/>
-                <a:cs typeface="Courier New" charset="0"/>
-              </a:rPr>
-              <a:t>// Read the three values </a:t>
-            </a:r>
-          </a:p>
-          <a:p>
-            <a:pPr>
-              <a:buFont typeface="Arial" charset="0"/>
-              <a:buNone/>
-            </a:pPr>
-            <a:r>
-              <a:rPr lang="en-US" sz="1400" b="1">
-                <a:latin typeface="Courier New" charset="0"/>
-                <a:cs typeface="Courier New" charset="0"/>
-              </a:rPr>
-              <a:t>	fscanf(infile, "%d %d %d", &amp;x, &amp;y, &amp;z);</a:t>
-            </a:r>
-          </a:p>
-          <a:p>
-            <a:pPr>
-              <a:buFont typeface="Arial" charset="0"/>
-              <a:buNone/>
-            </a:pPr>
-            <a:endParaRPr lang="en-US" sz="1400" b="1">
-              <a:latin typeface="Courier New" charset="0"/>
-              <a:cs typeface="Courier New" charset="0"/>
-            </a:endParaRPr>
-          </a:p>
-          <a:p>
-            <a:pPr>
-              <a:buFont typeface="Arial" charset="0"/>
-              <a:buNone/>
-            </a:pPr>
-            <a:r>
-              <a:rPr lang="en-US" sz="1400" b="1">
-                <a:latin typeface="Courier New" charset="0"/>
-                <a:cs typeface="Courier New" charset="0"/>
-              </a:rPr>
-              <a:t>	// Compute sum and average</a:t>
-            </a:r>
-          </a:p>
-          <a:p>
-            <a:pPr>
-              <a:buFont typeface="Arial" charset="0"/>
-              <a:buNone/>
-            </a:pPr>
-            <a:r>
-              <a:rPr lang="en-US" sz="1400" b="1">
-                <a:latin typeface="Courier New" charset="0"/>
-                <a:cs typeface="Courier New" charset="0"/>
-              </a:rPr>
-              <a:t>	sum = x + y + z;</a:t>
-            </a:r>
-          </a:p>
-          <a:p>
-            <a:pPr>
-              <a:buFont typeface="Arial" charset="0"/>
-              <a:buNone/>
-            </a:pPr>
-            <a:r>
-              <a:rPr lang="en-US" sz="1400" b="1">
-                <a:latin typeface="Courier New" charset="0"/>
-                <a:cs typeface="Courier New" charset="0"/>
-              </a:rPr>
-              <a:t>	avg = sum / 3.0;</a:t>
-            </a:r>
-          </a:p>
-          <a:p>
-            <a:pPr>
-              <a:buFont typeface="Arial" charset="0"/>
-              <a:buNone/>
-            </a:pPr>
-            <a:endParaRPr lang="en-US" sz="1400" b="1">
-              <a:latin typeface="Courier New" charset="0"/>
-              <a:cs typeface="Courier New" charset="0"/>
-            </a:endParaRPr>
-          </a:p>
-          <a:p>
-            <a:pPr>
-              <a:buFont typeface="Arial" charset="0"/>
-              <a:buNone/>
-            </a:pPr>
-            <a:r>
-              <a:rPr lang="en-US" sz="1400" b="1">
-                <a:latin typeface="Courier New" charset="0"/>
-                <a:cs typeface="Courier New" charset="0"/>
-              </a:rPr>
-              <a:t>	// print out values</a:t>
-            </a:r>
-          </a:p>
-          <a:p>
-            <a:pPr>
-              <a:buFont typeface="Arial" charset="0"/>
-              <a:buNone/>
-            </a:pPr>
-            <a:r>
-              <a:rPr lang="fr-FR" sz="1400" b="1">
-                <a:latin typeface="Courier New" charset="0"/>
-                <a:cs typeface="Courier New" charset="0"/>
-              </a:rPr>
-              <a:t>	fprintf(outfile, "Values: %d, %d, %d\n", x, y, z);</a:t>
-            </a:r>
-          </a:p>
-          <a:p>
-            <a:pPr>
-              <a:buFont typeface="Arial" charset="0"/>
-              <a:buNone/>
-            </a:pPr>
-            <a:r>
-              <a:rPr lang="en-US" sz="1400" b="1">
-                <a:latin typeface="Courier New" charset="0"/>
-                <a:cs typeface="Courier New" charset="0"/>
-              </a:rPr>
-              <a:t>	fprintf(outfile, "Sum: %d\n",sum);</a:t>
-            </a:r>
-          </a:p>
-          <a:p>
-            <a:pPr>
-              <a:buFont typeface="Arial" charset="0"/>
-              <a:buNone/>
-            </a:pPr>
-            <a:r>
-              <a:rPr lang="en-US" sz="1400" b="1">
-                <a:latin typeface="Courier New" charset="0"/>
-                <a:cs typeface="Courier New" charset="0"/>
-              </a:rPr>
-              <a:t>	fprintf(outfile, "Avg: %lf\n",avg);</a:t>
-            </a:r>
-          </a:p>
-          <a:p>
-            <a:pPr>
-              <a:buFont typeface="Arial" charset="0"/>
-              <a:buNone/>
-            </a:pPr>
-            <a:endParaRPr lang="en-US" sz="1400" b="1">
-              <a:latin typeface="Courier New" charset="0"/>
-              <a:cs typeface="Courier New" charset="0"/>
-            </a:endParaRPr>
-          </a:p>
-          <a:p>
-            <a:pPr>
-              <a:buFont typeface="Arial" charset="0"/>
-              <a:buNone/>
-            </a:pPr>
-            <a:r>
-              <a:rPr lang="en-US" sz="1400" b="1">
-                <a:latin typeface="Courier New" charset="0"/>
-                <a:cs typeface="Courier New" charset="0"/>
-              </a:rPr>
-              <a:t>	// close the files</a:t>
-            </a:r>
-          </a:p>
-          <a:p>
-            <a:pPr>
-              <a:buFont typeface="Arial" charset="0"/>
-              <a:buNone/>
-            </a:pPr>
-            <a:r>
-              <a:rPr lang="en-US" sz="1400" b="1">
-                <a:latin typeface="Courier New" charset="0"/>
-                <a:cs typeface="Courier New" charset="0"/>
-              </a:rPr>
-              <a:t>	fclose(infile);</a:t>
-            </a:r>
-          </a:p>
-          <a:p>
-            <a:pPr>
-              <a:buFont typeface="Arial" charset="0"/>
-              <a:buNone/>
-            </a:pPr>
-            <a:r>
-              <a:rPr lang="en-US" sz="1400" b="1">
-                <a:latin typeface="Courier New" charset="0"/>
-                <a:cs typeface="Courier New" charset="0"/>
-              </a:rPr>
-              <a:t>	fclose(outfile);</a:t>
-            </a:r>
-          </a:p>
-          <a:p>
-            <a:pPr>
-              <a:buFont typeface="Arial" charset="0"/>
-              <a:buNone/>
-            </a:pPr>
-            <a:r>
-              <a:rPr lang="en-US" sz="1400" b="1">
-                <a:latin typeface="Courier New" charset="0"/>
-                <a:cs typeface="Courier New" charset="0"/>
-              </a:rPr>
-              <a:t>}</a:t>
-            </a:r>
-          </a:p>
-          <a:p>
-            <a:pPr>
-              <a:buFont typeface="Arial" charset="0"/>
-              <a:buNone/>
-            </a:pPr>
-            <a:endParaRPr lang="en-US" sz="1400">
-              <a:latin typeface="Courier New" charset="0"/>
-              <a:cs typeface="Courier New" charset="0"/>
-            </a:endParaRPr>
-          </a:p>
-          <a:p>
-            <a:pPr>
-              <a:buFont typeface="Arial" charset="0"/>
-              <a:buNone/>
-            </a:pPr>
-            <a:endParaRPr lang="en-US" sz="1400">
-              <a:latin typeface="Courier New" charset="0"/>
-              <a:cs typeface="Courier New" charset="0"/>
-            </a:endParaRPr>
-          </a:p>
-        </p:txBody>
-      </p:sp>
-      <p:sp>
-        <p:nvSpPr>
-          <p:cNvPr id="27651" name="Date Placeholder 3"/>
-          <p:cNvSpPr>
-            <a:spLocks noGrp="1"/>
-          </p:cNvSpPr>
-          <p:nvPr>
-            <p:ph type="dt" sz="quarter" idx="10"/>
-          </p:nvPr>
-        </p:nvSpPr>
-        <p:spPr>
-          <a:noFill/>
-          <a:ln/>
-          <a:extLst>
-            <a:ext uri="{909E8E84-426E-40dd-AFC4-6F175D3DCCD1}">
-              <a14:hiddenFill xmlns:a14="http://schemas.microsoft.com/office/drawing/2010/main">
-                <a:solidFill>
-                  <a:srgbClr val="FFFFFF"/>
-                </a:solidFill>
-              </a14:hiddenFill>
-            </a:ext>
-            <a:ext uri="{91240B29-F687-4f45-9708-019B960494DF}">
-              <a14:hiddenLine xmlns:a14="http://schemas.microsoft.com/office/drawing/2010/main" w="9525">
-                <a:solidFill>
-                  <a:srgbClr val="000000"/>
-                </a:solidFill>
-                <a:miter lim="800000"/>
-                <a:headEnd/>
-                <a:tailEnd/>
-              </a14:hiddenLine>
-            </a:ext>
-          </a:extLst>
-        </p:spPr>
-        <p:txBody>
-          <a:bodyPr/>
-          <a:lstStyle>
-            <a:lvl1pPr eaLnBrk="0" hangingPunct="0">
-              <a:defRPr sz="2400">
-                <a:solidFill>
-                  <a:schemeClr val="tx1"/>
-                </a:solidFill>
-                <a:latin typeface="Arial" charset="0"/>
-                <a:ea typeface="ＭＳ Ｐゴシック" charset="0"/>
-                <a:cs typeface="ＭＳ Ｐゴシック" charset="0"/>
-              </a:defRPr>
-            </a:lvl1pPr>
-            <a:lvl2pPr marL="742950" indent="-285750" eaLnBrk="0" hangingPunct="0">
-              <a:defRPr sz="2400">
-                <a:solidFill>
-                  <a:schemeClr val="tx1"/>
-                </a:solidFill>
-                <a:latin typeface="Arial" charset="0"/>
-                <a:ea typeface="ＭＳ Ｐゴシック" charset="0"/>
-              </a:defRPr>
-            </a:lvl2pPr>
-            <a:lvl3pPr marL="1143000" indent="-228600" eaLnBrk="0" hangingPunct="0">
-              <a:defRPr sz="2400">
-                <a:solidFill>
-                  <a:schemeClr val="tx1"/>
-                </a:solidFill>
-                <a:latin typeface="Arial" charset="0"/>
-                <a:ea typeface="ＭＳ Ｐゴシック" charset="0"/>
-              </a:defRPr>
-            </a:lvl3pPr>
-            <a:lvl4pPr marL="1600200" indent="-228600" eaLnBrk="0" hangingPunct="0">
-              <a:defRPr sz="2400">
-                <a:solidFill>
-                  <a:schemeClr val="tx1"/>
-                </a:solidFill>
-                <a:latin typeface="Arial" charset="0"/>
-                <a:ea typeface="ＭＳ Ｐゴシック" charset="0"/>
-              </a:defRPr>
-            </a:lvl4pPr>
-            <a:lvl5pPr marL="2057400" indent="-228600" eaLnBrk="0" hangingPunct="0">
-              <a:defRPr sz="2400">
-                <a:solidFill>
-                  <a:schemeClr val="tx1"/>
-                </a:solidFill>
-                <a:latin typeface="Arial" charset="0"/>
-                <a:ea typeface="ＭＳ Ｐゴシック" charset="0"/>
-              </a:defRPr>
-            </a:lvl5pPr>
-            <a:lvl6pPr marL="2514600" indent="-228600" eaLnBrk="0" fontAlgn="base" hangingPunct="0">
-              <a:spcBef>
-                <a:spcPct val="0"/>
-              </a:spcBef>
-              <a:spcAft>
-                <a:spcPct val="0"/>
-              </a:spcAft>
-              <a:defRPr sz="2400">
-                <a:solidFill>
-                  <a:schemeClr val="tx1"/>
-                </a:solidFill>
-                <a:latin typeface="Arial" charset="0"/>
-                <a:ea typeface="ＭＳ Ｐゴシック" charset="0"/>
-              </a:defRPr>
-            </a:lvl6pPr>
-            <a:lvl7pPr marL="2971800" indent="-228600" eaLnBrk="0" fontAlgn="base" hangingPunct="0">
-              <a:spcBef>
-                <a:spcPct val="0"/>
-              </a:spcBef>
-              <a:spcAft>
-                <a:spcPct val="0"/>
-              </a:spcAft>
-              <a:defRPr sz="2400">
-                <a:solidFill>
-                  <a:schemeClr val="tx1"/>
-                </a:solidFill>
-                <a:latin typeface="Arial" charset="0"/>
-                <a:ea typeface="ＭＳ Ｐゴシック" charset="0"/>
-              </a:defRPr>
-            </a:lvl7pPr>
-            <a:lvl8pPr marL="3429000" indent="-228600" eaLnBrk="0" fontAlgn="base" hangingPunct="0">
-              <a:spcBef>
-                <a:spcPct val="0"/>
-              </a:spcBef>
-              <a:spcAft>
-                <a:spcPct val="0"/>
-              </a:spcAft>
-              <a:defRPr sz="2400">
-                <a:solidFill>
-                  <a:schemeClr val="tx1"/>
-                </a:solidFill>
-                <a:latin typeface="Arial" charset="0"/>
-                <a:ea typeface="ＭＳ Ｐゴシック" charset="0"/>
-              </a:defRPr>
-            </a:lvl8pPr>
-            <a:lvl9pPr marL="3886200" indent="-228600" eaLnBrk="0" fontAlgn="base" hangingPunct="0">
-              <a:spcBef>
-                <a:spcPct val="0"/>
-              </a:spcBef>
-              <a:spcAft>
-                <a:spcPct val="0"/>
-              </a:spcAft>
-              <a:defRPr sz="2400">
-                <a:solidFill>
-                  <a:schemeClr val="tx1"/>
-                </a:solidFill>
-                <a:latin typeface="Arial" charset="0"/>
-                <a:ea typeface="ＭＳ Ｐゴシック" charset="0"/>
-              </a:defRPr>
-            </a:lvl9pPr>
-          </a:lstStyle>
-          <a:p>
-            <a:pPr eaLnBrk="1" hangingPunct="1"/>
-            <a:fld id="{928C53F6-9AD4-0C42-9328-88CD9C43D141}" type="datetime1">
-              <a:rPr lang="en-US" sz="1200" smtClean="0">
-                <a:latin typeface="Garamond" charset="0"/>
-              </a:rPr>
-              <a:t>4/11/18</a:t>
-            </a:fld>
-            <a:endParaRPr lang="en-US" sz="1200">
-              <a:latin typeface="Garamond" charset="0"/>
-            </a:endParaRPr>
-          </a:p>
-        </p:txBody>
-      </p:sp>
-      <p:sp>
-        <p:nvSpPr>
-          <p:cNvPr id="27652" name="Slide Number Placeholder 4"/>
-          <p:cNvSpPr>
-            <a:spLocks noGrp="1"/>
-          </p:cNvSpPr>
-          <p:nvPr>
-            <p:ph type="sldNum" sz="quarter" idx="12"/>
-          </p:nvPr>
-        </p:nvSpPr>
-        <p:spPr>
-          <a:noFill/>
-          <a:ln/>
-          <a:extLst>
-            <a:ext uri="{909E8E84-426E-40dd-AFC4-6F175D3DCCD1}">
-              <a14:hiddenFill xmlns:a14="http://schemas.microsoft.com/office/drawing/2010/main">
-                <a:solidFill>
-                  <a:srgbClr val="FFFFFF"/>
-                </a:solidFill>
-              </a14:hiddenFill>
-            </a:ext>
-            <a:ext uri="{91240B29-F687-4f45-9708-019B960494DF}">
-              <a14:hiddenLine xmlns:a14="http://schemas.microsoft.com/office/drawing/2010/main" w="9525">
-                <a:solidFill>
-                  <a:srgbClr val="000000"/>
-                </a:solidFill>
-                <a:miter lim="800000"/>
-                <a:headEnd/>
-                <a:tailEnd/>
-              </a14:hiddenLine>
-            </a:ext>
-          </a:extLst>
-        </p:spPr>
-        <p:txBody>
-          <a:bodyPr/>
-          <a:lstStyle>
-            <a:lvl1pPr eaLnBrk="0" hangingPunct="0">
-              <a:defRPr sz="2400">
-                <a:solidFill>
-                  <a:schemeClr val="tx1"/>
-                </a:solidFill>
-                <a:latin typeface="Arial" charset="0"/>
-                <a:ea typeface="ＭＳ Ｐゴシック" charset="0"/>
-                <a:cs typeface="ＭＳ Ｐゴシック" charset="0"/>
-              </a:defRPr>
-            </a:lvl1pPr>
-            <a:lvl2pPr marL="742950" indent="-285750" eaLnBrk="0" hangingPunct="0">
-              <a:defRPr sz="2400">
-                <a:solidFill>
-                  <a:schemeClr val="tx1"/>
-                </a:solidFill>
-                <a:latin typeface="Arial" charset="0"/>
-                <a:ea typeface="ＭＳ Ｐゴシック" charset="0"/>
-              </a:defRPr>
-            </a:lvl2pPr>
-            <a:lvl3pPr marL="1143000" indent="-228600" eaLnBrk="0" hangingPunct="0">
-              <a:defRPr sz="2400">
-                <a:solidFill>
-                  <a:schemeClr val="tx1"/>
-                </a:solidFill>
-                <a:latin typeface="Arial" charset="0"/>
-                <a:ea typeface="ＭＳ Ｐゴシック" charset="0"/>
-              </a:defRPr>
-            </a:lvl3pPr>
-            <a:lvl4pPr marL="1600200" indent="-228600" eaLnBrk="0" hangingPunct="0">
-              <a:defRPr sz="2400">
-                <a:solidFill>
-                  <a:schemeClr val="tx1"/>
-                </a:solidFill>
-                <a:latin typeface="Arial" charset="0"/>
-                <a:ea typeface="ＭＳ Ｐゴシック" charset="0"/>
-              </a:defRPr>
-            </a:lvl4pPr>
-            <a:lvl5pPr marL="2057400" indent="-228600" eaLnBrk="0" hangingPunct="0">
-              <a:defRPr sz="2400">
-                <a:solidFill>
-                  <a:schemeClr val="tx1"/>
-                </a:solidFill>
-                <a:latin typeface="Arial" charset="0"/>
-                <a:ea typeface="ＭＳ Ｐゴシック" charset="0"/>
-              </a:defRPr>
-            </a:lvl5pPr>
-            <a:lvl6pPr marL="2514600" indent="-228600" eaLnBrk="0" fontAlgn="base" hangingPunct="0">
-              <a:spcBef>
-                <a:spcPct val="0"/>
-              </a:spcBef>
-              <a:spcAft>
-                <a:spcPct val="0"/>
-              </a:spcAft>
-              <a:defRPr sz="2400">
-                <a:solidFill>
-                  <a:schemeClr val="tx1"/>
-                </a:solidFill>
-                <a:latin typeface="Arial" charset="0"/>
-                <a:ea typeface="ＭＳ Ｐゴシック" charset="0"/>
-              </a:defRPr>
-            </a:lvl6pPr>
-            <a:lvl7pPr marL="2971800" indent="-228600" eaLnBrk="0" fontAlgn="base" hangingPunct="0">
-              <a:spcBef>
-                <a:spcPct val="0"/>
-              </a:spcBef>
-              <a:spcAft>
-                <a:spcPct val="0"/>
-              </a:spcAft>
-              <a:defRPr sz="2400">
-                <a:solidFill>
-                  <a:schemeClr val="tx1"/>
-                </a:solidFill>
-                <a:latin typeface="Arial" charset="0"/>
-                <a:ea typeface="ＭＳ Ｐゴシック" charset="0"/>
-              </a:defRPr>
-            </a:lvl7pPr>
-            <a:lvl8pPr marL="3429000" indent="-228600" eaLnBrk="0" fontAlgn="base" hangingPunct="0">
-              <a:spcBef>
-                <a:spcPct val="0"/>
-              </a:spcBef>
-              <a:spcAft>
-                <a:spcPct val="0"/>
-              </a:spcAft>
-              <a:defRPr sz="2400">
-                <a:solidFill>
-                  <a:schemeClr val="tx1"/>
-                </a:solidFill>
-                <a:latin typeface="Arial" charset="0"/>
-                <a:ea typeface="ＭＳ Ｐゴシック" charset="0"/>
-              </a:defRPr>
-            </a:lvl8pPr>
-            <a:lvl9pPr marL="3886200" indent="-228600" eaLnBrk="0" fontAlgn="base" hangingPunct="0">
-              <a:spcBef>
-                <a:spcPct val="0"/>
-              </a:spcBef>
-              <a:spcAft>
-                <a:spcPct val="0"/>
-              </a:spcAft>
-              <a:defRPr sz="2400">
-                <a:solidFill>
-                  <a:schemeClr val="tx1"/>
-                </a:solidFill>
-                <a:latin typeface="Arial" charset="0"/>
-                <a:ea typeface="ＭＳ Ｐゴシック" charset="0"/>
-              </a:defRPr>
-            </a:lvl9pPr>
-          </a:lstStyle>
-          <a:p>
-            <a:pPr eaLnBrk="1" hangingPunct="1"/>
-            <a:fld id="{4680E618-8352-E845-8B67-E52DE93860F0}" type="slidenum">
-              <a:rPr lang="en-US" sz="1200">
-                <a:latin typeface="Garamond" charset="0"/>
-              </a:rPr>
-              <a:pPr eaLnBrk="1" hangingPunct="1"/>
-              <a:t>19</a:t>
-            </a:fld>
-            <a:endParaRPr lang="en-US" sz="1200">
-              <a:latin typeface="Garamond" charset="0"/>
-            </a:endParaRPr>
-          </a:p>
-        </p:txBody>
-      </p:sp>
-      <p:sp>
-        <p:nvSpPr>
-          <p:cNvPr id="6" name="Footer Placeholder 5"/>
-          <p:cNvSpPr>
-            <a:spLocks noGrp="1"/>
-          </p:cNvSpPr>
-          <p:nvPr>
-            <p:ph type="ftr" sz="quarter" idx="11"/>
-          </p:nvPr>
-        </p:nvSpPr>
-        <p:spPr/>
-        <p:txBody>
-          <a:bodyPr/>
-          <a:lstStyle/>
-          <a:p>
-            <a:pPr>
-              <a:defRPr/>
-            </a:pPr>
-            <a:r>
-              <a:rPr lang="en-US" altLang="en-US" smtClean="0"/>
-              <a:t>ECE Application Programming: Lecture 28</a:t>
-            </a:r>
-            <a:endParaRPr lang="en-US" altLang="en-US"/>
-          </a:p>
-        </p:txBody>
-      </p:sp>
-    </p:spTree>
-    <p:extLst>
-      <p:ext uri="{BB962C8B-B14F-4D97-AF65-F5344CB8AC3E}">
-        <p14:creationId xmlns:p14="http://schemas.microsoft.com/office/powerpoint/2010/main" val="3060912856"/>
-      </p:ext>
-    </p:extLst>
   </p:cSld>
   <p:clrMapOvr>
     <a:masterClrMapping/>
@@ -13565,19 +11127,7 @@
               <a:rPr lang="en-US" dirty="0" smtClean="0">
                 <a:latin typeface="Arial" charset="0"/>
               </a:rPr>
-              <a:t>Program </a:t>
-            </a:r>
-            <a:r>
-              <a:rPr lang="en-US" dirty="0" smtClean="0">
-                <a:latin typeface="Arial" charset="0"/>
-              </a:rPr>
-              <a:t>8 to be posted; due </a:t>
-            </a:r>
-            <a:r>
-              <a:rPr lang="en-US" dirty="0" smtClean="0">
-                <a:latin typeface="Arial" charset="0"/>
-              </a:rPr>
-              <a:t>4/23</a:t>
+              <a:t>Program 8 to be posted; due 4/23</a:t>
             </a:r>
           </a:p>
           <a:p>
@@ -13609,11 +11159,7 @@
             <a:pPr lvl="1"/>
             <a:r>
               <a:rPr lang="en-US" dirty="0" smtClean="0"/>
-              <a:t>File </a:t>
-            </a:r>
-            <a:r>
-              <a:rPr lang="en-US" dirty="0" smtClean="0"/>
-              <a:t>I/O</a:t>
+              <a:t>File I/O</a:t>
             </a:r>
           </a:p>
         </p:txBody>
@@ -13720,9 +11266,9 @@
             </a:lvl9pPr>
           </a:lstStyle>
           <a:p>
-            <a:fld id="{4CAFD7E4-25E5-8E48-9FE7-D058572F5656}" type="datetime1">
+            <a:fld id="{21D7FCF1-FE67-1042-AAA8-16CBED27264E}" type="datetime1">
               <a:rPr lang="en-US" sz="1200" smtClean="0"/>
-              <a:t>4/11/18</a:t>
+              <a:t>4/13/18</a:t>
             </a:fld>
             <a:endParaRPr lang="en-US" sz="1200" dirty="0"/>
           </a:p>
@@ -13859,1661 +11405,6 @@
               <a:t>2</a:t>
             </a:fld>
             <a:endParaRPr lang="en-US" sz="1200" dirty="0"/>
-          </a:p>
-        </p:txBody>
-      </p:sp>
-    </p:spTree>
-  </p:cSld>
-  <p:clrMapOvr>
-    <a:masterClrMapping/>
-  </p:clrMapOvr>
-  <p:timing>
-    <p:tnLst>
-      <p:par>
-        <p:cTn xmlns:p14="http://schemas.microsoft.com/office/powerpoint/2010/main" id="1" dur="indefinite" restart="never" nodeType="tmRoot"/>
-      </p:par>
-    </p:tnLst>
-  </p:timing>
-</p:sld>
-</file>
-
-<file path=ppt/slides/slide20.xml><?xml version="1.0" encoding="utf-8"?>
-<p:sld xmlns:a="http://schemas.openxmlformats.org/drawingml/2006/main" xmlns:r="http://schemas.openxmlformats.org/officeDocument/2006/relationships" xmlns:p="http://schemas.openxmlformats.org/presentationml/2006/main">
-  <p:cSld>
-    <p:spTree>
-      <p:nvGrpSpPr>
-        <p:cNvPr id="1" name=""/>
-        <p:cNvGrpSpPr/>
-        <p:nvPr/>
-      </p:nvGrpSpPr>
-      <p:grpSpPr>
-        <a:xfrm>
-          <a:off x="0" y="0"/>
-          <a:ext cx="0" cy="0"/>
-          <a:chOff x="0" y="0"/>
-          <a:chExt cx="0" cy="0"/>
-        </a:xfrm>
-      </p:grpSpPr>
-      <p:sp>
-        <p:nvSpPr>
-          <p:cNvPr id="6146" name="Title 1"/>
-          <p:cNvSpPr>
-            <a:spLocks noGrp="1"/>
-          </p:cNvSpPr>
-          <p:nvPr>
-            <p:ph type="title"/>
-          </p:nvPr>
-        </p:nvSpPr>
-        <p:spPr/>
-        <p:txBody>
-          <a:bodyPr>
-            <a:normAutofit fontScale="90000"/>
-          </a:bodyPr>
-          <a:lstStyle/>
-          <a:p>
-            <a:pPr>
-              <a:defRPr/>
-            </a:pPr>
-            <a:r>
-              <a:rPr lang="en-US" dirty="0" smtClean="0">
-                <a:ea typeface="+mj-ea"/>
-              </a:rPr>
-              <a:t>File i/o function calls: unformatted I/O</a:t>
-            </a:r>
-          </a:p>
-        </p:txBody>
-      </p:sp>
-      <p:sp>
-        <p:nvSpPr>
-          <p:cNvPr id="6147" name="Content Placeholder 2"/>
-          <p:cNvSpPr>
-            <a:spLocks noGrp="1"/>
-          </p:cNvSpPr>
-          <p:nvPr>
-            <p:ph idx="1"/>
-          </p:nvPr>
-        </p:nvSpPr>
-        <p:spPr/>
-        <p:txBody>
-          <a:bodyPr>
-            <a:normAutofit fontScale="92500" lnSpcReduction="20000"/>
-          </a:bodyPr>
-          <a:lstStyle/>
-          <a:p>
-            <a:pPr>
-              <a:buFont typeface="Arial" charset="0"/>
-              <a:buNone/>
-              <a:defRPr/>
-            </a:pPr>
-            <a:r>
-              <a:rPr lang="en-US" dirty="0" err="1" smtClean="0">
-                <a:latin typeface="Courier New" pitchFamily="49" charset="0"/>
-                <a:ea typeface="+mn-ea"/>
-                <a:cs typeface="Courier New" pitchFamily="49" charset="0"/>
-              </a:rPr>
-              <a:t>size_t</a:t>
-            </a:r>
-            <a:r>
-              <a:rPr lang="en-US" dirty="0" smtClean="0">
-                <a:latin typeface="Courier New" pitchFamily="49" charset="0"/>
-                <a:ea typeface="+mn-ea"/>
-                <a:cs typeface="Courier New" pitchFamily="49" charset="0"/>
-              </a:rPr>
-              <a:t> </a:t>
-            </a:r>
-            <a:r>
-              <a:rPr lang="en-US" dirty="0" err="1" smtClean="0">
-                <a:latin typeface="Courier New" pitchFamily="49" charset="0"/>
-                <a:ea typeface="+mn-ea"/>
-                <a:cs typeface="Courier New" pitchFamily="49" charset="0"/>
-              </a:rPr>
-              <a:t>fwrite</a:t>
-            </a:r>
-            <a:r>
-              <a:rPr lang="en-US" dirty="0" smtClean="0">
-                <a:latin typeface="Courier New" pitchFamily="49" charset="0"/>
-                <a:ea typeface="+mn-ea"/>
-                <a:cs typeface="Courier New" pitchFamily="49" charset="0"/>
-              </a:rPr>
-              <a:t>(</a:t>
-            </a:r>
-            <a:r>
-              <a:rPr lang="en-US" sz="2200" i="1" dirty="0" smtClean="0">
-                <a:ea typeface="+mn-ea"/>
-              </a:rPr>
-              <a:t>pointer, element size, # elements, </a:t>
-            </a:r>
-            <a:r>
-              <a:rPr lang="en-US" sz="2200" i="1" dirty="0" err="1" smtClean="0">
-                <a:ea typeface="+mn-ea"/>
-              </a:rPr>
-              <a:t>file_handle</a:t>
-            </a:r>
-            <a:r>
-              <a:rPr lang="en-US" dirty="0" smtClean="0">
-                <a:latin typeface="Courier New" pitchFamily="49" charset="0"/>
-                <a:ea typeface="+mn-ea"/>
-                <a:cs typeface="Courier New" pitchFamily="49" charset="0"/>
-              </a:rPr>
-              <a:t>)</a:t>
-            </a:r>
-          </a:p>
-          <a:p>
-            <a:pPr>
-              <a:buFont typeface="Arial" charset="0"/>
-              <a:buNone/>
-              <a:defRPr/>
-            </a:pPr>
-            <a:r>
-              <a:rPr lang="en-US" dirty="0" err="1" smtClean="0">
-                <a:latin typeface="Courier New" pitchFamily="49" charset="0"/>
-                <a:ea typeface="+mn-ea"/>
-                <a:cs typeface="Courier New" pitchFamily="49" charset="0"/>
-              </a:rPr>
-              <a:t>size_t</a:t>
-            </a:r>
-            <a:r>
-              <a:rPr lang="en-US" dirty="0" smtClean="0">
-                <a:latin typeface="Courier New" pitchFamily="49" charset="0"/>
-                <a:ea typeface="+mn-ea"/>
-                <a:cs typeface="Courier New" pitchFamily="49" charset="0"/>
-              </a:rPr>
-              <a:t> </a:t>
-            </a:r>
-            <a:r>
-              <a:rPr lang="en-US" dirty="0" err="1" smtClean="0">
-                <a:latin typeface="Courier New" pitchFamily="49" charset="0"/>
-                <a:ea typeface="+mn-ea"/>
-                <a:cs typeface="Courier New" pitchFamily="49" charset="0"/>
-              </a:rPr>
-              <a:t>fread</a:t>
-            </a:r>
-            <a:r>
-              <a:rPr lang="en-US" dirty="0" smtClean="0">
-                <a:latin typeface="Courier New" pitchFamily="49" charset="0"/>
-                <a:ea typeface="+mn-ea"/>
-                <a:cs typeface="Courier New" pitchFamily="49" charset="0"/>
-              </a:rPr>
-              <a:t>(</a:t>
-            </a:r>
-            <a:r>
-              <a:rPr lang="en-US" sz="2200" i="1" dirty="0" smtClean="0">
-                <a:ea typeface="+mn-ea"/>
-              </a:rPr>
-              <a:t>pointer, element size, # elements, </a:t>
-            </a:r>
-            <a:r>
-              <a:rPr lang="en-US" sz="2200" i="1" dirty="0" err="1" smtClean="0">
-                <a:ea typeface="+mn-ea"/>
-              </a:rPr>
-              <a:t>file_handle</a:t>
-            </a:r>
-            <a:r>
-              <a:rPr lang="en-US" dirty="0" smtClean="0">
-                <a:latin typeface="Courier New" pitchFamily="49" charset="0"/>
-                <a:ea typeface="+mn-ea"/>
-                <a:cs typeface="Courier New" pitchFamily="49" charset="0"/>
-              </a:rPr>
-              <a:t>)</a:t>
-            </a:r>
-          </a:p>
-          <a:p>
-            <a:pPr>
-              <a:buFont typeface="Wingdings" pitchFamily="2" charset="2"/>
-              <a:buChar char="n"/>
-              <a:defRPr/>
-            </a:pPr>
-            <a:r>
-              <a:rPr lang="en-US" i="1" dirty="0" smtClean="0">
-                <a:ea typeface="+mn-ea"/>
-                <a:cs typeface="Courier New" pitchFamily="49" charset="0"/>
-              </a:rPr>
-              <a:t>pointer: </a:t>
-            </a:r>
-            <a:r>
-              <a:rPr lang="en-US" dirty="0" smtClean="0">
-                <a:ea typeface="+mn-ea"/>
-                <a:cs typeface="Courier New" pitchFamily="49" charset="0"/>
-              </a:rPr>
-              <a:t>address of data to be read/written</a:t>
-            </a:r>
-          </a:p>
-          <a:p>
-            <a:pPr lvl="1">
-              <a:buFont typeface="Wingdings" pitchFamily="2" charset="2"/>
-              <a:buChar char="q"/>
-              <a:defRPr/>
-            </a:pPr>
-            <a:r>
-              <a:rPr lang="en-US" dirty="0" smtClean="0">
-                <a:cs typeface="Courier New" pitchFamily="49" charset="0"/>
-              </a:rPr>
-              <a:t>Typically an array, although can be scalar</a:t>
-            </a:r>
-          </a:p>
-          <a:p>
-            <a:pPr>
-              <a:buFont typeface="Wingdings" pitchFamily="2" charset="2"/>
-              <a:buChar char="n"/>
-              <a:defRPr/>
-            </a:pPr>
-            <a:r>
-              <a:rPr lang="en-US" i="1" dirty="0" smtClean="0">
-                <a:ea typeface="+mn-ea"/>
-                <a:cs typeface="Courier New" pitchFamily="49" charset="0"/>
-              </a:rPr>
-              <a:t>element size:</a:t>
-            </a:r>
-            <a:r>
-              <a:rPr lang="en-US" dirty="0" smtClean="0">
-                <a:ea typeface="+mn-ea"/>
-                <a:cs typeface="Courier New" pitchFamily="49" charset="0"/>
-              </a:rPr>
-              <a:t> Size of each element in array</a:t>
-            </a:r>
-          </a:p>
-          <a:p>
-            <a:pPr>
-              <a:buFont typeface="Wingdings" pitchFamily="2" charset="2"/>
-              <a:buChar char="n"/>
-              <a:defRPr/>
-            </a:pPr>
-            <a:r>
-              <a:rPr lang="en-US" i="1" dirty="0" smtClean="0">
-                <a:ea typeface="+mn-ea"/>
-                <a:cs typeface="Courier New" pitchFamily="49" charset="0"/>
-              </a:rPr>
-              <a:t># elements:</a:t>
-            </a:r>
-            <a:r>
-              <a:rPr lang="en-US" dirty="0" smtClean="0">
-                <a:ea typeface="+mn-ea"/>
-                <a:cs typeface="Courier New" pitchFamily="49" charset="0"/>
-              </a:rPr>
-              <a:t> Number of elements in array</a:t>
-            </a:r>
-            <a:endParaRPr lang="en-US" i="1" dirty="0" smtClean="0">
-              <a:ea typeface="+mn-ea"/>
-              <a:cs typeface="Courier New" pitchFamily="49" charset="0"/>
-            </a:endParaRPr>
-          </a:p>
-          <a:p>
-            <a:pPr>
-              <a:buFont typeface="Wingdings" pitchFamily="2" charset="2"/>
-              <a:buChar char="n"/>
-              <a:defRPr/>
-            </a:pPr>
-            <a:r>
-              <a:rPr lang="en-US" i="1" dirty="0" err="1" smtClean="0">
-                <a:ea typeface="+mn-ea"/>
-                <a:cs typeface="Courier New" pitchFamily="49" charset="0"/>
-              </a:rPr>
-              <a:t>file_handle</a:t>
-            </a:r>
-            <a:r>
-              <a:rPr lang="en-US" i="1" dirty="0" smtClean="0">
-                <a:ea typeface="+mn-ea"/>
-                <a:cs typeface="Courier New" pitchFamily="49" charset="0"/>
-              </a:rPr>
-              <a:t>:</a:t>
-            </a:r>
-            <a:r>
-              <a:rPr lang="en-US" dirty="0" smtClean="0">
-                <a:ea typeface="+mn-ea"/>
-                <a:cs typeface="Courier New" pitchFamily="49" charset="0"/>
-              </a:rPr>
-              <a:t> is address returned by </a:t>
-            </a:r>
-            <a:r>
-              <a:rPr lang="en-US" dirty="0" err="1" smtClean="0">
-                <a:latin typeface="Courier New" pitchFamily="49" charset="0"/>
-                <a:ea typeface="+mn-ea"/>
-                <a:cs typeface="Courier New" pitchFamily="49" charset="0"/>
-              </a:rPr>
-              <a:t>fopen</a:t>
-            </a:r>
-            <a:r>
-              <a:rPr lang="en-US" dirty="0" smtClean="0">
-                <a:latin typeface="Courier New" pitchFamily="49" charset="0"/>
-                <a:ea typeface="+mn-ea"/>
-                <a:cs typeface="Courier New" pitchFamily="49" charset="0"/>
-              </a:rPr>
-              <a:t>()</a:t>
-            </a:r>
-          </a:p>
-          <a:p>
-            <a:pPr>
-              <a:buFont typeface="Wingdings" pitchFamily="2" charset="2"/>
-              <a:buChar char="n"/>
-              <a:defRPr/>
-            </a:pPr>
-            <a:endParaRPr lang="en-US" dirty="0" smtClean="0">
-              <a:latin typeface="Courier New" pitchFamily="49" charset="0"/>
-              <a:ea typeface="+mn-ea"/>
-              <a:cs typeface="Courier New" pitchFamily="49" charset="0"/>
-            </a:endParaRPr>
-          </a:p>
-          <a:p>
-            <a:pPr>
-              <a:buFont typeface="Wingdings" pitchFamily="2" charset="2"/>
-              <a:buChar char="n"/>
-              <a:defRPr/>
-            </a:pPr>
-            <a:r>
-              <a:rPr lang="en-US" dirty="0" smtClean="0">
-                <a:ea typeface="+mn-ea"/>
-                <a:cs typeface="Courier New" pitchFamily="49" charset="0"/>
-              </a:rPr>
-              <a:t>Returns # of elements actually read/written</a:t>
-            </a:r>
-          </a:p>
-          <a:p>
-            <a:pPr lvl="1">
-              <a:buFont typeface="Wingdings" pitchFamily="2" charset="2"/>
-              <a:buChar char="q"/>
-              <a:defRPr/>
-            </a:pPr>
-            <a:r>
-              <a:rPr lang="en-US" dirty="0" smtClean="0">
-                <a:cs typeface="Courier New" pitchFamily="49" charset="0"/>
-              </a:rPr>
-              <a:t>If &lt; # elements requested, either error or EOF</a:t>
-            </a:r>
-          </a:p>
-          <a:p>
-            <a:pPr>
-              <a:buFont typeface="Wingdings" pitchFamily="2" charset="2"/>
-              <a:buNone/>
-              <a:defRPr/>
-            </a:pPr>
-            <a:endParaRPr lang="en-US" dirty="0" smtClean="0">
-              <a:latin typeface="Courier New" pitchFamily="49" charset="0"/>
-              <a:ea typeface="+mn-ea"/>
-              <a:cs typeface="Courier New" pitchFamily="49" charset="0"/>
-            </a:endParaRPr>
-          </a:p>
-        </p:txBody>
-      </p:sp>
-      <p:sp>
-        <p:nvSpPr>
-          <p:cNvPr id="4" name="Date Placeholder 3"/>
-          <p:cNvSpPr>
-            <a:spLocks noGrp="1"/>
-          </p:cNvSpPr>
-          <p:nvPr>
-            <p:ph type="dt" sz="quarter" idx="10"/>
-          </p:nvPr>
-        </p:nvSpPr>
-        <p:spPr/>
-        <p:txBody>
-          <a:bodyPr/>
-          <a:lstStyle>
-            <a:lvl1pPr eaLnBrk="0" hangingPunct="0">
-              <a:defRPr>
-                <a:solidFill>
-                  <a:schemeClr val="tx1"/>
-                </a:solidFill>
-                <a:latin typeface="Arial" charset="0"/>
-                <a:ea typeface="ＭＳ Ｐゴシック" charset="0"/>
-                <a:cs typeface="Arial" charset="0"/>
-              </a:defRPr>
-            </a:lvl1pPr>
-            <a:lvl2pPr marL="742950" indent="-285750" eaLnBrk="0" hangingPunct="0">
-              <a:defRPr>
-                <a:solidFill>
-                  <a:schemeClr val="tx1"/>
-                </a:solidFill>
-                <a:latin typeface="Arial" charset="0"/>
-                <a:ea typeface="Arial" charset="0"/>
-                <a:cs typeface="Arial" charset="0"/>
-              </a:defRPr>
-            </a:lvl2pPr>
-            <a:lvl3pPr marL="1143000" indent="-228600" eaLnBrk="0" hangingPunct="0">
-              <a:defRPr>
-                <a:solidFill>
-                  <a:schemeClr val="tx1"/>
-                </a:solidFill>
-                <a:latin typeface="Arial" charset="0"/>
-                <a:ea typeface="Arial" charset="0"/>
-                <a:cs typeface="Arial" charset="0"/>
-              </a:defRPr>
-            </a:lvl3pPr>
-            <a:lvl4pPr marL="1600200" indent="-228600" eaLnBrk="0" hangingPunct="0">
-              <a:defRPr>
-                <a:solidFill>
-                  <a:schemeClr val="tx1"/>
-                </a:solidFill>
-                <a:latin typeface="Arial" charset="0"/>
-                <a:ea typeface="Arial" charset="0"/>
-                <a:cs typeface="Arial" charset="0"/>
-              </a:defRPr>
-            </a:lvl4pPr>
-            <a:lvl5pPr marL="2057400" indent="-228600" eaLnBrk="0" hangingPunct="0">
-              <a:defRPr>
-                <a:solidFill>
-                  <a:schemeClr val="tx1"/>
-                </a:solidFill>
-                <a:latin typeface="Arial" charset="0"/>
-                <a:ea typeface="Arial" charset="0"/>
-                <a:cs typeface="Arial" charset="0"/>
-              </a:defRPr>
-            </a:lvl5pPr>
-            <a:lvl6pPr marL="2514600" indent="-228600" eaLnBrk="0" fontAlgn="base" hangingPunct="0">
-              <a:spcBef>
-                <a:spcPct val="0"/>
-              </a:spcBef>
-              <a:spcAft>
-                <a:spcPct val="0"/>
-              </a:spcAft>
-              <a:defRPr>
-                <a:solidFill>
-                  <a:schemeClr val="tx1"/>
-                </a:solidFill>
-                <a:latin typeface="Arial" charset="0"/>
-                <a:ea typeface="Arial" charset="0"/>
-                <a:cs typeface="Arial" charset="0"/>
-              </a:defRPr>
-            </a:lvl6pPr>
-            <a:lvl7pPr marL="2971800" indent="-228600" eaLnBrk="0" fontAlgn="base" hangingPunct="0">
-              <a:spcBef>
-                <a:spcPct val="0"/>
-              </a:spcBef>
-              <a:spcAft>
-                <a:spcPct val="0"/>
-              </a:spcAft>
-              <a:defRPr>
-                <a:solidFill>
-                  <a:schemeClr val="tx1"/>
-                </a:solidFill>
-                <a:latin typeface="Arial" charset="0"/>
-                <a:ea typeface="Arial" charset="0"/>
-                <a:cs typeface="Arial" charset="0"/>
-              </a:defRPr>
-            </a:lvl7pPr>
-            <a:lvl8pPr marL="3429000" indent="-228600" eaLnBrk="0" fontAlgn="base" hangingPunct="0">
-              <a:spcBef>
-                <a:spcPct val="0"/>
-              </a:spcBef>
-              <a:spcAft>
-                <a:spcPct val="0"/>
-              </a:spcAft>
-              <a:defRPr>
-                <a:solidFill>
-                  <a:schemeClr val="tx1"/>
-                </a:solidFill>
-                <a:latin typeface="Arial" charset="0"/>
-                <a:ea typeface="Arial" charset="0"/>
-                <a:cs typeface="Arial" charset="0"/>
-              </a:defRPr>
-            </a:lvl8pPr>
-            <a:lvl9pPr marL="3886200" indent="-228600" eaLnBrk="0" fontAlgn="base" hangingPunct="0">
-              <a:spcBef>
-                <a:spcPct val="0"/>
-              </a:spcBef>
-              <a:spcAft>
-                <a:spcPct val="0"/>
-              </a:spcAft>
-              <a:defRPr>
-                <a:solidFill>
-                  <a:schemeClr val="tx1"/>
-                </a:solidFill>
-                <a:latin typeface="Arial" charset="0"/>
-                <a:ea typeface="Arial" charset="0"/>
-                <a:cs typeface="Arial" charset="0"/>
-              </a:defRPr>
-            </a:lvl9pPr>
-          </a:lstStyle>
-          <a:p>
-            <a:pPr eaLnBrk="1" hangingPunct="1"/>
-            <a:fld id="{46DC116E-19A1-9A4E-BE49-D88D860D5AFD}" type="datetime1">
-              <a:rPr lang="en-US" smtClean="0">
-                <a:latin typeface="Garamond" charset="0"/>
-              </a:rPr>
-              <a:t>4/11/18</a:t>
-            </a:fld>
-            <a:endParaRPr lang="en-US">
-              <a:latin typeface="Garamond" charset="0"/>
-            </a:endParaRPr>
-          </a:p>
-        </p:txBody>
-      </p:sp>
-      <p:sp>
-        <p:nvSpPr>
-          <p:cNvPr id="5" name="Slide Number Placeholder 4"/>
-          <p:cNvSpPr>
-            <a:spLocks noGrp="1"/>
-          </p:cNvSpPr>
-          <p:nvPr>
-            <p:ph type="sldNum" sz="quarter" idx="12"/>
-          </p:nvPr>
-        </p:nvSpPr>
-        <p:spPr/>
-        <p:txBody>
-          <a:bodyPr/>
-          <a:lstStyle>
-            <a:lvl1pPr eaLnBrk="0" hangingPunct="0">
-              <a:defRPr>
-                <a:solidFill>
-                  <a:schemeClr val="tx1"/>
-                </a:solidFill>
-                <a:latin typeface="Arial" charset="0"/>
-                <a:ea typeface="ＭＳ Ｐゴシック" charset="0"/>
-                <a:cs typeface="Arial" charset="0"/>
-              </a:defRPr>
-            </a:lvl1pPr>
-            <a:lvl2pPr marL="742950" indent="-285750" eaLnBrk="0" hangingPunct="0">
-              <a:defRPr>
-                <a:solidFill>
-                  <a:schemeClr val="tx1"/>
-                </a:solidFill>
-                <a:latin typeface="Arial" charset="0"/>
-                <a:ea typeface="Arial" charset="0"/>
-                <a:cs typeface="Arial" charset="0"/>
-              </a:defRPr>
-            </a:lvl2pPr>
-            <a:lvl3pPr marL="1143000" indent="-228600" eaLnBrk="0" hangingPunct="0">
-              <a:defRPr>
-                <a:solidFill>
-                  <a:schemeClr val="tx1"/>
-                </a:solidFill>
-                <a:latin typeface="Arial" charset="0"/>
-                <a:ea typeface="Arial" charset="0"/>
-                <a:cs typeface="Arial" charset="0"/>
-              </a:defRPr>
-            </a:lvl3pPr>
-            <a:lvl4pPr marL="1600200" indent="-228600" eaLnBrk="0" hangingPunct="0">
-              <a:defRPr>
-                <a:solidFill>
-                  <a:schemeClr val="tx1"/>
-                </a:solidFill>
-                <a:latin typeface="Arial" charset="0"/>
-                <a:ea typeface="Arial" charset="0"/>
-                <a:cs typeface="Arial" charset="0"/>
-              </a:defRPr>
-            </a:lvl4pPr>
-            <a:lvl5pPr marL="2057400" indent="-228600" eaLnBrk="0" hangingPunct="0">
-              <a:defRPr>
-                <a:solidFill>
-                  <a:schemeClr val="tx1"/>
-                </a:solidFill>
-                <a:latin typeface="Arial" charset="0"/>
-                <a:ea typeface="Arial" charset="0"/>
-                <a:cs typeface="Arial" charset="0"/>
-              </a:defRPr>
-            </a:lvl5pPr>
-            <a:lvl6pPr marL="2514600" indent="-228600" eaLnBrk="0" fontAlgn="base" hangingPunct="0">
-              <a:spcBef>
-                <a:spcPct val="0"/>
-              </a:spcBef>
-              <a:spcAft>
-                <a:spcPct val="0"/>
-              </a:spcAft>
-              <a:defRPr>
-                <a:solidFill>
-                  <a:schemeClr val="tx1"/>
-                </a:solidFill>
-                <a:latin typeface="Arial" charset="0"/>
-                <a:ea typeface="Arial" charset="0"/>
-                <a:cs typeface="Arial" charset="0"/>
-              </a:defRPr>
-            </a:lvl6pPr>
-            <a:lvl7pPr marL="2971800" indent="-228600" eaLnBrk="0" fontAlgn="base" hangingPunct="0">
-              <a:spcBef>
-                <a:spcPct val="0"/>
-              </a:spcBef>
-              <a:spcAft>
-                <a:spcPct val="0"/>
-              </a:spcAft>
-              <a:defRPr>
-                <a:solidFill>
-                  <a:schemeClr val="tx1"/>
-                </a:solidFill>
-                <a:latin typeface="Arial" charset="0"/>
-                <a:ea typeface="Arial" charset="0"/>
-                <a:cs typeface="Arial" charset="0"/>
-              </a:defRPr>
-            </a:lvl7pPr>
-            <a:lvl8pPr marL="3429000" indent="-228600" eaLnBrk="0" fontAlgn="base" hangingPunct="0">
-              <a:spcBef>
-                <a:spcPct val="0"/>
-              </a:spcBef>
-              <a:spcAft>
-                <a:spcPct val="0"/>
-              </a:spcAft>
-              <a:defRPr>
-                <a:solidFill>
-                  <a:schemeClr val="tx1"/>
-                </a:solidFill>
-                <a:latin typeface="Arial" charset="0"/>
-                <a:ea typeface="Arial" charset="0"/>
-                <a:cs typeface="Arial" charset="0"/>
-              </a:defRPr>
-            </a:lvl8pPr>
-            <a:lvl9pPr marL="3886200" indent="-228600" eaLnBrk="0" fontAlgn="base" hangingPunct="0">
-              <a:spcBef>
-                <a:spcPct val="0"/>
-              </a:spcBef>
-              <a:spcAft>
-                <a:spcPct val="0"/>
-              </a:spcAft>
-              <a:defRPr>
-                <a:solidFill>
-                  <a:schemeClr val="tx1"/>
-                </a:solidFill>
-                <a:latin typeface="Arial" charset="0"/>
-                <a:ea typeface="Arial" charset="0"/>
-                <a:cs typeface="Arial" charset="0"/>
-              </a:defRPr>
-            </a:lvl9pPr>
-          </a:lstStyle>
-          <a:p>
-            <a:pPr eaLnBrk="1" hangingPunct="1"/>
-            <a:fld id="{BE1029C0-4DF7-B946-A6BF-9D4F0622BA0C}" type="slidenum">
-              <a:rPr lang="en-US">
-                <a:latin typeface="Garamond" charset="0"/>
-              </a:rPr>
-              <a:pPr eaLnBrk="1" hangingPunct="1"/>
-              <a:t>20</a:t>
-            </a:fld>
-            <a:endParaRPr lang="en-US">
-              <a:latin typeface="Garamond" charset="0"/>
-            </a:endParaRPr>
-          </a:p>
-        </p:txBody>
-      </p:sp>
-      <p:sp>
-        <p:nvSpPr>
-          <p:cNvPr id="6" name="Footer Placeholder 5"/>
-          <p:cNvSpPr>
-            <a:spLocks noGrp="1"/>
-          </p:cNvSpPr>
-          <p:nvPr>
-            <p:ph type="ftr" sz="quarter" idx="11"/>
-          </p:nvPr>
-        </p:nvSpPr>
-        <p:spPr/>
-        <p:txBody>
-          <a:bodyPr/>
-          <a:lstStyle/>
-          <a:p>
-            <a:pPr>
-              <a:defRPr/>
-            </a:pPr>
-            <a:r>
-              <a:rPr lang="en-US" altLang="en-US" smtClean="0"/>
-              <a:t>ECE Application Programming: Lecture 28</a:t>
-            </a:r>
-            <a:endParaRPr lang="en-US" altLang="en-US"/>
-          </a:p>
-        </p:txBody>
-      </p:sp>
-    </p:spTree>
-    <p:extLst>
-      <p:ext uri="{BB962C8B-B14F-4D97-AF65-F5344CB8AC3E}">
-        <p14:creationId xmlns:p14="http://schemas.microsoft.com/office/powerpoint/2010/main" val="2019176892"/>
-      </p:ext>
-    </p:extLst>
-  </p:cSld>
-  <p:clrMapOvr>
-    <a:masterClrMapping/>
-  </p:clrMapOvr>
-  <p:timing>
-    <p:tnLst>
-      <p:par>
-        <p:cTn xmlns:p14="http://schemas.microsoft.com/office/powerpoint/2010/main" id="1" dur="indefinite" restart="never" nodeType="tmRoot"/>
-      </p:par>
-    </p:tnLst>
-  </p:timing>
-</p:sld>
-</file>
-
-<file path=ppt/slides/slide21.xml><?xml version="1.0" encoding="utf-8"?>
-<p:sld xmlns:a="http://schemas.openxmlformats.org/drawingml/2006/main" xmlns:r="http://schemas.openxmlformats.org/officeDocument/2006/relationships" xmlns:p="http://schemas.openxmlformats.org/presentationml/2006/main">
-  <p:cSld>
-    <p:spTree>
-      <p:nvGrpSpPr>
-        <p:cNvPr id="1" name=""/>
-        <p:cNvGrpSpPr/>
-        <p:nvPr/>
-      </p:nvGrpSpPr>
-      <p:grpSpPr>
-        <a:xfrm>
-          <a:off x="0" y="0"/>
-          <a:ext cx="0" cy="0"/>
-          <a:chOff x="0" y="0"/>
-          <a:chExt cx="0" cy="0"/>
-        </a:xfrm>
-      </p:grpSpPr>
-      <p:sp>
-        <p:nvSpPr>
-          <p:cNvPr id="7170" name="Title 1"/>
-          <p:cNvSpPr>
-            <a:spLocks noGrp="1"/>
-          </p:cNvSpPr>
-          <p:nvPr>
-            <p:ph type="title"/>
-          </p:nvPr>
-        </p:nvSpPr>
-        <p:spPr/>
-        <p:txBody>
-          <a:bodyPr/>
-          <a:lstStyle/>
-          <a:p>
-            <a:r>
-              <a:rPr lang="en-US">
-                <a:latin typeface="Garamond" charset="0"/>
-              </a:rPr>
-              <a:t>Unformatted I/O (cont.)</a:t>
-            </a:r>
-          </a:p>
-        </p:txBody>
-      </p:sp>
-      <p:sp>
-        <p:nvSpPr>
-          <p:cNvPr id="7171" name="Content Placeholder 2"/>
-          <p:cNvSpPr>
-            <a:spLocks noGrp="1"/>
-          </p:cNvSpPr>
-          <p:nvPr>
-            <p:ph idx="1"/>
-          </p:nvPr>
-        </p:nvSpPr>
-        <p:spPr/>
-        <p:txBody>
-          <a:bodyPr/>
-          <a:lstStyle/>
-          <a:p>
-            <a:r>
-              <a:rPr lang="en-US">
-                <a:latin typeface="Arial" charset="0"/>
-              </a:rPr>
-              <a:t>One benefit—ability to read/write entire array at once</a:t>
-            </a:r>
-          </a:p>
-          <a:p>
-            <a:r>
-              <a:rPr lang="en-US">
-                <a:latin typeface="Arial" charset="0"/>
-              </a:rPr>
-              <a:t>For example:</a:t>
-            </a:r>
-          </a:p>
-          <a:p>
-            <a:pPr lvl="1"/>
-            <a:r>
-              <a:rPr lang="en-US">
-                <a:latin typeface="Arial" charset="0"/>
-              </a:rPr>
-              <a:t>Given int x[100];</a:t>
-            </a:r>
-          </a:p>
-          <a:p>
-            <a:pPr lvl="1"/>
-            <a:r>
-              <a:rPr lang="en-US">
-                <a:latin typeface="Arial" charset="0"/>
-              </a:rPr>
-              <a:t>Can read array from file pointed to by fp:</a:t>
-            </a:r>
-          </a:p>
-          <a:p>
-            <a:pPr lvl="2"/>
-            <a:r>
-              <a:rPr lang="en-US">
-                <a:latin typeface="Courier New" charset="0"/>
-                <a:cs typeface="Courier New" charset="0"/>
-              </a:rPr>
-              <a:t>n = fread(x, sizeof(int), 100, fp);</a:t>
-            </a:r>
-          </a:p>
-          <a:p>
-            <a:pPr lvl="3"/>
-            <a:r>
-              <a:rPr lang="en-US">
-                <a:latin typeface="Arial" charset="0"/>
-              </a:rPr>
-              <a:t>n should equal 100</a:t>
-            </a:r>
-          </a:p>
-          <a:p>
-            <a:pPr lvl="1"/>
-            <a:r>
-              <a:rPr lang="en-US">
-                <a:latin typeface="Arial" charset="0"/>
-              </a:rPr>
-              <a:t>Can write array to file pointed to by fp:</a:t>
-            </a:r>
-          </a:p>
-          <a:p>
-            <a:pPr lvl="2"/>
-            <a:r>
-              <a:rPr lang="en-US">
-                <a:latin typeface="Courier New" charset="0"/>
-                <a:cs typeface="Courier New" charset="0"/>
-              </a:rPr>
-              <a:t>fwrite(x, sizeof(int), 100, fp);</a:t>
-            </a:r>
-          </a:p>
-          <a:p>
-            <a:endParaRPr lang="en-US">
-              <a:latin typeface="Arial" charset="0"/>
-            </a:endParaRPr>
-          </a:p>
-        </p:txBody>
-      </p:sp>
-      <p:sp>
-        <p:nvSpPr>
-          <p:cNvPr id="4" name="Date Placeholder 3"/>
-          <p:cNvSpPr>
-            <a:spLocks noGrp="1"/>
-          </p:cNvSpPr>
-          <p:nvPr>
-            <p:ph type="dt" sz="quarter" idx="10"/>
-          </p:nvPr>
-        </p:nvSpPr>
-        <p:spPr/>
-        <p:txBody>
-          <a:bodyPr/>
-          <a:lstStyle>
-            <a:lvl1pPr eaLnBrk="0" hangingPunct="0">
-              <a:defRPr>
-                <a:solidFill>
-                  <a:schemeClr val="tx1"/>
-                </a:solidFill>
-                <a:latin typeface="Arial" charset="0"/>
-                <a:ea typeface="ＭＳ Ｐゴシック" charset="0"/>
-                <a:cs typeface="Arial" charset="0"/>
-              </a:defRPr>
-            </a:lvl1pPr>
-            <a:lvl2pPr marL="742950" indent="-285750" eaLnBrk="0" hangingPunct="0">
-              <a:defRPr>
-                <a:solidFill>
-                  <a:schemeClr val="tx1"/>
-                </a:solidFill>
-                <a:latin typeface="Arial" charset="0"/>
-                <a:ea typeface="Arial" charset="0"/>
-                <a:cs typeface="Arial" charset="0"/>
-              </a:defRPr>
-            </a:lvl2pPr>
-            <a:lvl3pPr marL="1143000" indent="-228600" eaLnBrk="0" hangingPunct="0">
-              <a:defRPr>
-                <a:solidFill>
-                  <a:schemeClr val="tx1"/>
-                </a:solidFill>
-                <a:latin typeface="Arial" charset="0"/>
-                <a:ea typeface="Arial" charset="0"/>
-                <a:cs typeface="Arial" charset="0"/>
-              </a:defRPr>
-            </a:lvl3pPr>
-            <a:lvl4pPr marL="1600200" indent="-228600" eaLnBrk="0" hangingPunct="0">
-              <a:defRPr>
-                <a:solidFill>
-                  <a:schemeClr val="tx1"/>
-                </a:solidFill>
-                <a:latin typeface="Arial" charset="0"/>
-                <a:ea typeface="Arial" charset="0"/>
-                <a:cs typeface="Arial" charset="0"/>
-              </a:defRPr>
-            </a:lvl4pPr>
-            <a:lvl5pPr marL="2057400" indent="-228600" eaLnBrk="0" hangingPunct="0">
-              <a:defRPr>
-                <a:solidFill>
-                  <a:schemeClr val="tx1"/>
-                </a:solidFill>
-                <a:latin typeface="Arial" charset="0"/>
-                <a:ea typeface="Arial" charset="0"/>
-                <a:cs typeface="Arial" charset="0"/>
-              </a:defRPr>
-            </a:lvl5pPr>
-            <a:lvl6pPr marL="2514600" indent="-228600" eaLnBrk="0" fontAlgn="base" hangingPunct="0">
-              <a:spcBef>
-                <a:spcPct val="0"/>
-              </a:spcBef>
-              <a:spcAft>
-                <a:spcPct val="0"/>
-              </a:spcAft>
-              <a:defRPr>
-                <a:solidFill>
-                  <a:schemeClr val="tx1"/>
-                </a:solidFill>
-                <a:latin typeface="Arial" charset="0"/>
-                <a:ea typeface="Arial" charset="0"/>
-                <a:cs typeface="Arial" charset="0"/>
-              </a:defRPr>
-            </a:lvl6pPr>
-            <a:lvl7pPr marL="2971800" indent="-228600" eaLnBrk="0" fontAlgn="base" hangingPunct="0">
-              <a:spcBef>
-                <a:spcPct val="0"/>
-              </a:spcBef>
-              <a:spcAft>
-                <a:spcPct val="0"/>
-              </a:spcAft>
-              <a:defRPr>
-                <a:solidFill>
-                  <a:schemeClr val="tx1"/>
-                </a:solidFill>
-                <a:latin typeface="Arial" charset="0"/>
-                <a:ea typeface="Arial" charset="0"/>
-                <a:cs typeface="Arial" charset="0"/>
-              </a:defRPr>
-            </a:lvl7pPr>
-            <a:lvl8pPr marL="3429000" indent="-228600" eaLnBrk="0" fontAlgn="base" hangingPunct="0">
-              <a:spcBef>
-                <a:spcPct val="0"/>
-              </a:spcBef>
-              <a:spcAft>
-                <a:spcPct val="0"/>
-              </a:spcAft>
-              <a:defRPr>
-                <a:solidFill>
-                  <a:schemeClr val="tx1"/>
-                </a:solidFill>
-                <a:latin typeface="Arial" charset="0"/>
-                <a:ea typeface="Arial" charset="0"/>
-                <a:cs typeface="Arial" charset="0"/>
-              </a:defRPr>
-            </a:lvl8pPr>
-            <a:lvl9pPr marL="3886200" indent="-228600" eaLnBrk="0" fontAlgn="base" hangingPunct="0">
-              <a:spcBef>
-                <a:spcPct val="0"/>
-              </a:spcBef>
-              <a:spcAft>
-                <a:spcPct val="0"/>
-              </a:spcAft>
-              <a:defRPr>
-                <a:solidFill>
-                  <a:schemeClr val="tx1"/>
-                </a:solidFill>
-                <a:latin typeface="Arial" charset="0"/>
-                <a:ea typeface="Arial" charset="0"/>
-                <a:cs typeface="Arial" charset="0"/>
-              </a:defRPr>
-            </a:lvl9pPr>
-          </a:lstStyle>
-          <a:p>
-            <a:pPr eaLnBrk="1" hangingPunct="1"/>
-            <a:fld id="{33E3900F-F3D7-474F-9934-D3878F861ECD}" type="datetime1">
-              <a:rPr lang="en-US" smtClean="0">
-                <a:latin typeface="Garamond" charset="0"/>
-              </a:rPr>
-              <a:t>4/11/18</a:t>
-            </a:fld>
-            <a:endParaRPr lang="en-US">
-              <a:latin typeface="Garamond" charset="0"/>
-            </a:endParaRPr>
-          </a:p>
-        </p:txBody>
-      </p:sp>
-      <p:sp>
-        <p:nvSpPr>
-          <p:cNvPr id="5" name="Footer Placeholder 4"/>
-          <p:cNvSpPr>
-            <a:spLocks noGrp="1"/>
-          </p:cNvSpPr>
-          <p:nvPr>
-            <p:ph type="ftr" sz="quarter" idx="11"/>
-          </p:nvPr>
-        </p:nvSpPr>
-        <p:spPr/>
-        <p:txBody>
-          <a:bodyPr/>
-          <a:lstStyle/>
-          <a:p>
-            <a:pPr>
-              <a:defRPr/>
-            </a:pPr>
-            <a:r>
-              <a:rPr lang="en-US" altLang="en-US" smtClean="0"/>
-              <a:t>ECE Application Programming: Lecture 28</a:t>
-            </a:r>
-            <a:endParaRPr lang="en-US" altLang="en-US"/>
-          </a:p>
-        </p:txBody>
-      </p:sp>
-      <p:sp>
-        <p:nvSpPr>
-          <p:cNvPr id="6" name="Slide Number Placeholder 5"/>
-          <p:cNvSpPr>
-            <a:spLocks noGrp="1"/>
-          </p:cNvSpPr>
-          <p:nvPr>
-            <p:ph type="sldNum" sz="quarter" idx="12"/>
-          </p:nvPr>
-        </p:nvSpPr>
-        <p:spPr/>
-        <p:txBody>
-          <a:bodyPr/>
-          <a:lstStyle>
-            <a:lvl1pPr eaLnBrk="0" hangingPunct="0">
-              <a:defRPr>
-                <a:solidFill>
-                  <a:schemeClr val="tx1"/>
-                </a:solidFill>
-                <a:latin typeface="Arial" charset="0"/>
-                <a:ea typeface="ＭＳ Ｐゴシック" charset="0"/>
-                <a:cs typeface="Arial" charset="0"/>
-              </a:defRPr>
-            </a:lvl1pPr>
-            <a:lvl2pPr marL="742950" indent="-285750" eaLnBrk="0" hangingPunct="0">
-              <a:defRPr>
-                <a:solidFill>
-                  <a:schemeClr val="tx1"/>
-                </a:solidFill>
-                <a:latin typeface="Arial" charset="0"/>
-                <a:ea typeface="Arial" charset="0"/>
-                <a:cs typeface="Arial" charset="0"/>
-              </a:defRPr>
-            </a:lvl2pPr>
-            <a:lvl3pPr marL="1143000" indent="-228600" eaLnBrk="0" hangingPunct="0">
-              <a:defRPr>
-                <a:solidFill>
-                  <a:schemeClr val="tx1"/>
-                </a:solidFill>
-                <a:latin typeface="Arial" charset="0"/>
-                <a:ea typeface="Arial" charset="0"/>
-                <a:cs typeface="Arial" charset="0"/>
-              </a:defRPr>
-            </a:lvl3pPr>
-            <a:lvl4pPr marL="1600200" indent="-228600" eaLnBrk="0" hangingPunct="0">
-              <a:defRPr>
-                <a:solidFill>
-                  <a:schemeClr val="tx1"/>
-                </a:solidFill>
-                <a:latin typeface="Arial" charset="0"/>
-                <a:ea typeface="Arial" charset="0"/>
-                <a:cs typeface="Arial" charset="0"/>
-              </a:defRPr>
-            </a:lvl4pPr>
-            <a:lvl5pPr marL="2057400" indent="-228600" eaLnBrk="0" hangingPunct="0">
-              <a:defRPr>
-                <a:solidFill>
-                  <a:schemeClr val="tx1"/>
-                </a:solidFill>
-                <a:latin typeface="Arial" charset="0"/>
-                <a:ea typeface="Arial" charset="0"/>
-                <a:cs typeface="Arial" charset="0"/>
-              </a:defRPr>
-            </a:lvl5pPr>
-            <a:lvl6pPr marL="2514600" indent="-228600" eaLnBrk="0" fontAlgn="base" hangingPunct="0">
-              <a:spcBef>
-                <a:spcPct val="0"/>
-              </a:spcBef>
-              <a:spcAft>
-                <a:spcPct val="0"/>
-              </a:spcAft>
-              <a:defRPr>
-                <a:solidFill>
-                  <a:schemeClr val="tx1"/>
-                </a:solidFill>
-                <a:latin typeface="Arial" charset="0"/>
-                <a:ea typeface="Arial" charset="0"/>
-                <a:cs typeface="Arial" charset="0"/>
-              </a:defRPr>
-            </a:lvl6pPr>
-            <a:lvl7pPr marL="2971800" indent="-228600" eaLnBrk="0" fontAlgn="base" hangingPunct="0">
-              <a:spcBef>
-                <a:spcPct val="0"/>
-              </a:spcBef>
-              <a:spcAft>
-                <a:spcPct val="0"/>
-              </a:spcAft>
-              <a:defRPr>
-                <a:solidFill>
-                  <a:schemeClr val="tx1"/>
-                </a:solidFill>
-                <a:latin typeface="Arial" charset="0"/>
-                <a:ea typeface="Arial" charset="0"/>
-                <a:cs typeface="Arial" charset="0"/>
-              </a:defRPr>
-            </a:lvl7pPr>
-            <a:lvl8pPr marL="3429000" indent="-228600" eaLnBrk="0" fontAlgn="base" hangingPunct="0">
-              <a:spcBef>
-                <a:spcPct val="0"/>
-              </a:spcBef>
-              <a:spcAft>
-                <a:spcPct val="0"/>
-              </a:spcAft>
-              <a:defRPr>
-                <a:solidFill>
-                  <a:schemeClr val="tx1"/>
-                </a:solidFill>
-                <a:latin typeface="Arial" charset="0"/>
-                <a:ea typeface="Arial" charset="0"/>
-                <a:cs typeface="Arial" charset="0"/>
-              </a:defRPr>
-            </a:lvl8pPr>
-            <a:lvl9pPr marL="3886200" indent="-228600" eaLnBrk="0" fontAlgn="base" hangingPunct="0">
-              <a:spcBef>
-                <a:spcPct val="0"/>
-              </a:spcBef>
-              <a:spcAft>
-                <a:spcPct val="0"/>
-              </a:spcAft>
-              <a:defRPr>
-                <a:solidFill>
-                  <a:schemeClr val="tx1"/>
-                </a:solidFill>
-                <a:latin typeface="Arial" charset="0"/>
-                <a:ea typeface="Arial" charset="0"/>
-                <a:cs typeface="Arial" charset="0"/>
-              </a:defRPr>
-            </a:lvl9pPr>
-          </a:lstStyle>
-          <a:p>
-            <a:pPr eaLnBrk="1" hangingPunct="1"/>
-            <a:fld id="{2CD3ABE8-2D96-F248-A14E-8C2B6D2B78FD}" type="slidenum">
-              <a:rPr lang="en-US">
-                <a:latin typeface="Garamond" charset="0"/>
-              </a:rPr>
-              <a:pPr eaLnBrk="1" hangingPunct="1"/>
-              <a:t>21</a:t>
-            </a:fld>
-            <a:endParaRPr lang="en-US">
-              <a:latin typeface="Garamond" charset="0"/>
-            </a:endParaRPr>
-          </a:p>
-        </p:txBody>
-      </p:sp>
-    </p:spTree>
-    <p:extLst>
-      <p:ext uri="{BB962C8B-B14F-4D97-AF65-F5344CB8AC3E}">
-        <p14:creationId xmlns:p14="http://schemas.microsoft.com/office/powerpoint/2010/main" val="1115959418"/>
-      </p:ext>
-    </p:extLst>
-  </p:cSld>
-  <p:clrMapOvr>
-    <a:masterClrMapping/>
-  </p:clrMapOvr>
-  <p:timing>
-    <p:tnLst>
-      <p:par>
-        <p:cTn xmlns:p14="http://schemas.microsoft.com/office/powerpoint/2010/main" id="1" dur="indefinite" restart="never" nodeType="tmRoot"/>
-      </p:par>
-    </p:tnLst>
-  </p:timing>
-</p:sld>
-</file>
-
-<file path=ppt/slides/slide22.xml><?xml version="1.0" encoding="utf-8"?>
-<p:sld xmlns:a="http://schemas.openxmlformats.org/drawingml/2006/main" xmlns:r="http://schemas.openxmlformats.org/officeDocument/2006/relationships" xmlns:p="http://schemas.openxmlformats.org/presentationml/2006/main">
-  <p:cSld>
-    <p:spTree>
-      <p:nvGrpSpPr>
-        <p:cNvPr id="1" name=""/>
-        <p:cNvGrpSpPr/>
-        <p:nvPr/>
-      </p:nvGrpSpPr>
-      <p:grpSpPr>
-        <a:xfrm>
-          <a:off x="0" y="0"/>
-          <a:ext cx="0" cy="0"/>
-          <a:chOff x="0" y="0"/>
-          <a:chExt cx="0" cy="0"/>
-        </a:xfrm>
-      </p:grpSpPr>
-      <p:sp>
-        <p:nvSpPr>
-          <p:cNvPr id="23554" name="Title 1"/>
-          <p:cNvSpPr>
-            <a:spLocks noGrp="1"/>
-          </p:cNvSpPr>
-          <p:nvPr>
-            <p:ph type="title"/>
-          </p:nvPr>
-        </p:nvSpPr>
-        <p:spPr/>
-        <p:txBody>
-          <a:bodyPr/>
-          <a:lstStyle/>
-          <a:p>
-            <a:r>
-              <a:rPr lang="en-US">
-                <a:latin typeface="Garamond" charset="0"/>
-              </a:rPr>
-              <a:t>Next time</a:t>
-            </a:r>
-          </a:p>
-        </p:txBody>
-      </p:sp>
-      <p:sp>
-        <p:nvSpPr>
-          <p:cNvPr id="23555" name="Content Placeholder 2"/>
-          <p:cNvSpPr>
-            <a:spLocks noGrp="1"/>
-          </p:cNvSpPr>
-          <p:nvPr>
-            <p:ph idx="1"/>
-          </p:nvPr>
-        </p:nvSpPr>
-        <p:spPr>
-          <a:xfrm>
-            <a:off x="457200" y="990600"/>
-            <a:ext cx="8229600" cy="5140325"/>
-          </a:xfrm>
-        </p:spPr>
-        <p:txBody>
-          <a:bodyPr>
-            <a:normAutofit/>
-          </a:bodyPr>
-          <a:lstStyle/>
-          <a:p>
-            <a:pPr>
-              <a:lnSpc>
-                <a:spcPct val="80000"/>
-              </a:lnSpc>
-            </a:pPr>
-            <a:r>
-              <a:rPr lang="en-US" sz="2800" dirty="0" smtClean="0">
-                <a:latin typeface="Arial" charset="0"/>
-              </a:rPr>
-              <a:t>Character and line I</a:t>
-            </a:r>
-            <a:r>
-              <a:rPr lang="en-US" sz="2800" smtClean="0">
-                <a:latin typeface="Arial" charset="0"/>
-              </a:rPr>
-              <a:t>/</a:t>
-            </a:r>
-            <a:r>
-              <a:rPr lang="en-US" sz="2800" smtClean="0">
-                <a:latin typeface="Arial" charset="0"/>
-              </a:rPr>
-              <a:t>O</a:t>
-            </a:r>
-          </a:p>
-          <a:p>
-            <a:pPr>
-              <a:lnSpc>
-                <a:spcPct val="80000"/>
-              </a:lnSpc>
-            </a:pPr>
-            <a:endParaRPr lang="en-US" sz="2800" dirty="0">
-              <a:latin typeface="Arial" charset="0"/>
-            </a:endParaRPr>
-          </a:p>
-          <a:p>
-            <a:pPr>
-              <a:lnSpc>
-                <a:spcPct val="80000"/>
-              </a:lnSpc>
-            </a:pPr>
-            <a:r>
-              <a:rPr lang="en-US" sz="2800" dirty="0">
-                <a:latin typeface="Arial" charset="0"/>
-              </a:rPr>
-              <a:t>Reminders:</a:t>
-            </a:r>
-          </a:p>
-          <a:p>
-            <a:pPr lvl="1"/>
-            <a:r>
-              <a:rPr lang="en-US" dirty="0">
-                <a:latin typeface="Arial" charset="0"/>
-              </a:rPr>
-              <a:t>Program 6 graded; </a:t>
-            </a:r>
-            <a:r>
-              <a:rPr lang="en-US" dirty="0" err="1">
-                <a:latin typeface="Arial" charset="0"/>
-              </a:rPr>
-              <a:t>regrades</a:t>
-            </a:r>
-            <a:r>
-              <a:rPr lang="en-US" dirty="0">
-                <a:latin typeface="Arial" charset="0"/>
-              </a:rPr>
-              <a:t> due Wed 4/18</a:t>
-            </a:r>
-          </a:p>
-          <a:p>
-            <a:pPr lvl="1"/>
-            <a:r>
-              <a:rPr lang="en-US" dirty="0">
-                <a:latin typeface="Arial" charset="0"/>
-              </a:rPr>
-              <a:t>Program 7 due Friday, 4/13</a:t>
-            </a:r>
-          </a:p>
-          <a:p>
-            <a:pPr lvl="1"/>
-            <a:r>
-              <a:rPr lang="en-US" dirty="0">
-                <a:latin typeface="Arial" charset="0"/>
-              </a:rPr>
-              <a:t>Program 8 to be posted; due 4/</a:t>
-            </a:r>
-            <a:r>
-              <a:rPr lang="en-US" dirty="0" smtClean="0">
-                <a:latin typeface="Arial" charset="0"/>
-              </a:rPr>
-              <a:t>23</a:t>
-            </a:r>
-          </a:p>
-          <a:p>
-            <a:pPr lvl="1"/>
-            <a:r>
-              <a:rPr lang="en-US" dirty="0">
-                <a:latin typeface="Arial" charset="0"/>
-              </a:rPr>
-              <a:t>No lecture Monday 4/16 (Patriots Day)</a:t>
-            </a:r>
-          </a:p>
-          <a:p>
-            <a:pPr lvl="1"/>
-            <a:endParaRPr lang="en-US" dirty="0">
-              <a:latin typeface="Arial" charset="0"/>
-            </a:endParaRPr>
-          </a:p>
-          <a:p>
-            <a:pPr lvl="2">
-              <a:defRPr/>
-            </a:pPr>
-            <a:endParaRPr lang="en-US" sz="2000" dirty="0">
-              <a:latin typeface="Arial" charset="0"/>
-            </a:endParaRPr>
-          </a:p>
-          <a:p>
-            <a:pPr lvl="2">
-              <a:lnSpc>
-                <a:spcPct val="80000"/>
-              </a:lnSpc>
-            </a:pPr>
-            <a:endParaRPr lang="en-US" sz="2000" dirty="0">
-              <a:latin typeface="Arial" charset="0"/>
-            </a:endParaRPr>
-          </a:p>
-        </p:txBody>
-      </p:sp>
-      <p:sp>
-        <p:nvSpPr>
-          <p:cNvPr id="23556" name="Date Placeholder 3"/>
-          <p:cNvSpPr>
-            <a:spLocks noGrp="1"/>
-          </p:cNvSpPr>
-          <p:nvPr>
-            <p:ph type="dt" sz="quarter" idx="10"/>
-          </p:nvPr>
-        </p:nvSpPr>
-        <p:spPr>
-          <a:noFill/>
-          <a:ln/>
-          <a:extLst>
-            <a:ext uri="{909E8E84-426E-40dd-AFC4-6F175D3DCCD1}">
-              <a14:hiddenFill xmlns:a14="http://schemas.microsoft.com/office/drawing/2010/main">
-                <a:solidFill>
-                  <a:srgbClr val="FFFFFF"/>
-                </a:solidFill>
-              </a14:hiddenFill>
-            </a:ext>
-            <a:ext uri="{91240B29-F687-4f45-9708-019B960494DF}">
-              <a14:hiddenLine xmlns:a14="http://schemas.microsoft.com/office/drawing/2010/main" w="9525">
-                <a:solidFill>
-                  <a:srgbClr val="000000"/>
-                </a:solidFill>
-                <a:miter lim="800000"/>
-                <a:headEnd/>
-                <a:tailEnd/>
-              </a14:hiddenLine>
-            </a:ext>
-          </a:extLst>
-        </p:spPr>
-        <p:txBody>
-          <a:bodyPr/>
-          <a:lstStyle>
-            <a:lvl1pPr>
-              <a:defRPr sz="3000">
-                <a:solidFill>
-                  <a:schemeClr val="tx1"/>
-                </a:solidFill>
-                <a:latin typeface="Arial" charset="0"/>
-                <a:ea typeface="ＭＳ Ｐゴシック" charset="0"/>
-                <a:cs typeface="ＭＳ Ｐゴシック" charset="0"/>
-              </a:defRPr>
-            </a:lvl1pPr>
-            <a:lvl2pPr marL="742950" indent="-285750">
-              <a:defRPr sz="2600">
-                <a:solidFill>
-                  <a:schemeClr val="tx1"/>
-                </a:solidFill>
-                <a:latin typeface="Arial" charset="0"/>
-                <a:ea typeface="ＭＳ Ｐゴシック" charset="0"/>
-              </a:defRPr>
-            </a:lvl2pPr>
-            <a:lvl3pPr marL="1143000" indent="-228600">
-              <a:defRPr sz="2200">
-                <a:solidFill>
-                  <a:schemeClr val="tx1"/>
-                </a:solidFill>
-                <a:latin typeface="Arial" charset="0"/>
-                <a:ea typeface="ＭＳ Ｐゴシック" charset="0"/>
-              </a:defRPr>
-            </a:lvl3pPr>
-            <a:lvl4pPr marL="1600200" indent="-228600">
-              <a:defRPr sz="2000">
-                <a:solidFill>
-                  <a:schemeClr val="tx1"/>
-                </a:solidFill>
-                <a:latin typeface="Arial" charset="0"/>
-                <a:ea typeface="ＭＳ Ｐゴシック" charset="0"/>
-              </a:defRPr>
-            </a:lvl4pPr>
-            <a:lvl5pPr marL="2057400" indent="-228600">
-              <a:defRPr sz="2000">
-                <a:solidFill>
-                  <a:schemeClr val="tx1"/>
-                </a:solidFill>
-                <a:latin typeface="Arial" charset="0"/>
-                <a:ea typeface="ＭＳ Ｐゴシック" charset="0"/>
-              </a:defRPr>
-            </a:lvl5pPr>
-            <a:lvl6pPr marL="2514600" indent="-228600" eaLnBrk="0" hangingPunct="0">
-              <a:buFont typeface="Wingdings" charset="0"/>
-              <a:defRPr sz="2000">
-                <a:solidFill>
-                  <a:schemeClr val="tx1"/>
-                </a:solidFill>
-                <a:latin typeface="Arial" charset="0"/>
-                <a:ea typeface="ＭＳ Ｐゴシック" charset="0"/>
-              </a:defRPr>
-            </a:lvl6pPr>
-            <a:lvl7pPr marL="2971800" indent="-228600" eaLnBrk="0" hangingPunct="0">
-              <a:buFont typeface="Wingdings" charset="0"/>
-              <a:defRPr sz="2000">
-                <a:solidFill>
-                  <a:schemeClr val="tx1"/>
-                </a:solidFill>
-                <a:latin typeface="Arial" charset="0"/>
-                <a:ea typeface="ＭＳ Ｐゴシック" charset="0"/>
-              </a:defRPr>
-            </a:lvl7pPr>
-            <a:lvl8pPr marL="3429000" indent="-228600" eaLnBrk="0" hangingPunct="0">
-              <a:buFont typeface="Wingdings" charset="0"/>
-              <a:defRPr sz="2000">
-                <a:solidFill>
-                  <a:schemeClr val="tx1"/>
-                </a:solidFill>
-                <a:latin typeface="Arial" charset="0"/>
-                <a:ea typeface="ＭＳ Ｐゴシック" charset="0"/>
-              </a:defRPr>
-            </a:lvl8pPr>
-            <a:lvl9pPr marL="3886200" indent="-228600" eaLnBrk="0" hangingPunct="0">
-              <a:buFont typeface="Wingdings" charset="0"/>
-              <a:defRPr sz="2000">
-                <a:solidFill>
-                  <a:schemeClr val="tx1"/>
-                </a:solidFill>
-                <a:latin typeface="Arial" charset="0"/>
-                <a:ea typeface="ＭＳ Ｐゴシック" charset="0"/>
-              </a:defRPr>
-            </a:lvl9pPr>
-          </a:lstStyle>
-          <a:p>
-            <a:pPr eaLnBrk="0" hangingPunct="0"/>
-            <a:fld id="{C1B97C92-26B1-3D41-A964-930283DBF830}" type="datetime1">
-              <a:rPr lang="en-US" sz="1200" smtClean="0"/>
-              <a:t>4/11/18</a:t>
-            </a:fld>
-            <a:endParaRPr lang="en-US" sz="1200" dirty="0"/>
-          </a:p>
-        </p:txBody>
-      </p:sp>
-      <p:sp>
-        <p:nvSpPr>
-          <p:cNvPr id="5" name="Footer Placeholder 4"/>
-          <p:cNvSpPr>
-            <a:spLocks noGrp="1"/>
-          </p:cNvSpPr>
-          <p:nvPr>
-            <p:ph type="ftr" sz="quarter" idx="11"/>
-          </p:nvPr>
-        </p:nvSpPr>
-        <p:spPr/>
-        <p:txBody>
-          <a:bodyPr/>
-          <a:lstStyle/>
-          <a:p>
-            <a:pPr>
-              <a:defRPr/>
-            </a:pPr>
-            <a:r>
-              <a:rPr lang="en-US" altLang="en-US" smtClean="0"/>
-              <a:t>ECE Application Programming: Lecture 28</a:t>
-            </a:r>
-            <a:endParaRPr lang="en-US" altLang="en-US"/>
-          </a:p>
-        </p:txBody>
-      </p:sp>
-      <p:sp>
-        <p:nvSpPr>
-          <p:cNvPr id="23558" name="Slide Number Placeholder 5"/>
-          <p:cNvSpPr>
-            <a:spLocks noGrp="1"/>
-          </p:cNvSpPr>
-          <p:nvPr>
-            <p:ph type="sldNum" sz="quarter" idx="12"/>
-          </p:nvPr>
-        </p:nvSpPr>
-        <p:spPr>
-          <a:noFill/>
-          <a:ln/>
-          <a:extLst>
-            <a:ext uri="{909E8E84-426E-40dd-AFC4-6F175D3DCCD1}">
-              <a14:hiddenFill xmlns:a14="http://schemas.microsoft.com/office/drawing/2010/main">
-                <a:solidFill>
-                  <a:srgbClr val="FFFFFF"/>
-                </a:solidFill>
-              </a14:hiddenFill>
-            </a:ext>
-            <a:ext uri="{91240B29-F687-4f45-9708-019B960494DF}">
-              <a14:hiddenLine xmlns:a14="http://schemas.microsoft.com/office/drawing/2010/main" w="9525">
-                <a:solidFill>
-                  <a:srgbClr val="000000"/>
-                </a:solidFill>
-                <a:miter lim="800000"/>
-                <a:headEnd/>
-                <a:tailEnd/>
-              </a14:hiddenLine>
-            </a:ext>
-          </a:extLst>
-        </p:spPr>
-        <p:txBody>
-          <a:bodyPr/>
-          <a:lstStyle>
-            <a:lvl1pPr>
-              <a:defRPr sz="3000">
-                <a:solidFill>
-                  <a:schemeClr val="tx1"/>
-                </a:solidFill>
-                <a:latin typeface="Arial" charset="0"/>
-                <a:ea typeface="ＭＳ Ｐゴシック" charset="0"/>
-                <a:cs typeface="ＭＳ Ｐゴシック" charset="0"/>
-              </a:defRPr>
-            </a:lvl1pPr>
-            <a:lvl2pPr marL="742950" indent="-285750">
-              <a:defRPr sz="2600">
-                <a:solidFill>
-                  <a:schemeClr val="tx1"/>
-                </a:solidFill>
-                <a:latin typeface="Arial" charset="0"/>
-                <a:ea typeface="ＭＳ Ｐゴシック" charset="0"/>
-              </a:defRPr>
-            </a:lvl2pPr>
-            <a:lvl3pPr marL="1143000" indent="-228600">
-              <a:defRPr sz="2200">
-                <a:solidFill>
-                  <a:schemeClr val="tx1"/>
-                </a:solidFill>
-                <a:latin typeface="Arial" charset="0"/>
-                <a:ea typeface="ＭＳ Ｐゴシック" charset="0"/>
-              </a:defRPr>
-            </a:lvl3pPr>
-            <a:lvl4pPr marL="1600200" indent="-228600">
-              <a:defRPr sz="2000">
-                <a:solidFill>
-                  <a:schemeClr val="tx1"/>
-                </a:solidFill>
-                <a:latin typeface="Arial" charset="0"/>
-                <a:ea typeface="ＭＳ Ｐゴシック" charset="0"/>
-              </a:defRPr>
-            </a:lvl4pPr>
-            <a:lvl5pPr marL="2057400" indent="-228600">
-              <a:defRPr sz="2000">
-                <a:solidFill>
-                  <a:schemeClr val="tx1"/>
-                </a:solidFill>
-                <a:latin typeface="Arial" charset="0"/>
-                <a:ea typeface="ＭＳ Ｐゴシック" charset="0"/>
-              </a:defRPr>
-            </a:lvl5pPr>
-            <a:lvl6pPr marL="2514600" indent="-228600" eaLnBrk="0" hangingPunct="0">
-              <a:buFont typeface="Wingdings" charset="0"/>
-              <a:defRPr sz="2000">
-                <a:solidFill>
-                  <a:schemeClr val="tx1"/>
-                </a:solidFill>
-                <a:latin typeface="Arial" charset="0"/>
-                <a:ea typeface="ＭＳ Ｐゴシック" charset="0"/>
-              </a:defRPr>
-            </a:lvl6pPr>
-            <a:lvl7pPr marL="2971800" indent="-228600" eaLnBrk="0" hangingPunct="0">
-              <a:buFont typeface="Wingdings" charset="0"/>
-              <a:defRPr sz="2000">
-                <a:solidFill>
-                  <a:schemeClr val="tx1"/>
-                </a:solidFill>
-                <a:latin typeface="Arial" charset="0"/>
-                <a:ea typeface="ＭＳ Ｐゴシック" charset="0"/>
-              </a:defRPr>
-            </a:lvl7pPr>
-            <a:lvl8pPr marL="3429000" indent="-228600" eaLnBrk="0" hangingPunct="0">
-              <a:buFont typeface="Wingdings" charset="0"/>
-              <a:defRPr sz="2000">
-                <a:solidFill>
-                  <a:schemeClr val="tx1"/>
-                </a:solidFill>
-                <a:latin typeface="Arial" charset="0"/>
-                <a:ea typeface="ＭＳ Ｐゴシック" charset="0"/>
-              </a:defRPr>
-            </a:lvl8pPr>
-            <a:lvl9pPr marL="3886200" indent="-228600" eaLnBrk="0" hangingPunct="0">
-              <a:buFont typeface="Wingdings" charset="0"/>
-              <a:defRPr sz="2000">
-                <a:solidFill>
-                  <a:schemeClr val="tx1"/>
-                </a:solidFill>
-                <a:latin typeface="Arial" charset="0"/>
-                <a:ea typeface="ＭＳ Ｐゴシック" charset="0"/>
-              </a:defRPr>
-            </a:lvl9pPr>
-          </a:lstStyle>
-          <a:p>
-            <a:pPr eaLnBrk="0" hangingPunct="0"/>
-            <a:fld id="{843FFED0-5613-D747-AC8F-CF84A7339BF4}" type="slidenum">
-              <a:rPr lang="en-US" sz="1200"/>
-              <a:pPr eaLnBrk="0" hangingPunct="0"/>
-              <a:t>22</a:t>
-            </a:fld>
-            <a:endParaRPr lang="en-US" sz="1200"/>
           </a:p>
         </p:txBody>
       </p:sp>
@@ -16248,11 +12139,11 @@
           </a:lstStyle>
           <a:p>
             <a:pPr eaLnBrk="1" hangingPunct="1"/>
-            <a:fld id="{E104C37B-5E15-F341-9CEB-E281AB738E27}" type="datetime1">
+            <a:fld id="{0B65BCC9-567D-D747-9E05-BC1320138883}" type="datetime1">
               <a:rPr lang="en-US" sz="1200" smtClean="0">
                 <a:latin typeface="Garamond" charset="0"/>
               </a:rPr>
-              <a:t>4/11/18</a:t>
+              <a:t>4/13/18</a:t>
             </a:fld>
             <a:endParaRPr lang="en-US" sz="1200">
               <a:latin typeface="Garamond" charset="0"/>
@@ -16795,12 +12686,12 @@
           </a:lstStyle>
           <a:p>
             <a:pPr eaLnBrk="1" hangingPunct="1"/>
-            <a:fld id="{651C4B25-93AC-5C48-ADC6-9E08EC064D88}" type="datetime1">
+            <a:fld id="{6175D26C-3534-DE44-A82B-7B53024B1B6E}" type="datetime1">
               <a:rPr lang="en-US" sz="1200" smtClean="0">
                 <a:latin typeface="Garamond" charset="0"/>
                 <a:cs typeface="Arial" charset="0"/>
               </a:rPr>
-              <a:t>4/11/18</a:t>
+              <a:t>4/13/18</a:t>
             </a:fld>
             <a:endParaRPr lang="en-US" sz="1200">
               <a:latin typeface="Garamond" charset="0"/>
@@ -17876,11 +13767,11 @@
           </a:lstStyle>
           <a:p>
             <a:pPr eaLnBrk="1" hangingPunct="1"/>
-            <a:fld id="{81935080-CCEE-AA4B-BA2E-6548DE4E3E2C}" type="datetime1">
+            <a:fld id="{24C6B907-C5B6-634A-85FC-25510B789A5C}" type="datetime1">
               <a:rPr lang="en-US" sz="1200" smtClean="0">
                 <a:latin typeface="Garamond" charset="0"/>
               </a:rPr>
-              <a:t>4/11/18</a:t>
+              <a:t>4/13/18</a:t>
             </a:fld>
             <a:endParaRPr lang="en-US" sz="1200">
               <a:latin typeface="Garamond" charset="0"/>
@@ -18629,17 +14520,7 @@
                 <a:latin typeface="Courier New"/>
                 <a:cs typeface="Courier New"/>
               </a:rPr>
-              <a:t> </a:t>
-            </a:r>
-            <a:r>
-              <a:rPr lang="en-US" sz="3200" b="1" dirty="0" smtClean="0">
-                <a:solidFill>
-                  <a:srgbClr val="C41A16"/>
-                </a:solidFill>
-                <a:latin typeface="Courier New"/>
-                <a:cs typeface="Courier New"/>
-              </a:rPr>
-              <a:t>%s"</a:t>
+              <a:t> %s"</a:t>
             </a:r>
             <a:r>
               <a:rPr lang="en-US" sz="3200" b="1" dirty="0">
@@ -18965,11 +14846,11 @@
           </a:lstStyle>
           <a:p>
             <a:pPr eaLnBrk="1" hangingPunct="1"/>
-            <a:fld id="{5EF1856A-70ED-CF48-8F0E-CD01EEE40C4B}" type="datetime1">
+            <a:fld id="{7FF38A60-1458-7340-80A6-93E1B840D23B}" type="datetime1">
               <a:rPr lang="en-US" sz="1200" smtClean="0">
                 <a:latin typeface="Garamond" charset="0"/>
               </a:rPr>
-              <a:t>4/11/18</a:t>
+              <a:t>4/13/18</a:t>
             </a:fld>
             <a:endParaRPr lang="en-US" sz="1200">
               <a:latin typeface="Garamond" charset="0"/>
@@ -19674,11 +15555,11 @@
           </a:lstStyle>
           <a:p>
             <a:pPr eaLnBrk="1" hangingPunct="1"/>
-            <a:fld id="{ADD6B362-B21D-5E47-AEF9-8BA148EC746B}" type="datetime1">
+            <a:fld id="{A5056EEC-0156-F848-8C3B-0FFB0B563E77}" type="datetime1">
               <a:rPr lang="en-US" sz="1200" smtClean="0">
                 <a:latin typeface="Garamond" charset="0"/>
               </a:rPr>
-              <a:t>4/11/18</a:t>
+              <a:t>4/13/18</a:t>
             </a:fld>
             <a:endParaRPr lang="en-US" sz="1200">
               <a:latin typeface="Garamond" charset="0"/>
@@ -20492,11 +16373,11 @@
           </a:lstStyle>
           <a:p>
             <a:pPr eaLnBrk="1" hangingPunct="1"/>
-            <a:fld id="{A10578AE-AAEC-864E-B6EB-50A62EA331A1}" type="datetime1">
+            <a:fld id="{1B125CBE-29A1-C440-B28D-9C7687B3345D}" type="datetime1">
               <a:rPr lang="en-US" sz="1200" smtClean="0">
                 <a:latin typeface="Garamond" charset="0"/>
               </a:rPr>
-              <a:t>4/11/18</a:t>
+              <a:t>4/13/18</a:t>
             </a:fld>
             <a:endParaRPr lang="en-US" sz="1200">
               <a:latin typeface="Garamond" charset="0"/>
@@ -21299,11 +17180,11 @@
           </a:lstStyle>
           <a:p>
             <a:pPr eaLnBrk="1" hangingPunct="1"/>
-            <a:fld id="{52D53642-25B7-7948-8DB7-4ADCD9A59546}" type="datetime1">
+            <a:fld id="{5830CABF-89AB-9543-AC29-440C046C7F64}" type="datetime1">
               <a:rPr lang="en-US" sz="1200" smtClean="0">
                 <a:latin typeface="Garamond" charset="0"/>
               </a:rPr>
-              <a:t>4/11/18</a:t>
+              <a:t>4/13/18</a:t>
             </a:fld>
             <a:endParaRPr lang="en-US" sz="1200">
               <a:latin typeface="Garamond" charset="0"/>
